--- a/help/data-sheets/assets/DMeStandardSupportDatasheet_2022.pptx
+++ b/help/data-sheets/assets/DMeStandardSupportDatasheet_2022.pptx
@@ -553,7 +553,7 @@
           <a:p>
             <a:fld id="{A438815C-EDE5-F947-A55F-7634403F36C4}" type="datetimeFigureOut">
               <a:rPr lang="en-US" smtClean="0"/>
-              <a:t>3/3/2022</a:t>
+              <a:t>3/24/22</a:t>
             </a:fld>
             <a:endParaRPr lang="en-US" dirty="0"/>
           </a:p>
@@ -1176,7 +1176,7 @@
           <a:p>
             <a:fld id="{1D8BD707-D9CF-40AE-B4C6-C98DA3205C09}" type="datetimeFigureOut">
               <a:rPr lang="en-US"/>
-              <a:t>3/3/2022</a:t>
+              <a:t>3/24/22</a:t>
             </a:fld>
             <a:endParaRPr lang="en-US" dirty="0"/>
           </a:p>
@@ -1331,7 +1331,7 @@
           <a:p>
             <a:fld id="{1D8BD707-D9CF-40AE-B4C6-C98DA3205C09}" type="datetimeFigureOut">
               <a:rPr lang="en-US"/>
-              <a:t>3/3/2022</a:t>
+              <a:t>3/24/22</a:t>
             </a:fld>
             <a:endParaRPr lang="en-US" dirty="0"/>
           </a:p>
@@ -1634,7 +1634,7 @@
           <a:p>
             <a:fld id="{1D8BD707-D9CF-40AE-B4C6-C98DA3205C09}" type="datetimeFigureOut">
               <a:rPr lang="en-US"/>
-              <a:t>3/3/2022</a:t>
+              <a:t>3/24/22</a:t>
             </a:fld>
             <a:endParaRPr lang="en-US" dirty="0"/>
           </a:p>
@@ -1881,7 +1881,7 @@
               </a:spcBef>
             </a:pPr>
             <a:r>
-              <a:rPr sz="1400" b="1" u="heavy" spc="10" dirty="0">
+              <a:rPr lang="ja-jp" sz="1400" b="1" u="heavy" spc="10" dirty="0">
                 <a:solidFill>
                   <a:srgbClr val="020302"/>
                 </a:solidFill>
@@ -1893,10 +1893,10 @@
                 <a:latin typeface="Adobe Clean"/>
                 <a:cs typeface="Adobe Clean"/>
               </a:rPr>
-              <a:t>Service </a:t>
-            </a:r>
-            <a:r>
-              <a:rPr lang="en-US" sz="1400" b="1" u="heavy" spc="-10" dirty="0">
+              <a:t>服务</a:t>
+            </a:r>
+            <a:r>
+              <a:rPr lang="ja-jp" sz="1400" b="1" u="heavy" spc="-10" dirty="0">
                 <a:solidFill>
                   <a:srgbClr val="020302"/>
                 </a:solidFill>
@@ -1908,10 +1908,10 @@
                 <a:latin typeface="Adobe Clean"/>
                 <a:cs typeface="Adobe Clean"/>
               </a:rPr>
-              <a:t>Level </a:t>
-            </a:r>
-            <a:r>
-              <a:rPr lang="en-US" sz="1400" b="1" u="heavy" spc="-45" dirty="0">
+              <a:t>水平</a:t>
+            </a:r>
+            <a:r>
+              <a:rPr lang="ja-jp" sz="1400" b="1" u="heavy" spc="-45" dirty="0">
                 <a:solidFill>
                   <a:srgbClr val="020302"/>
                 </a:solidFill>
@@ -1923,10 +1923,10 @@
                 <a:latin typeface="Adobe Clean"/>
                 <a:cs typeface="Adobe Clean"/>
               </a:rPr>
-              <a:t>Targets: </a:t>
-            </a:r>
-            <a:r>
-              <a:rPr lang="en-US" sz="1400" b="1" u="heavy" spc="-10" dirty="0">
+              <a:t>目标：</a:t>
+            </a:r>
+            <a:r>
+              <a:rPr lang="ja-jp" sz="1400" b="1" u="heavy" spc="-10" dirty="0">
                 <a:solidFill>
                   <a:srgbClr val="020302"/>
                 </a:solidFill>
@@ -1938,10 +1938,10 @@
                 <a:latin typeface="Adobe Clean"/>
                 <a:cs typeface="Adobe Clean"/>
               </a:rPr>
-              <a:t>Initial</a:t>
-            </a:r>
-            <a:r>
-              <a:rPr lang="en-US" sz="1400" b="1" u="heavy" spc="-140" dirty="0">
+              <a:t>初始</a:t>
+            </a:r>
+            <a:r>
+              <a:rPr lang="ja-jp" sz="1400" b="1" u="heavy" spc="-15" dirty="0">
                 <a:solidFill>
                   <a:srgbClr val="020302"/>
                 </a:solidFill>
@@ -1953,22 +1953,7 @@
                 <a:latin typeface="Adobe Clean"/>
                 <a:cs typeface="Adobe Clean"/>
               </a:rPr>
-              <a:t> </a:t>
-            </a:r>
-            <a:r>
-              <a:rPr lang="en-US" sz="1400" b="1" u="heavy" spc="-15" dirty="0">
-                <a:solidFill>
-                  <a:srgbClr val="020302"/>
-                </a:solidFill>
-                <a:uFill>
-                  <a:solidFill>
-                    <a:srgbClr val="020302"/>
-                  </a:solidFill>
-                </a:uFill>
-                <a:latin typeface="Adobe Clean"/>
-                <a:cs typeface="Adobe Clean"/>
-              </a:rPr>
-              <a:t>Response</a:t>
+              <a:t>响应</a:t>
             </a:r>
             <a:endParaRPr sz="1400" dirty="0">
               <a:latin typeface="Adobe Clean"/>
@@ -2015,7 +2000,7 @@
         <p:spPr>
           <a:xfrm>
             <a:off x="102031" y="580032"/>
-            <a:ext cx="6134100" cy="1127232"/>
+            <a:ext cx="6134100" cy="973343"/>
           </a:xfrm>
           <a:prstGeom prst="rect">
             <a:avLst/>
@@ -2036,21 +2021,21 @@
               </a:spcBef>
             </a:pPr>
             <a:r>
-              <a:rPr lang="en-US" sz="1200" b="1" dirty="0">
+              <a:rPr lang="ja-jp" sz="1200" b="1" dirty="0">
                 <a:solidFill>
                   <a:schemeClr val="bg1"/>
                 </a:solidFill>
               </a:rPr>
-              <a:t>Standard</a:t>
-            </a:r>
-            <a:r>
-              <a:rPr lang="en-US" sz="1200" dirty="0">
+              <a:t>标准</a:t>
+            </a:r>
+            <a:r>
+              <a:rPr lang="ja-jp" sz="1200" dirty="0">
                 <a:solidFill>
                   <a:schemeClr val="bg1"/>
                 </a:solidFill>
                 <a:latin typeface="Adobe Clean Light" panose="020B0303020404020204" pitchFamily="34" charset="0"/>
               </a:rPr>
-              <a:t> | Business | Enterprise | Elite</a:t>
+              <a:t> | 商业 | 企业 | Elite</a:t>
             </a:r>
             <a:endParaRPr lang="en-US" sz="900" dirty="0">
               <a:solidFill>
@@ -2069,16 +2054,52 @@
               </a:spcBef>
             </a:pPr>
             <a:r>
-              <a:rPr lang="en-US" sz="1000" dirty="0">
+              <a:rPr lang="ja-jp" sz="1000" dirty="0">
                 <a:solidFill>
                   <a:schemeClr val="bg1"/>
                 </a:solidFill>
                 <a:latin typeface="Adobe Clean SemiLight"/>
               </a:rPr>
-              <a:t>Adobe provides a comprehensive range of technical resources to help support your business included as part of your Adobe enterprise subscription. Standard support includes 24x7 access to our self-help support resources including articles on HelpX and engagement with other customers on Adobe Community. You can take advantage of our detailed and in-depth technical product documentation and current release notes published on </a:t>
-            </a:r>
-            <a:r>
-              <a:rPr lang="en-US" sz="1000" u="sng" dirty="0">
+              <a:t>Adobe 提供一系列技术资源来帮助支持您的</a:t>
+            </a:r>
+            <a:r>
+              <a:rPr lang="ja-jp" sz="1000">
+                <a:solidFill>
+                  <a:schemeClr val="bg1"/>
+                </a:solidFill>
+                <a:latin typeface="Adobe Clean SemiLight"/>
+              </a:rPr>
+              <a:t>业务</a:t>
+            </a:r>
+            <a:r>
+              <a:rPr lang="ja-JP" altLang="en-US" sz="1000">
+                <a:solidFill>
+                  <a:schemeClr val="bg1"/>
+                </a:solidFill>
+                <a:latin typeface="Adobe Clean SemiLight"/>
+              </a:rPr>
+              <a:t>、</a:t>
+            </a:r>
+            <a:r>
+              <a:rPr lang="ja-jp" sz="1000">
+                <a:solidFill>
+                  <a:schemeClr val="bg1"/>
+                </a:solidFill>
+                <a:latin typeface="Adobe Clean SemiLight"/>
+              </a:rPr>
+              <a:t>这</a:t>
+            </a:r>
+            <a:r>
+              <a:rPr lang="ja-jp" sz="1000" dirty="0">
+                <a:solidFill>
+                  <a:schemeClr val="bg1"/>
+                </a:solidFill>
+                <a:latin typeface="Adobe Clean SemiLight"/>
+              </a:rPr>
+              <a:t>些技术资源包含在您的 Adobe 企业订阅中。标准支持包括全天均可访问我们的自助支持资源（包括 HelpX 上的文章）以及在 Adobe 社区上与其他客户交流。可充分利用我们在</a:t>
+            </a:r>
+            <a:r>
+              <a:rPr lang="ja-jp" sz="1000" u="sng" dirty="0">
                 <a:solidFill>
                   <a:schemeClr val="bg1"/>
                 </a:solidFill>
@@ -2094,22 +2115,58 @@
               <a:t>http://www.adobe.com</a:t>
             </a:r>
             <a:r>
-              <a:rPr lang="en-US" sz="1000" u="sng" dirty="0">
+              <a:rPr lang="ja-jp" sz="1000" u="sng" dirty="0">
                 <a:solidFill>
                   <a:schemeClr val="bg1"/>
                 </a:solidFill>
                 <a:latin typeface="Adobe Clean SemiLight"/>
               </a:rPr>
-              <a:t>. </a:t>
-            </a:r>
-            <a:r>
-              <a:rPr lang="en-US" sz="1000" dirty="0">
+              <a:t>上发布的详细而深入的技术产品文档和当前版本发行说明。</a:t>
+            </a:r>
+            <a:r>
+              <a:rPr lang="ja-jp" sz="1000" dirty="0">
                 <a:solidFill>
                   <a:schemeClr val="bg1"/>
                 </a:solidFill>
                 <a:latin typeface="Adobe Clean SemiLight"/>
               </a:rPr>
-              <a:t>Our standard support also includes 24x7 access for Authorized Users (Admins) to our technical support teams via chat or telephone as well as the ability to log requests for assistance via our support web portal. </a:t>
+              <a:t>我们的标准支持还包括授权用户（管理员）全天均可通过聊天会话或电话联系我们的技术支持</a:t>
+            </a:r>
+            <a:r>
+              <a:rPr lang="ja-jp" sz="1000">
+                <a:solidFill>
+                  <a:schemeClr val="bg1"/>
+                </a:solidFill>
+                <a:latin typeface="Adobe Clean SemiLight"/>
+              </a:rPr>
+              <a:t>团队</a:t>
+            </a:r>
+            <a:r>
+              <a:rPr lang="ja-JP" altLang="en-US" sz="1000">
+                <a:solidFill>
+                  <a:schemeClr val="bg1"/>
+                </a:solidFill>
+                <a:latin typeface="Adobe Clean SemiLight"/>
+              </a:rPr>
+              <a:t>、</a:t>
+            </a:r>
+            <a:r>
+              <a:rPr lang="ja-jp" sz="1000">
+                <a:solidFill>
+                  <a:schemeClr val="bg1"/>
+                </a:solidFill>
+                <a:latin typeface="Adobe Clean SemiLight"/>
+              </a:rPr>
+              <a:t>并</a:t>
+            </a:r>
+            <a:r>
+              <a:rPr lang="ja-jp" sz="1000" dirty="0">
+                <a:solidFill>
+                  <a:schemeClr val="bg1"/>
+                </a:solidFill>
+                <a:latin typeface="Adobe Clean SemiLight"/>
+              </a:rPr>
+              <a:t>可通过我们的支持门户网站记录协助请求。</a:t>
             </a:r>
             <a:endParaRPr lang="en-US" sz="1000" dirty="0">
               <a:solidFill>
@@ -2260,24 +2317,14 @@
                         </a:spcBef>
                       </a:pPr>
                       <a:r>
-                        <a:rPr lang="en-US" sz="1000" spc="0" dirty="0">
+                        <a:rPr lang="ja-jp" sz="1000" spc="0" dirty="0">
                           <a:solidFill>
                             <a:srgbClr val="404040"/>
                           </a:solidFill>
                           <a:latin typeface="Adobe Clean"/>
                           <a:cs typeface="Adobe Clean"/>
                         </a:rPr>
-                        <a:t>Standard </a:t>
-                      </a:r>
-                      <a:r>
-                        <a:rPr sz="1000" spc="0" dirty="0">
-                          <a:solidFill>
-                            <a:srgbClr val="404040"/>
-                          </a:solidFill>
-                          <a:latin typeface="Adobe Clean"/>
-                          <a:cs typeface="Adobe Clean"/>
-                        </a:rPr>
-                        <a:t>Support</a:t>
+                        <a:t>标准支持</a:t>
                       </a:r>
                       <a:endParaRPr sz="1000" spc="0" dirty="0">
                         <a:latin typeface="Adobe Clean"/>
@@ -2317,36 +2364,122 @@
                         </a:spcBef>
                       </a:pPr>
                       <a:r>
-                        <a:rPr sz="1000" spc="0" dirty="0">
+                        <a:rPr lang="ja-jp" sz="1000" spc="0" dirty="0">
                           <a:solidFill>
                             <a:srgbClr val="FFFFFF"/>
                           </a:solidFill>
                           <a:latin typeface="Adobe Clean"/>
                           <a:cs typeface="Adobe Clean"/>
                         </a:rPr>
-                        <a:t>Business</a:t>
+                        <a:t>商业支持</a:t>
                       </a:r>
+                      <a:endParaRPr sz="1000" spc="0" dirty="0">
+                        <a:latin typeface="Adobe Clean"/>
+                        <a:cs typeface="Adobe Clean"/>
+                      </a:endParaRPr>
+                    </a:p>
+                  </a:txBody>
+                  <a:tcPr marL="0" marR="0" marT="7620" marB="0" anchor="ctr">
+                    <a:lnL w="3175">
+                      <a:solidFill>
+                        <a:srgbClr val="B7B8B8"/>
+                      </a:solidFill>
+                      <a:prstDash val="solid"/>
+                    </a:lnL>
+                    <a:lnR w="3175">
+                      <a:solidFill>
+                        <a:srgbClr val="B7B8B8"/>
+                      </a:solidFill>
+                      <a:prstDash val="solid"/>
+                    </a:lnR>
+                    <a:lnB w="76200">
+                      <a:solidFill>
+                        <a:srgbClr val="ACD2FF"/>
+                      </a:solidFill>
+                      <a:prstDash val="solid"/>
+                    </a:lnB>
+                    <a:solidFill>
+                      <a:srgbClr val="7D7D7D"/>
+                    </a:solidFill>
+                  </a:tcPr>
+                </a:tc>
+                <a:tc gridSpan="2">
+                  <a:txBody>
+                    <a:bodyPr/>
+                    <a:lstStyle/>
+                    <a:p>
+                      <a:pPr marL="2540" algn="ctr">
+                        <a:lnSpc>
+                          <a:spcPct val="100000"/>
+                        </a:lnSpc>
+                        <a:spcBef>
+                          <a:spcPts val="60"/>
+                        </a:spcBef>
+                      </a:pPr>
                       <a:r>
-                        <a:rPr lang="en-US" sz="1000" spc="0" dirty="0">
+                        <a:rPr lang="ja-jp" sz="1000" spc="0" dirty="0">
                           <a:solidFill>
                             <a:srgbClr val="FFFFFF"/>
                           </a:solidFill>
                           <a:latin typeface="Adobe Clean"/>
                           <a:cs typeface="Adobe Clean"/>
                         </a:rPr>
-                        <a:t> </a:t>
+                        <a:t>企业支持</a:t>
                       </a:r>
+                      <a:endParaRPr sz="1000" spc="0" dirty="0">
+                        <a:latin typeface="Adobe Clean"/>
+                        <a:cs typeface="Adobe Clean"/>
+                      </a:endParaRPr>
+                    </a:p>
+                  </a:txBody>
+                  <a:tcPr marL="0" marR="0" marT="7620" marB="0" anchor="ctr">
+                    <a:lnL w="3175">
+                      <a:solidFill>
+                        <a:srgbClr val="B7B8B8"/>
+                      </a:solidFill>
+                      <a:prstDash val="solid"/>
+                    </a:lnL>
+                    <a:lnR w="3175">
+                      <a:solidFill>
+                        <a:srgbClr val="B7B8B8"/>
+                      </a:solidFill>
+                      <a:prstDash val="solid"/>
+                    </a:lnR>
+                    <a:lnB w="76200">
+                      <a:solidFill>
+                        <a:srgbClr val="2E8FFF"/>
+                      </a:solidFill>
+                      <a:prstDash val="solid"/>
+                    </a:lnB>
+                    <a:solidFill>
+                      <a:srgbClr val="404040"/>
+                    </a:solidFill>
+                  </a:tcPr>
+                </a:tc>
+                <a:tc hMerge="1">
+                  <a:txBody>
+                    <a:bodyPr/>
+                    <a:lstStyle/>
+                    <a:p>
+                      <a:pPr marL="635" algn="ctr">
+                        <a:lnSpc>
+                          <a:spcPct val="100000"/>
+                        </a:lnSpc>
+                        <a:spcBef>
+                          <a:spcPts val="60"/>
+                        </a:spcBef>
+                      </a:pPr>
                       <a:r>
-                        <a:rPr sz="1000" spc="0" dirty="0">
+                        <a:rPr lang="ja-jp" sz="900" spc="-20">
                           <a:solidFill>
                             <a:srgbClr val="FFFFFF"/>
                           </a:solidFill>
                           <a:latin typeface="Adobe Clean"/>
                           <a:cs typeface="Adobe Clean"/>
                         </a:rPr>
-                        <a:t>Support</a:t>
+                        <a:t>企业支持</a:t>
                       </a:r>
-                      <a:endParaRPr sz="1000" spc="0" dirty="0">
+                      <a:endParaRPr sz="900">
                         <a:latin typeface="Adobe Clean"/>
                         <a:cs typeface="Adobe Clean"/>
                       </a:endParaRPr>
@@ -2367,21 +2500,21 @@
                     </a:lnR>
                     <a:lnB w="76200">
                       <a:solidFill>
-                        <a:srgbClr val="ACD2FF"/>
+                        <a:srgbClr val="2E8FFF"/>
                       </a:solidFill>
                       <a:prstDash val="solid"/>
                     </a:lnB>
                     <a:solidFill>
-                      <a:srgbClr val="7D7D7D"/>
+                      <a:srgbClr val="404040"/>
                     </a:solidFill>
                   </a:tcPr>
                 </a:tc>
-                <a:tc gridSpan="2">
-                  <a:txBody>
-                    <a:bodyPr/>
-                    <a:lstStyle/>
-                    <a:p>
-                      <a:pPr marL="2540" algn="ctr">
+                <a:tc>
+                  <a:txBody>
+                    <a:bodyPr/>
+                    <a:lstStyle/>
+                    <a:p>
+                      <a:pPr marL="635" algn="ctr">
                         <a:lnSpc>
                           <a:spcPct val="100000"/>
                         </a:lnSpc>
@@ -2390,160 +2523,14 @@
                         </a:spcBef>
                       </a:pPr>
                       <a:r>
-                        <a:rPr lang="en-US" sz="1000" spc="0" dirty="0">
+                        <a:rPr lang="ja-jp" sz="1000" spc="0" dirty="0">
                           <a:solidFill>
                             <a:srgbClr val="FFFFFF"/>
                           </a:solidFill>
                           <a:latin typeface="Adobe Clean"/>
                           <a:cs typeface="Adobe Clean"/>
                         </a:rPr>
-                        <a:t>Enterprise Support</a:t>
-                      </a:r>
-                      <a:endParaRPr sz="1000" spc="0" dirty="0">
-                        <a:latin typeface="Adobe Clean"/>
-                        <a:cs typeface="Adobe Clean"/>
-                      </a:endParaRPr>
-                    </a:p>
-                  </a:txBody>
-                  <a:tcPr marL="0" marR="0" marT="7620" marB="0" anchor="ctr">
-                    <a:lnL w="3175">
-                      <a:solidFill>
-                        <a:srgbClr val="B7B8B8"/>
-                      </a:solidFill>
-                      <a:prstDash val="solid"/>
-                    </a:lnL>
-                    <a:lnR w="3175">
-                      <a:solidFill>
-                        <a:srgbClr val="B7B8B8"/>
-                      </a:solidFill>
-                      <a:prstDash val="solid"/>
-                    </a:lnR>
-                    <a:lnB w="76200">
-                      <a:solidFill>
-                        <a:srgbClr val="2E8FFF"/>
-                      </a:solidFill>
-                      <a:prstDash val="solid"/>
-                    </a:lnB>
-                    <a:solidFill>
-                      <a:srgbClr val="404040"/>
-                    </a:solidFill>
-                  </a:tcPr>
-                </a:tc>
-                <a:tc hMerge="1">
-                  <a:txBody>
-                    <a:bodyPr/>
-                    <a:lstStyle/>
-                    <a:p>
-                      <a:pPr marL="635" algn="ctr">
-                        <a:lnSpc>
-                          <a:spcPct val="100000"/>
-                        </a:lnSpc>
-                        <a:spcBef>
-                          <a:spcPts val="60"/>
-                        </a:spcBef>
-                      </a:pPr>
-                      <a:r>
-                        <a:rPr sz="900" spc="-20">
-                          <a:solidFill>
-                            <a:srgbClr val="FFFFFF"/>
-                          </a:solidFill>
-                          <a:latin typeface="Adobe Clean"/>
-                          <a:cs typeface="Adobe Clean"/>
-                        </a:rPr>
-                        <a:t>Enterprise</a:t>
-                      </a:r>
-                      <a:r>
-                        <a:rPr lang="en-US" sz="900" spc="-20">
-                          <a:solidFill>
-                            <a:srgbClr val="FFFFFF"/>
-                          </a:solidFill>
-                          <a:latin typeface="Adobe Clean"/>
-                          <a:cs typeface="Adobe Clean"/>
-                        </a:rPr>
-                        <a:t> </a:t>
-                      </a:r>
-                      <a:r>
-                        <a:rPr sz="900" spc="-20">
-                          <a:solidFill>
-                            <a:srgbClr val="FFFFFF"/>
-                          </a:solidFill>
-                          <a:latin typeface="Adobe Clean"/>
-                          <a:cs typeface="Adobe Clean"/>
-                        </a:rPr>
-                        <a:t>Support</a:t>
-                      </a:r>
-                      <a:endParaRPr sz="900">
-                        <a:latin typeface="Adobe Clean"/>
-                        <a:cs typeface="Adobe Clean"/>
-                      </a:endParaRPr>
-                    </a:p>
-                  </a:txBody>
-                  <a:tcPr marL="0" marR="0" marT="7620" marB="0" anchor="ctr">
-                    <a:lnL w="3175">
-                      <a:solidFill>
-                        <a:srgbClr val="B7B8B8"/>
-                      </a:solidFill>
-                      <a:prstDash val="solid"/>
-                    </a:lnL>
-                    <a:lnR w="3175">
-                      <a:solidFill>
-                        <a:srgbClr val="B7B8B8"/>
-                      </a:solidFill>
-                      <a:prstDash val="solid"/>
-                    </a:lnR>
-                    <a:lnB w="76200">
-                      <a:solidFill>
-                        <a:srgbClr val="2E8FFF"/>
-                      </a:solidFill>
-                      <a:prstDash val="solid"/>
-                    </a:lnB>
-                    <a:solidFill>
-                      <a:srgbClr val="404040"/>
-                    </a:solidFill>
-                  </a:tcPr>
-                </a:tc>
-                <a:tc>
-                  <a:txBody>
-                    <a:bodyPr/>
-                    <a:lstStyle/>
-                    <a:p>
-                      <a:pPr marL="635" algn="ctr">
-                        <a:lnSpc>
-                          <a:spcPct val="100000"/>
-                        </a:lnSpc>
-                        <a:spcBef>
-                          <a:spcPts val="60"/>
-                        </a:spcBef>
-                      </a:pPr>
-                      <a:r>
-                        <a:rPr sz="1000" spc="0" dirty="0">
-                          <a:solidFill>
-                            <a:srgbClr val="FFFFFF"/>
-                          </a:solidFill>
-                          <a:latin typeface="Adobe Clean"/>
-                          <a:cs typeface="Adobe Clean"/>
-                        </a:rPr>
-                        <a:t>Elite</a:t>
-                      </a:r>
-                      <a:r>
-                        <a:rPr lang="en-US" sz="1000" spc="0" dirty="0">
-                          <a:solidFill>
-                            <a:srgbClr val="FFFFFF"/>
-                          </a:solidFill>
-                          <a:latin typeface="Adobe Clean"/>
-                          <a:cs typeface="Adobe Clean"/>
-                        </a:rPr>
-                        <a:t> </a:t>
-                      </a:r>
-                      <a:r>
-                        <a:rPr sz="1000" spc="0" dirty="0">
-                          <a:solidFill>
-                            <a:srgbClr val="FFFFFF"/>
-                          </a:solidFill>
-                          <a:latin typeface="Adobe Clean"/>
-                          <a:cs typeface="Adobe Clean"/>
-                        </a:rPr>
-                        <a:t>Support</a:t>
+                        <a:t>高级支持</a:t>
                       </a:r>
                       <a:endParaRPr sz="1000" spc="0" dirty="0">
                         <a:latin typeface="Adobe Clean"/>
@@ -2655,44 +2642,14 @@
                         </a:spcBef>
                       </a:pPr>
                       <a:r>
-                        <a:rPr lang="en-US" sz="1000" b="1" i="1" spc="0" dirty="0">
+                        <a:rPr lang="ja-jp" sz="1000" b="1" i="1" spc="0" dirty="0">
                           <a:solidFill>
                             <a:srgbClr val="FFFFFF"/>
                           </a:solidFill>
                           <a:latin typeface="Adobe Clean" panose="020B0503020404020204" pitchFamily="34" charset="0"/>
                           <a:cs typeface="Adobe Clean"/>
                         </a:rPr>
-                        <a:t>Paid</a:t>
-                      </a:r>
-                      <a:r>
-                        <a:rPr sz="1000" b="1" i="1" spc="0" dirty="0">
-                          <a:solidFill>
-                            <a:srgbClr val="FFFFFF"/>
-                          </a:solidFill>
-                          <a:latin typeface="Adobe Clean" panose="020B0503020404020204" pitchFamily="34" charset="0"/>
-                          <a:cs typeface="Adobe Clean"/>
-                        </a:rPr>
-                        <a:t> Support Levels</a:t>
-                      </a:r>
-                      <a:r>
-                        <a:rPr lang="en-US" sz="1000" b="1" i="1" spc="0" dirty="0">
-                          <a:solidFill>
-                            <a:srgbClr val="FFFFFF"/>
-                          </a:solidFill>
-                          <a:latin typeface="Adobe Clean" panose="020B0503020404020204" pitchFamily="34" charset="0"/>
-                          <a:cs typeface="Adobe Clean"/>
-                        </a:rPr>
-                        <a:t> </a:t>
-                      </a:r>
-                      <a:r>
-                        <a:rPr sz="1000" b="1" i="1" spc="0" dirty="0">
-                          <a:solidFill>
-                            <a:srgbClr val="FFFFFF"/>
-                          </a:solidFill>
-                          <a:latin typeface="Adobe Clean" panose="020B0503020404020204" pitchFamily="34" charset="0"/>
-                          <a:cs typeface="Adobe Clean"/>
-                        </a:rPr>
-                        <a:t>($)</a:t>
+                        <a:t>付费支持级别  ($)</a:t>
                       </a:r>
                       <a:endParaRPr sz="1000" b="1" spc="0" dirty="0">
                         <a:latin typeface="Adobe Clean" panose="020B0503020404020204" pitchFamily="34" charset="0"/>
@@ -2784,14 +2741,14 @@
                         </a:spcBef>
                       </a:pPr>
                       <a:r>
-                        <a:rPr lang="en-US" sz="1200" b="1" i="0" spc="0" dirty="0">
+                        <a:rPr lang="ja-jp" sz="1200" b="1" i="0" spc="0" dirty="0">
                           <a:solidFill>
                             <a:schemeClr val="bg1"/>
                           </a:solidFill>
                           <a:latin typeface="Adobe Clean" panose="020B0503020404020204" pitchFamily="34" charset="0"/>
                           <a:cs typeface="AdobeClean-Light"/>
                         </a:rPr>
-                        <a:t>Assigned Experts</a:t>
+                        <a:t>分配的专家</a:t>
                       </a:r>
                       <a:endParaRPr sz="1200" b="1" i="0" spc="0" dirty="0">
                         <a:solidFill>
@@ -2846,24 +2803,14 @@
                         </a:spcBef>
                       </a:pPr>
                       <a:r>
-                        <a:rPr sz="1100" b="0" i="0" spc="0" dirty="0">
+                        <a:rPr lang="ja-jp" sz="1100" b="0" i="0" spc="0" dirty="0">
                           <a:solidFill>
                             <a:srgbClr val="020302"/>
                           </a:solidFill>
                           <a:latin typeface="Adobe Clean Light" panose="020B0303020404020204" pitchFamily="34" charset="0"/>
                           <a:cs typeface="AdobeClean-Light"/>
                         </a:rPr>
-                        <a:t>Account </a:t>
-                      </a:r>
-                      <a:r>
-                        <a:rPr lang="en-US" sz="1100" b="0" i="0" spc="0" dirty="0">
-                          <a:solidFill>
-                            <a:srgbClr val="020302"/>
-                          </a:solidFill>
-                          <a:latin typeface="Adobe Clean Light" panose="020B0303020404020204" pitchFamily="34" charset="0"/>
-                          <a:cs typeface="AdobeClean-Light"/>
-                        </a:rPr>
-                        <a:t>Support Lead</a:t>
+                        <a:t>客户支持主管</a:t>
                       </a:r>
                       <a:endParaRPr sz="1100" b="0" i="0" spc="0" dirty="0">
                         <a:latin typeface="Adobe Clean Light" panose="020B0303020404020204" pitchFamily="34" charset="0"/>
@@ -2945,7 +2892,7 @@
                         </a:spcBef>
                       </a:pPr>
                       <a:r>
-                        <a:rPr sz="1100" spc="0" dirty="0">
+                        <a:rPr lang="ja-jp" sz="1100" spc="0" dirty="0">
                           <a:solidFill>
                             <a:srgbClr val="020302"/>
                           </a:solidFill>
@@ -3114,14 +3061,14 @@
                         </a:spcBef>
                       </a:pPr>
                       <a:r>
-                        <a:rPr sz="1100" b="0" i="0" spc="0" dirty="0">
+                        <a:rPr lang="ja-jp" sz="1100" b="0" i="0" spc="0" dirty="0">
                           <a:solidFill>
                             <a:srgbClr val="020302"/>
                           </a:solidFill>
                           <a:latin typeface="Adobe Clean Light"/>
                           <a:cs typeface="AdobeClean-Light"/>
                         </a:rPr>
-                        <a:t>Named Support Engineer</a:t>
+                        <a:t>指定的支持工程师</a:t>
                       </a:r>
                       <a:endParaRPr sz="1100" b="0" i="0" spc="0" dirty="0">
                         <a:latin typeface="Adobe Clean Light"/>
@@ -3227,7 +3174,7 @@
                         </a:spcBef>
                       </a:pPr>
                       <a:r>
-                        <a:rPr sz="1100" spc="0" dirty="0">
+                        <a:rPr lang="ja-jp" sz="1100" spc="0" dirty="0">
                           <a:solidFill>
                             <a:srgbClr val="020302"/>
                           </a:solidFill>
@@ -3258,7 +3205,7 @@
                         </a:spcBef>
                       </a:pPr>
                       <a:r>
-                        <a:rPr sz="1100" spc="0" dirty="0">
+                        <a:rPr lang="ja-jp" sz="1100" spc="0" dirty="0">
                           <a:solidFill>
                             <a:srgbClr val="020302"/>
                           </a:solidFill>
@@ -3352,14 +3299,14 @@
                         </a:spcBef>
                       </a:pPr>
                       <a:r>
-                        <a:rPr sz="1100" b="0" i="0" spc="0" dirty="0">
+                        <a:rPr lang="ja-jp" sz="1100" b="0" i="0" spc="0" dirty="0">
                           <a:solidFill>
                             <a:srgbClr val="020302"/>
                           </a:solidFill>
                           <a:latin typeface="Adobe Clean Light"/>
                           <a:cs typeface="AdobeClean-Light"/>
                         </a:rPr>
-                        <a:t>Technical Account Manager</a:t>
+                        <a:t>技术客户经理</a:t>
                       </a:r>
                       <a:endParaRPr sz="1100" b="0" i="0" spc="0" dirty="0">
                         <a:latin typeface="Adobe Clean Light"/>
@@ -3528,7 +3475,7 @@
                         </a:spcBef>
                       </a:pPr>
                       <a:r>
-                        <a:rPr sz="1100" spc="0" dirty="0">
+                        <a:rPr lang="ja-jp" sz="1100" spc="0" dirty="0">
                           <a:solidFill>
                             <a:srgbClr val="020302"/>
                           </a:solidFill>
@@ -3582,14 +3529,14 @@
                         </a:spcBef>
                       </a:pPr>
                       <a:r>
-                        <a:rPr lang="en-US" sz="1200" b="1" i="0" spc="0" dirty="0">
+                        <a:rPr lang="ja-jp" sz="1200" b="1" i="0" spc="0" dirty="0">
                           <a:solidFill>
                             <a:schemeClr val="bg1"/>
                           </a:solidFill>
                           <a:latin typeface="Adobe Clean" panose="020B0503020404020204" pitchFamily="34" charset="0"/>
                           <a:cs typeface="AdobeClean-Light"/>
                         </a:rPr>
-                        <a:t>Support Services</a:t>
+                        <a:t>支持服务</a:t>
                       </a:r>
                       <a:endParaRPr sz="1200" b="1" i="0" spc="0" dirty="0">
                         <a:solidFill>
@@ -3653,14 +3600,14 @@
                         </a:spcBef>
                       </a:pPr>
                       <a:r>
-                        <a:rPr lang="en-US" sz="1100" b="0" i="0" spc="0" dirty="0">
+                        <a:rPr lang="ja-jp" sz="1100" b="0" i="0" spc="0" dirty="0">
                           <a:solidFill>
                             <a:srgbClr val="020302"/>
                           </a:solidFill>
                           <a:latin typeface="Adobe Clean Light"/>
                           <a:cs typeface="AdobeClean-Light"/>
                         </a:rPr>
-                        <a:t>24x7 Self-Help Support </a:t>
+                        <a:t>全天候自助支持</a:t>
                       </a:r>
                       <a:endParaRPr lang="en-US" sz="1100" b="0" i="0" spc="0" dirty="0">
                         <a:latin typeface="Adobe Clean Light" panose="020B0303020404020204" pitchFamily="34" charset="0"/>
@@ -3706,7 +3653,7 @@
                         </a:spcBef>
                       </a:pPr>
                       <a:r>
-                        <a:rPr sz="1100" spc="0" dirty="0">
+                        <a:rPr lang="ja-jp" sz="1100" spc="0" dirty="0">
                           <a:solidFill>
                             <a:srgbClr val="020302"/>
                           </a:solidFill>
@@ -3758,7 +3705,7 @@
                         </a:spcBef>
                       </a:pPr>
                       <a:r>
-                        <a:rPr sz="1100" spc="0" dirty="0">
+                        <a:rPr lang="ja-jp" sz="1100" spc="0" dirty="0">
                           <a:solidFill>
                             <a:srgbClr val="020302"/>
                           </a:solidFill>
@@ -3827,7 +3774,7 @@
                         </a:spcBef>
                       </a:pPr>
                       <a:r>
-                        <a:rPr sz="1100" spc="0" dirty="0">
+                        <a:rPr lang="ja-jp" sz="1100" spc="0" dirty="0">
                           <a:solidFill>
                             <a:srgbClr val="020302"/>
                           </a:solidFill>
@@ -3865,7 +3812,7 @@
                         </a:spcBef>
                       </a:pPr>
                       <a:r>
-                        <a:rPr sz="1100" spc="0" dirty="0">
+                        <a:rPr lang="ja-jp" sz="1100" spc="0" dirty="0">
                           <a:solidFill>
                             <a:srgbClr val="020302"/>
                           </a:solidFill>
@@ -3956,14 +3903,14 @@
                         </a:spcBef>
                       </a:pPr>
                       <a:r>
-                        <a:rPr lang="en-US" sz="1100" b="0" i="0" spc="0" dirty="0">
+                        <a:rPr lang="ja-jp" sz="1100" b="0" i="0" spc="0" dirty="0">
                           <a:solidFill>
                             <a:srgbClr val="020302"/>
                           </a:solidFill>
                           <a:latin typeface="Adobe Clean Light" panose="020B0303020404020204" pitchFamily="34" charset="0"/>
                           <a:cs typeface="AdobeClean-Light"/>
                         </a:rPr>
-                        <a:t>24x7 Support via Chat / Phone</a:t>
+                        <a:t>全天候会话/电话支持</a:t>
                       </a:r>
                       <a:endParaRPr sz="1100" b="0" i="0" spc="0" dirty="0">
                         <a:latin typeface="Adobe Clean Light" panose="020B0303020404020204" pitchFamily="34" charset="0"/>
@@ -4003,7 +3950,7 @@
                         </a:spcBef>
                       </a:pPr>
                       <a:r>
-                        <a:rPr sz="1100" spc="0" dirty="0">
+                        <a:rPr lang="ja-jp" sz="1100" spc="0" dirty="0">
                           <a:solidFill>
                             <a:srgbClr val="020302"/>
                           </a:solidFill>
@@ -4049,7 +3996,7 @@
                         </a:spcBef>
                       </a:pPr>
                       <a:r>
-                        <a:rPr sz="1100" spc="0" dirty="0">
+                        <a:rPr lang="ja-jp" sz="1100" spc="0" dirty="0">
                           <a:solidFill>
                             <a:srgbClr val="020302"/>
                           </a:solidFill>
@@ -4101,7 +4048,7 @@
                         </a:spcBef>
                       </a:pPr>
                       <a:r>
-                        <a:rPr sz="1100" spc="0" dirty="0">
+                        <a:rPr lang="ja-jp" sz="1100" spc="0" dirty="0">
                           <a:solidFill>
                             <a:srgbClr val="020302"/>
                           </a:solidFill>
@@ -4132,7 +4079,7 @@
                         </a:spcBef>
                       </a:pPr>
                       <a:r>
-                        <a:rPr sz="1100" spc="0" dirty="0">
+                        <a:rPr lang="ja-jp" sz="1100" spc="0" dirty="0">
                           <a:solidFill>
                             <a:srgbClr val="020302"/>
                           </a:solidFill>
@@ -4217,11 +4164,11 @@
                         </a:spcBef>
                       </a:pPr>
                       <a:r>
-                        <a:rPr lang="en-US" sz="1100" b="0" i="0" spc="0" dirty="0">
+                        <a:rPr lang="ja-jp" sz="1100" b="0" i="0" spc="0" dirty="0">
                           <a:latin typeface="Adobe Clean Light"/>
                           <a:cs typeface="AdobeClean-Light"/>
                         </a:rPr>
-                        <a:t>Web Case Submissions </a:t>
+                        <a:t>网络案例提交</a:t>
                       </a:r>
                       <a:endParaRPr sz="1100" b="0" i="0" spc="0" dirty="0">
                         <a:latin typeface="Adobe Clean Light" panose="020B0303020404020204" pitchFamily="34" charset="0"/>
@@ -4261,7 +4208,7 @@
                         </a:spcBef>
                       </a:pPr>
                       <a:r>
-                        <a:rPr sz="1100" spc="0" dirty="0">
+                        <a:rPr lang="ja-jp" sz="1100" spc="0" dirty="0">
                           <a:solidFill>
                             <a:srgbClr val="020302"/>
                           </a:solidFill>
@@ -4307,7 +4254,7 @@
                         </a:spcBef>
                       </a:pPr>
                       <a:r>
-                        <a:rPr sz="1100" spc="0" dirty="0">
+                        <a:rPr lang="ja-jp" sz="1100" spc="0" dirty="0">
                           <a:solidFill>
                             <a:srgbClr val="020302"/>
                           </a:solidFill>
@@ -4359,7 +4306,7 @@
                         </a:spcBef>
                       </a:pPr>
                       <a:r>
-                        <a:rPr sz="1100" spc="0" dirty="0">
+                        <a:rPr lang="ja-jp" sz="1100" spc="0" dirty="0">
                           <a:solidFill>
                             <a:srgbClr val="020302"/>
                           </a:solidFill>
@@ -4390,7 +4337,7 @@
                         </a:spcBef>
                       </a:pPr>
                       <a:r>
-                        <a:rPr sz="1100" spc="0" dirty="0">
+                        <a:rPr lang="ja-jp" sz="1100" spc="0" dirty="0">
                           <a:solidFill>
                             <a:srgbClr val="020302"/>
                           </a:solidFill>
@@ -4484,14 +4431,14 @@
                         </a:spcBef>
                       </a:pPr>
                       <a:r>
-                        <a:rPr lang="en-US" sz="1100" b="0" i="0" spc="0" dirty="0">
+                        <a:rPr lang="ja-jp" sz="1100" b="0" i="0" spc="0" dirty="0">
                           <a:solidFill>
                             <a:srgbClr val="020302"/>
                           </a:solidFill>
                           <a:latin typeface="Adobe Clean Light"/>
                           <a:cs typeface="AdobeClean-Light"/>
                         </a:rPr>
-                        <a:t>Priority Case Routing</a:t>
+                        <a:t>优先级案例路由</a:t>
                       </a:r>
                       <a:endParaRPr sz="1100" b="0" i="0" spc="0" dirty="0">
                         <a:latin typeface="Adobe Clean Light"/>
@@ -4567,7 +4514,7 @@
                         </a:spcBef>
                       </a:pPr>
                       <a:r>
-                        <a:rPr sz="1100" spc="0" dirty="0">
+                        <a:rPr lang="ja-jp" sz="1100" spc="0" dirty="0">
                           <a:solidFill>
                             <a:srgbClr val="020302"/>
                           </a:solidFill>
@@ -4619,7 +4566,7 @@
                         </a:spcBef>
                       </a:pPr>
                       <a:r>
-                        <a:rPr sz="1100" spc="0" dirty="0">
+                        <a:rPr lang="ja-jp" sz="1100" spc="0" dirty="0">
                           <a:solidFill>
                             <a:srgbClr val="020302"/>
                           </a:solidFill>
@@ -4650,7 +4597,7 @@
                         </a:spcBef>
                       </a:pPr>
                       <a:r>
-                        <a:rPr sz="1100" spc="0" dirty="0">
+                        <a:rPr lang="ja-jp" sz="1100" spc="0" dirty="0">
                           <a:solidFill>
                             <a:srgbClr val="020302"/>
                           </a:solidFill>
@@ -4753,11 +4700,11 @@
                         <a:defRPr/>
                       </a:pPr>
                       <a:r>
-                        <a:rPr lang="en-US" sz="1100" b="0" i="0" spc="0" dirty="0">
+                        <a:rPr lang="ja-jp" sz="1100" b="0" i="0" spc="0" dirty="0">
                           <a:latin typeface="Adobe Clean Light"/>
                           <a:cs typeface="AdobeClean-Light"/>
                         </a:rPr>
-                        <a:t>Accelerated Issue Prioritization</a:t>
+                        <a:t>已加快问题优先处理</a:t>
                       </a:r>
                     </a:p>
                   </a:txBody>
@@ -4829,7 +4776,7 @@
                         </a:spcBef>
                       </a:pPr>
                       <a:r>
-                        <a:rPr sz="1100" spc="0" dirty="0">
+                        <a:rPr lang="ja-jp" sz="1100" spc="0" dirty="0">
                           <a:solidFill>
                             <a:srgbClr val="020302"/>
                           </a:solidFill>
@@ -4881,7 +4828,7 @@
                         </a:spcBef>
                       </a:pPr>
                       <a:r>
-                        <a:rPr sz="1100" spc="0" dirty="0">
+                        <a:rPr lang="ja-jp" sz="1100" spc="0" dirty="0">
                           <a:solidFill>
                             <a:srgbClr val="020302"/>
                           </a:solidFill>
@@ -4912,7 +4859,7 @@
                         </a:spcBef>
                       </a:pPr>
                       <a:r>
-                        <a:rPr sz="1100" spc="0" dirty="0">
+                        <a:rPr lang="ja-jp" sz="1100" spc="0" dirty="0">
                           <a:solidFill>
                             <a:srgbClr val="020302"/>
                           </a:solidFill>
@@ -4967,11 +4914,11 @@
                         </a:spcBef>
                       </a:pPr>
                       <a:r>
-                        <a:rPr lang="en-US" sz="1100" b="0" i="0" spc="0" dirty="0">
+                        <a:rPr lang="ja-jp" sz="1100" b="0" i="0" spc="0" dirty="0">
                           <a:latin typeface="Adobe Clean Light"/>
                           <a:cs typeface="AdobeClean-Light"/>
                         </a:rPr>
-                        <a:t>Escalation Management</a:t>
+                        <a:t>上报管理</a:t>
                       </a:r>
                       <a:endParaRPr sz="1100" b="0" i="0" spc="0" dirty="0">
                         <a:latin typeface="Adobe Clean Light"/>
@@ -5047,7 +4994,7 @@
                         </a:spcBef>
                       </a:pPr>
                       <a:r>
-                        <a:rPr sz="1100" spc="0" dirty="0">
+                        <a:rPr lang="ja-jp" sz="1100" spc="0" dirty="0">
                           <a:solidFill>
                             <a:srgbClr val="020302"/>
                           </a:solidFill>
@@ -5099,7 +5046,7 @@
                         </a:spcBef>
                       </a:pPr>
                       <a:r>
-                        <a:rPr sz="1100" spc="0" dirty="0">
+                        <a:rPr lang="ja-jp" sz="1100" spc="0" dirty="0">
                           <a:solidFill>
                             <a:srgbClr val="020302"/>
                           </a:solidFill>
@@ -5130,7 +5077,7 @@
                         </a:spcBef>
                       </a:pPr>
                       <a:r>
-                        <a:rPr sz="1100" spc="0" dirty="0">
+                        <a:rPr lang="ja-jp" sz="1100" spc="0" dirty="0">
                           <a:solidFill>
                             <a:srgbClr val="020302"/>
                           </a:solidFill>
@@ -5185,11 +5132,11 @@
                         </a:spcBef>
                       </a:pPr>
                       <a:r>
-                        <a:rPr lang="en-US" sz="1100" b="0" i="0" spc="0" dirty="0">
+                        <a:rPr lang="ja-jp" sz="1100" b="0" i="0" spc="0" dirty="0">
                           <a:latin typeface="Adobe Clean Light"/>
                           <a:cs typeface="AdobeClean-Light"/>
                         </a:rPr>
-                        <a:t>Proactive Case Monitoring</a:t>
+                        <a:t>主动案例监控</a:t>
                       </a:r>
                       <a:endParaRPr sz="1100" b="0" i="0" spc="0" dirty="0">
                         <a:latin typeface="Adobe Clean Light"/>
@@ -5302,7 +5249,7 @@
                         <a:defRPr/>
                       </a:pPr>
                       <a:r>
-                        <a:rPr lang="en-US" sz="1100" spc="0" dirty="0">
+                        <a:rPr lang="ja-jp" sz="1100" spc="0" dirty="0">
                           <a:solidFill>
                             <a:srgbClr val="020302"/>
                           </a:solidFill>
@@ -5342,7 +5289,7 @@
                         <a:defRPr/>
                       </a:pPr>
                       <a:r>
-                        <a:rPr lang="en-US" sz="1100" spc="0" dirty="0">
+                        <a:rPr lang="ja-jp" sz="1100" spc="0" dirty="0">
                           <a:solidFill>
                             <a:srgbClr val="020302"/>
                           </a:solidFill>
@@ -5427,14 +5374,14 @@
                         </a:spcBef>
                       </a:pPr>
                       <a:r>
-                        <a:rPr lang="en-US" sz="1100" b="0" i="0" spc="0">
+                        <a:rPr lang="ja-jp" sz="1100" b="0" i="0" spc="0">
                           <a:solidFill>
                             <a:srgbClr val="020302"/>
                           </a:solidFill>
                           <a:latin typeface="Adobe Clean Light"/>
                           <a:cs typeface="AdobeClean-Light"/>
                         </a:rPr>
-                        <a:t>In-Region Support Option</a:t>
+                        <a:t>区域内支持选项</a:t>
                       </a:r>
                       <a:endParaRPr sz="1100" b="0" i="0" spc="0" dirty="0">
                         <a:latin typeface="Adobe Clean Light" panose="020B0303020404020204" pitchFamily="34" charset="0"/>
@@ -5549,7 +5496,7 @@
                         <a:defRPr/>
                       </a:pPr>
                       <a:r>
-                        <a:rPr lang="en-US" sz="1100" spc="0" dirty="0">
+                        <a:rPr lang="ja-jp" sz="1100" spc="0" dirty="0">
                           <a:solidFill>
                             <a:srgbClr val="020302"/>
                           </a:solidFill>
@@ -5580,7 +5527,7 @@
                         </a:spcBef>
                       </a:pPr>
                       <a:r>
-                        <a:rPr sz="1100" spc="0" dirty="0">
+                        <a:rPr lang="ja-jp" sz="1100" spc="0" dirty="0">
                           <a:solidFill>
                             <a:srgbClr val="020302"/>
                           </a:solidFill>
@@ -5674,14 +5621,14 @@
                         </a:spcBef>
                       </a:pPr>
                       <a:r>
-                        <a:rPr lang="en-US" sz="1100" b="0" i="0" spc="0" dirty="0">
+                        <a:rPr lang="ja-jp" sz="1100" b="0" i="0" spc="0" dirty="0">
                           <a:solidFill>
                             <a:srgbClr val="020302"/>
                           </a:solidFill>
                           <a:latin typeface="Adobe Clean Light"/>
                           <a:cs typeface="AdobeClean-Light"/>
                         </a:rPr>
-                        <a:t>Service Reviews</a:t>
+                        <a:t>服务审查</a:t>
                       </a:r>
                       <a:endParaRPr sz="1100" b="0" i="0" spc="0" dirty="0">
                         <a:latin typeface="Adobe Clean Light"/>
@@ -5793,65 +5740,45 @@
                         </a:spcBef>
                       </a:pPr>
                       <a:r>
-                        <a:rPr sz="1100" spc="0" dirty="0">
+                        <a:rPr lang="ja-jp" sz="1100" spc="0" dirty="0">
                           <a:solidFill>
                             <a:srgbClr val="020302"/>
                           </a:solidFill>
                           <a:latin typeface="AdobeClean-Light"/>
                           <a:cs typeface="AdobeClean-Light"/>
                         </a:rPr>
-                        <a:t>2</a:t>
+                        <a:t>2 次/年</a:t>
                       </a:r>
+                      <a:endParaRPr sz="1100" spc="0" dirty="0">
+                        <a:latin typeface="AdobeClean-Light"/>
+                        <a:cs typeface="AdobeClean-Light"/>
+                      </a:endParaRPr>
+                    </a:p>
+                  </a:txBody>
+                  <a:tcPr marL="0" marR="0" marT="57150" marB="0"/>
+                </a:tc>
+                <a:tc>
+                  <a:txBody>
+                    <a:bodyPr/>
+                    <a:lstStyle/>
+                    <a:p>
+                      <a:pPr algn="ctr">
+                        <a:lnSpc>
+                          <a:spcPct val="100000"/>
+                        </a:lnSpc>
+                        <a:spcBef>
+                          <a:spcPts val="450"/>
+                        </a:spcBef>
+                      </a:pPr>
                       <a:r>
-                        <a:rPr lang="en-US" sz="1100" spc="0" dirty="0">
+                        <a:rPr lang="ja-jp" sz="1100" spc="0" dirty="0">
                           <a:solidFill>
                             <a:srgbClr val="020302"/>
                           </a:solidFill>
                           <a:latin typeface="AdobeClean-Light"/>
                           <a:cs typeface="AdobeClean-Light"/>
                         </a:rPr>
-                        <a:t>/year</a:t>
-                      </a:r>
-                      <a:endParaRPr sz="1100" spc="0" dirty="0">
-                        <a:latin typeface="AdobeClean-Light"/>
-                        <a:cs typeface="AdobeClean-Light"/>
-                      </a:endParaRPr>
-                    </a:p>
-                  </a:txBody>
-                  <a:tcPr marL="0" marR="0" marT="57150" marB="0"/>
-                </a:tc>
-                <a:tc>
-                  <a:txBody>
-                    <a:bodyPr/>
-                    <a:lstStyle/>
-                    <a:p>
-                      <a:pPr algn="ctr">
-                        <a:lnSpc>
-                          <a:spcPct val="100000"/>
-                        </a:lnSpc>
-                        <a:spcBef>
-                          <a:spcPts val="450"/>
-                        </a:spcBef>
-                      </a:pPr>
-                      <a:r>
-                        <a:rPr sz="1100" spc="0" dirty="0">
-                          <a:solidFill>
-                            <a:srgbClr val="020302"/>
-                          </a:solidFill>
-                          <a:latin typeface="AdobeClean-Light"/>
-                          <a:cs typeface="AdobeClean-Light"/>
-                        </a:rPr>
-                        <a:t>4</a:t>
-                      </a:r>
-                      <a:r>
-                        <a:rPr lang="en-US" sz="1100" spc="0" dirty="0">
-                          <a:solidFill>
-                            <a:srgbClr val="020302"/>
-                          </a:solidFill>
-                          <a:latin typeface="AdobeClean-Light"/>
-                          <a:cs typeface="AdobeClean-Light"/>
-                        </a:rPr>
-                        <a:t>/year</a:t>
+                        <a:t>4 次/年</a:t>
                       </a:r>
                       <a:endParaRPr sz="1100" spc="0" dirty="0">
                         <a:latin typeface="AdobeClean-Light"/>
@@ -5929,11 +5856,11 @@
                         </a:spcBef>
                       </a:pPr>
                       <a:r>
-                        <a:rPr lang="en-US" sz="1100" b="0" i="0" spc="0" dirty="0">
+                        <a:rPr lang="ja-jp" sz="1100" b="0" i="0" spc="0" dirty="0">
                           <a:latin typeface="Adobe Clean Light"/>
                           <a:cs typeface="AdobeClean-Light"/>
                         </a:rPr>
-                        <a:t>Case Reviews</a:t>
+                        <a:t>案例审查</a:t>
                       </a:r>
                       <a:endParaRPr sz="1100" b="0" i="0" spc="0" dirty="0">
                         <a:latin typeface="Adobe Clean Light"/>
@@ -6039,11 +5966,11 @@
                         </a:spcBef>
                       </a:pPr>
                       <a:r>
-                        <a:rPr lang="en-US" sz="1100" spc="0" dirty="0">
+                        <a:rPr lang="ja-jp" sz="1100" spc="0" dirty="0">
                           <a:latin typeface="AdobeClean-Light"/>
                           <a:cs typeface="AdobeClean-Light"/>
                         </a:rPr>
-                        <a:t>1/month</a:t>
+                        <a:t>1 次/月</a:t>
                       </a:r>
                       <a:endParaRPr sz="1100" spc="0" dirty="0">
                         <a:latin typeface="AdobeClean-Light"/>
@@ -6067,11 +5994,11 @@
                         </a:spcBef>
                       </a:pPr>
                       <a:r>
-                        <a:rPr lang="en-US" sz="1100" spc="0" dirty="0">
+                        <a:rPr lang="ja-jp" sz="1100" spc="0" dirty="0">
                           <a:latin typeface="AdobeClean-Light"/>
                           <a:cs typeface="AdobeClean-Light"/>
                         </a:rPr>
-                        <a:t>2/month</a:t>
+                        <a:t>2 次/月</a:t>
                       </a:r>
                       <a:endParaRPr sz="1100" spc="0" dirty="0">
                         <a:latin typeface="AdobeClean-Light"/>
@@ -6128,11 +6055,11 @@
                         <a:defRPr/>
                       </a:pPr>
                       <a:r>
-                        <a:rPr lang="en-US" sz="1100" b="0" i="0" spc="0" dirty="0">
+                        <a:rPr lang="ja-jp" sz="1100" b="0" i="0" spc="0" dirty="0">
                           <a:latin typeface="Adobe Clean Light" panose="020B0303020404020204" pitchFamily="34" charset="0"/>
                           <a:cs typeface="AdobeClean-Light"/>
                         </a:rPr>
-                        <a:t>Solution Review</a:t>
+                        <a:t>解决方案审查</a:t>
                       </a:r>
                     </a:p>
                   </a:txBody>
@@ -6259,7 +6186,7 @@
                         <a:defRPr/>
                       </a:pPr>
                       <a:r>
-                        <a:rPr lang="en-US" sz="1100" spc="0" dirty="0">
+                        <a:rPr lang="ja-jp" sz="1100" spc="0" dirty="0">
                           <a:solidFill>
                             <a:srgbClr val="020302"/>
                           </a:solidFill>
@@ -6321,11 +6248,11 @@
                         <a:buNone/>
                       </a:pPr>
                       <a:r>
-                        <a:rPr lang="en-US" sz="1100" b="0" i="0" spc="0" dirty="0">
+                        <a:rPr lang="ja-jp" sz="1100" b="0" i="0" spc="0" dirty="0">
                           <a:latin typeface="Adobe Clean Light"/>
                           <a:cs typeface="AdobeClean-Light"/>
                         </a:rPr>
-                        <a:t>Roadmap Review </a:t>
+                        <a:t>路线图审查</a:t>
                       </a:r>
                       <a:endParaRPr lang="en-US" sz="1100" b="0" i="0" spc="0" dirty="0">
                         <a:latin typeface="Adobe Clean Light" panose="020B0303020404020204" pitchFamily="34" charset="0"/>
@@ -6456,7 +6383,7 @@
                         <a:defRPr/>
                       </a:pPr>
                       <a:r>
-                        <a:rPr lang="en-US" sz="1100" spc="0" dirty="0">
+                        <a:rPr lang="ja-jp" sz="1100" spc="0" dirty="0">
                           <a:solidFill>
                             <a:srgbClr val="020302"/>
                           </a:solidFill>
@@ -6518,14 +6445,14 @@
                         <a:buNone/>
                       </a:pPr>
                       <a:r>
-                        <a:rPr lang="en-US" sz="1100" b="0" i="0" spc="0" dirty="0">
+                        <a:rPr lang="ja-jp" sz="1100" b="0" i="0" spc="0" dirty="0">
                           <a:solidFill>
                             <a:srgbClr val="020302"/>
                           </a:solidFill>
                           <a:latin typeface="Adobe Clean Light"/>
                           <a:cs typeface="AdobeClean-Light"/>
                         </a:rPr>
-                        <a:t>Additional Named Support Contacts </a:t>
+                        <a:t>其他指定的支持联系人</a:t>
                       </a:r>
                       <a:endParaRPr lang="en-US" sz="1100" b="0" i="0" spc="0" dirty="0">
                         <a:latin typeface="Adobe Clean Light" panose="020B0303020404020204" pitchFamily="34" charset="0"/>
@@ -6656,7 +6583,7 @@
                         <a:defRPr/>
                       </a:pPr>
                       <a:r>
-                        <a:rPr lang="en-US" sz="1100" spc="0" dirty="0">
+                        <a:rPr lang="ja-jp" sz="1100" spc="0" dirty="0">
                           <a:solidFill>
                             <a:srgbClr val="020302"/>
                           </a:solidFill>
@@ -6711,11 +6638,11 @@
                         </a:spcBef>
                       </a:pPr>
                       <a:r>
-                        <a:rPr lang="en-US" sz="1100" b="0" i="0" spc="0" dirty="0">
+                        <a:rPr lang="ja-jp" sz="1100" b="0" i="0" spc="0" dirty="0">
                           <a:latin typeface="Adobe Clean Light"/>
                           <a:cs typeface="AdobeClean-Light"/>
                         </a:rPr>
-                        <a:t>Upgrade/Migration Planning</a:t>
+                        <a:t>升级/迁移规划</a:t>
                       </a:r>
                       <a:endParaRPr sz="1100" b="0" i="0" spc="0" dirty="0">
                         <a:latin typeface="Adobe Clean Light"/>
@@ -6846,7 +6773,7 @@
                         <a:defRPr/>
                       </a:pPr>
                       <a:r>
-                        <a:rPr lang="en-US" sz="1100" spc="0" dirty="0">
+                        <a:rPr lang="ja-jp" sz="1100" spc="0" dirty="0">
                           <a:solidFill>
                             <a:srgbClr val="020302"/>
                           </a:solidFill>
@@ -6901,11 +6828,11 @@
                         </a:spcBef>
                       </a:pPr>
                       <a:r>
-                        <a:rPr lang="en-US" sz="1100" b="0" i="0" spc="0" dirty="0">
+                        <a:rPr lang="ja-jp" sz="1100" b="0" i="0" spc="0" dirty="0">
                           <a:latin typeface="Adobe Clean Light"/>
                           <a:cs typeface="AdobeClean-Light"/>
                         </a:rPr>
-                        <a:t>Release Preparation and Planning</a:t>
+                        <a:t>发布准备和规划</a:t>
                       </a:r>
                       <a:endParaRPr sz="1100" b="0" i="0" spc="0" dirty="0">
                         <a:latin typeface="Adobe Clean Light"/>
@@ -7036,7 +6963,7 @@
                         <a:defRPr/>
                       </a:pPr>
                       <a:r>
-                        <a:rPr lang="en-US" sz="1100" spc="0" dirty="0">
+                        <a:rPr lang="ja-jp" sz="1100" spc="0" dirty="0">
                           <a:solidFill>
                             <a:srgbClr val="020302"/>
                           </a:solidFill>
@@ -7139,11 +7066,11 @@
                         </a:spcBef>
                       </a:pPr>
                       <a:r>
-                        <a:rPr lang="en-US" sz="1100" b="0" i="0" spc="0" dirty="0">
+                        <a:rPr lang="ja-jp" sz="1100" b="0" i="0" spc="0" dirty="0">
                           <a:latin typeface="Adobe Clean Light" panose="020B0303020404020204" pitchFamily="34" charset="0"/>
                           <a:cs typeface="AdobeClean-Light"/>
                         </a:rPr>
-                        <a:t>Executive Sponsor</a:t>
+                        <a:t>执行发起人</a:t>
                       </a:r>
                       <a:endParaRPr sz="1100" b="0" i="0" spc="0" dirty="0">
                         <a:latin typeface="Adobe Clean Light" panose="020B0303020404020204" pitchFamily="34" charset="0"/>
@@ -7312,7 +7239,7 @@
                         </a:spcBef>
                       </a:pPr>
                       <a:r>
-                        <a:rPr sz="1100" spc="0" dirty="0">
+                        <a:rPr lang="ja-jp" sz="1100" spc="0" dirty="0">
                           <a:solidFill>
                             <a:srgbClr val="020302"/>
                           </a:solidFill>
@@ -7386,23 +7313,15 @@
               </a:spcBef>
             </a:pPr>
             <a:r>
-              <a:rPr spc="-5" dirty="0"/>
-              <a:t>©202</a:t>
-            </a:r>
-            <a:r>
-              <a:rPr lang="en-US" spc="-5" dirty="0"/>
-              <a:t>2</a:t>
-            </a:r>
-            <a:r>
-              <a:rPr spc="-5" dirty="0"/>
-              <a:t> Adobe. All Rights Reserved. Adobe</a:t>
-            </a:r>
-            <a:r>
-              <a:rPr spc="60" dirty="0"/>
+              <a:rPr lang="ja-jp" spc="-5" dirty="0"/>
+              <a:t>©2022 Adobe.All Rights Reserved.Adobe</a:t>
+            </a:r>
+            <a:r>
+              <a:rPr lang="ja-jp" spc="60" dirty="0"/>
               <a:t> </a:t>
             </a:r>
             <a:r>
-              <a:rPr spc="-5" dirty="0"/>
+              <a:rPr lang="ja-jp" spc="-5" dirty="0"/>
               <a:t>Confidential.</a:t>
             </a:r>
           </a:p>
@@ -7417,14 +7336,14 @@
           <p:nvPr>
             <p:extLst>
               <p:ext uri="{D42A27DB-BD31-4B8C-83A1-F6EECF244321}">
-                <p14:modId xmlns:p14="http://schemas.microsoft.com/office/powerpoint/2010/main" val="2735922411"/>
+                <p14:modId xmlns:p14="http://schemas.microsoft.com/office/powerpoint/2010/main" val="1668635796"/>
               </p:ext>
             </p:extLst>
           </p:nvPr>
         </p:nvGraphicFramePr>
         <p:xfrm>
           <a:off x="95250" y="7483227"/>
-          <a:ext cx="7600951" cy="2361428"/>
+          <a:ext cx="7600951" cy="2103437"/>
         </p:xfrm>
         <a:graphic>
           <a:graphicData uri="http://schemas.openxmlformats.org/drawingml/2006/table">
@@ -7484,14 +7403,14 @@
                         </a:spcBef>
                       </a:pPr>
                       <a:r>
-                        <a:rPr sz="1000" spc="0" dirty="0">
+                        <a:rPr lang="ja-jp" sz="1000" spc="0" dirty="0">
                           <a:solidFill>
                             <a:srgbClr val="020302"/>
                           </a:solidFill>
                           <a:latin typeface="Adobe Clean"/>
                           <a:cs typeface="Adobe Clean"/>
                         </a:rPr>
-                        <a:t>Priority</a:t>
+                        <a:t>优先级</a:t>
                       </a:r>
                       <a:endParaRPr sz="1000" spc="0" dirty="0">
                         <a:latin typeface="Adobe Clean"/>
@@ -7543,44 +7462,14 @@
                         </a:spcBef>
                       </a:pPr>
                       <a:r>
-                        <a:rPr lang="en-US" sz="900" spc="0" dirty="0">
+                        <a:rPr lang="ja-jp" sz="900" spc="0" dirty="0">
                           <a:solidFill>
                             <a:srgbClr val="020302"/>
                           </a:solidFill>
                           <a:latin typeface="Adobe Clean"/>
                           <a:cs typeface="Adobe Clean"/>
                         </a:rPr>
-                        <a:t>Standard</a:t>
-                      </a:r>
-                      <a:r>
-                        <a:rPr sz="900" spc="0" dirty="0">
-                          <a:solidFill>
-                            <a:srgbClr val="020302"/>
-                          </a:solidFill>
-                          <a:latin typeface="Adobe Clean"/>
-                          <a:cs typeface="Adobe Clean"/>
-                        </a:rPr>
-                        <a:t> </a:t>
-                      </a:r>
-                      <a:r>
-                        <a:rPr lang="en-US" sz="900" spc="0" dirty="0">
-                          <a:solidFill>
-                            <a:srgbClr val="020302"/>
-                          </a:solidFill>
-                          <a:latin typeface="Adobe Clean"/>
-                          <a:cs typeface="Adobe Clean"/>
-                        </a:rPr>
-                        <a:t> </a:t>
-                      </a:r>
-                      <a:r>
-                        <a:rPr sz="900" spc="0" dirty="0">
-                          <a:solidFill>
-                            <a:srgbClr val="020302"/>
-                          </a:solidFill>
-                          <a:latin typeface="Adobe Clean"/>
-                          <a:cs typeface="Adobe Clean"/>
-                        </a:rPr>
-                        <a:t>Support</a:t>
+                        <a:t>标准支持</a:t>
                       </a:r>
                       <a:endParaRPr sz="900" spc="0" dirty="0">
                         <a:latin typeface="Adobe Clean"/>
@@ -7635,192 +7524,132 @@
                         </a:spcBef>
                       </a:pPr>
                       <a:r>
-                        <a:rPr sz="900" spc="0" dirty="0">
+                        <a:rPr lang="ja-jp" sz="900" spc="0" dirty="0">
                           <a:solidFill>
                             <a:srgbClr val="FFFFFF"/>
                           </a:solidFill>
                           <a:latin typeface="Adobe Clean"/>
                           <a:cs typeface="Adobe Clean"/>
                         </a:rPr>
-                        <a:t>Business</a:t>
+                        <a:t>商业支持</a:t>
                       </a:r>
+                      <a:endParaRPr sz="900" spc="0" dirty="0">
+                        <a:latin typeface="Adobe Clean"/>
+                        <a:cs typeface="Adobe Clean"/>
+                      </a:endParaRPr>
+                    </a:p>
+                  </a:txBody>
+                  <a:tcPr marL="0" marR="0" marT="0" marB="0" anchor="ctr">
+                    <a:lnL w="3175">
+                      <a:solidFill>
+                        <a:srgbClr val="B7B8B8"/>
+                      </a:solidFill>
+                      <a:prstDash val="solid"/>
+                    </a:lnL>
+                    <a:lnR w="3175">
+                      <a:solidFill>
+                        <a:srgbClr val="B7B8B8"/>
+                      </a:solidFill>
+                      <a:prstDash val="solid"/>
+                    </a:lnR>
+                    <a:lnT w="3175">
+                      <a:solidFill>
+                        <a:srgbClr val="B7B8B8"/>
+                      </a:solidFill>
+                      <a:prstDash val="solid"/>
+                    </a:lnT>
+                    <a:lnB w="76200">
+                      <a:solidFill>
+                        <a:srgbClr val="ACD2FF"/>
+                      </a:solidFill>
+                      <a:prstDash val="solid"/>
+                    </a:lnB>
+                    <a:solidFill>
+                      <a:srgbClr val="7D7D7D"/>
+                    </a:solidFill>
+                  </a:tcPr>
+                </a:tc>
+                <a:tc>
+                  <a:txBody>
+                    <a:bodyPr/>
+                    <a:lstStyle/>
+                    <a:p>
+                      <a:pPr marL="0" algn="ctr">
+                        <a:lnSpc>
+                          <a:spcPct val="100000"/>
+                        </a:lnSpc>
+                        <a:spcBef>
+                          <a:spcPts val="60"/>
+                        </a:spcBef>
+                      </a:pPr>
                       <a:r>
-                        <a:rPr lang="en-US" sz="900" spc="0" dirty="0">
+                        <a:rPr lang="ja-jp" sz="900" spc="0" dirty="0">
                           <a:solidFill>
                             <a:srgbClr val="FFFFFF"/>
                           </a:solidFill>
                           <a:latin typeface="Adobe Clean"/>
                           <a:cs typeface="Adobe Clean"/>
                         </a:rPr>
-                        <a:t> </a:t>
+                        <a:t>企业支持</a:t>
                       </a:r>
+                      <a:endParaRPr sz="900" spc="0" dirty="0">
+                        <a:latin typeface="Adobe Clean"/>
+                        <a:cs typeface="Adobe Clean"/>
+                      </a:endParaRPr>
+                    </a:p>
+                  </a:txBody>
+                  <a:tcPr marL="0" marR="0" marT="0" marB="0" anchor="ctr">
+                    <a:lnL w="3175">
+                      <a:solidFill>
+                        <a:srgbClr val="B7B8B8"/>
+                      </a:solidFill>
+                      <a:prstDash val="solid"/>
+                    </a:lnL>
+                    <a:lnR w="3175">
+                      <a:solidFill>
+                        <a:srgbClr val="B7B8B8"/>
+                      </a:solidFill>
+                      <a:prstDash val="solid"/>
+                    </a:lnR>
+                    <a:lnT w="3175">
+                      <a:solidFill>
+                        <a:srgbClr val="B7B8B8"/>
+                      </a:solidFill>
+                      <a:prstDash val="solid"/>
+                    </a:lnT>
+                    <a:lnB w="76200">
+                      <a:solidFill>
+                        <a:srgbClr val="2E8FFF"/>
+                      </a:solidFill>
+                      <a:prstDash val="solid"/>
+                    </a:lnB>
+                    <a:solidFill>
+                      <a:srgbClr val="404040"/>
+                    </a:solidFill>
+                  </a:tcPr>
+                </a:tc>
+                <a:tc>
+                  <a:txBody>
+                    <a:bodyPr/>
+                    <a:lstStyle/>
+                    <a:p>
+                      <a:pPr marL="0" algn="ctr">
+                        <a:lnSpc>
+                          <a:spcPct val="100000"/>
+                        </a:lnSpc>
+                        <a:spcBef>
+                          <a:spcPts val="60"/>
+                        </a:spcBef>
+                      </a:pPr>
                       <a:r>
-                        <a:rPr sz="900" spc="0" dirty="0">
+                        <a:rPr lang="ja-jp" sz="900" spc="0" dirty="0">
                           <a:solidFill>
                             <a:srgbClr val="FFFFFF"/>
                           </a:solidFill>
                           <a:latin typeface="Adobe Clean"/>
                           <a:cs typeface="Adobe Clean"/>
                         </a:rPr>
-                        <a:t>Support</a:t>
-                      </a:r>
-                      <a:endParaRPr sz="900" spc="0" dirty="0">
-                        <a:latin typeface="Adobe Clean"/>
-                        <a:cs typeface="Adobe Clean"/>
-                      </a:endParaRPr>
-                    </a:p>
-                  </a:txBody>
-                  <a:tcPr marL="0" marR="0" marT="0" marB="0" anchor="ctr">
-                    <a:lnL w="3175">
-                      <a:solidFill>
-                        <a:srgbClr val="B7B8B8"/>
-                      </a:solidFill>
-                      <a:prstDash val="solid"/>
-                    </a:lnL>
-                    <a:lnR w="3175">
-                      <a:solidFill>
-                        <a:srgbClr val="B7B8B8"/>
-                      </a:solidFill>
-                      <a:prstDash val="solid"/>
-                    </a:lnR>
-                    <a:lnT w="3175">
-                      <a:solidFill>
-                        <a:srgbClr val="B7B8B8"/>
-                      </a:solidFill>
-                      <a:prstDash val="solid"/>
-                    </a:lnT>
-                    <a:lnB w="76200">
-                      <a:solidFill>
-                        <a:srgbClr val="ACD2FF"/>
-                      </a:solidFill>
-                      <a:prstDash val="solid"/>
-                    </a:lnB>
-                    <a:solidFill>
-                      <a:srgbClr val="7D7D7D"/>
-                    </a:solidFill>
-                  </a:tcPr>
-                </a:tc>
-                <a:tc>
-                  <a:txBody>
-                    <a:bodyPr/>
-                    <a:lstStyle/>
-                    <a:p>
-                      <a:pPr marL="0" algn="ctr">
-                        <a:lnSpc>
-                          <a:spcPct val="100000"/>
-                        </a:lnSpc>
-                        <a:spcBef>
-                          <a:spcPts val="60"/>
-                        </a:spcBef>
-                      </a:pPr>
-                      <a:r>
-                        <a:rPr sz="900" spc="0" dirty="0">
-                          <a:solidFill>
-                            <a:srgbClr val="FFFFFF"/>
-                          </a:solidFill>
-                          <a:latin typeface="Adobe Clean"/>
-                          <a:cs typeface="Adobe Clean"/>
-                        </a:rPr>
-                        <a:t>Enterprise </a:t>
-                      </a:r>
-                      <a:r>
-                        <a:rPr lang="en-US" sz="900" spc="0" dirty="0">
-                          <a:solidFill>
-                            <a:srgbClr val="FFFFFF"/>
-                          </a:solidFill>
-                          <a:latin typeface="Adobe Clean"/>
-                          <a:cs typeface="Adobe Clean"/>
-                        </a:rPr>
-                        <a:t> </a:t>
-                      </a:r>
-                      <a:r>
-                        <a:rPr sz="900" spc="0" dirty="0">
-                          <a:solidFill>
-                            <a:srgbClr val="FFFFFF"/>
-                          </a:solidFill>
-                          <a:latin typeface="Adobe Clean"/>
-                          <a:cs typeface="Adobe Clean"/>
-                        </a:rPr>
-                        <a:t>Support</a:t>
-                      </a:r>
-                      <a:endParaRPr sz="900" spc="0" dirty="0">
-                        <a:latin typeface="Adobe Clean"/>
-                        <a:cs typeface="Adobe Clean"/>
-                      </a:endParaRPr>
-                    </a:p>
-                  </a:txBody>
-                  <a:tcPr marL="0" marR="0" marT="0" marB="0" anchor="ctr">
-                    <a:lnL w="3175">
-                      <a:solidFill>
-                        <a:srgbClr val="B7B8B8"/>
-                      </a:solidFill>
-                      <a:prstDash val="solid"/>
-                    </a:lnL>
-                    <a:lnR w="3175">
-                      <a:solidFill>
-                        <a:srgbClr val="B7B8B8"/>
-                      </a:solidFill>
-                      <a:prstDash val="solid"/>
-                    </a:lnR>
-                    <a:lnT w="3175">
-                      <a:solidFill>
-                        <a:srgbClr val="B7B8B8"/>
-                      </a:solidFill>
-                      <a:prstDash val="solid"/>
-                    </a:lnT>
-                    <a:lnB w="76200">
-                      <a:solidFill>
-                        <a:srgbClr val="2E8FFF"/>
-                      </a:solidFill>
-                      <a:prstDash val="solid"/>
-                    </a:lnB>
-                    <a:solidFill>
-                      <a:srgbClr val="404040"/>
-                    </a:solidFill>
-                  </a:tcPr>
-                </a:tc>
-                <a:tc>
-                  <a:txBody>
-                    <a:bodyPr/>
-                    <a:lstStyle/>
-                    <a:p>
-                      <a:pPr marL="0" algn="ctr">
-                        <a:lnSpc>
-                          <a:spcPct val="100000"/>
-                        </a:lnSpc>
-                        <a:spcBef>
-                          <a:spcPts val="60"/>
-                        </a:spcBef>
-                      </a:pPr>
-                      <a:r>
-                        <a:rPr sz="900" spc="0" dirty="0">
-                          <a:solidFill>
-                            <a:srgbClr val="FFFFFF"/>
-                          </a:solidFill>
-                          <a:latin typeface="Adobe Clean"/>
-                          <a:cs typeface="Adobe Clean"/>
-                        </a:rPr>
-                        <a:t>Elite</a:t>
-                      </a:r>
-                      <a:r>
-                        <a:rPr lang="en-US" sz="900" spc="0" dirty="0">
-                          <a:solidFill>
-                            <a:srgbClr val="FFFFFF"/>
-                          </a:solidFill>
-                          <a:latin typeface="Adobe Clean"/>
-                          <a:cs typeface="Adobe Clean"/>
-                        </a:rPr>
-                        <a:t> </a:t>
-                      </a:r>
-                      <a:r>
-                        <a:rPr sz="900" spc="0" dirty="0">
-                          <a:solidFill>
-                            <a:srgbClr val="FFFFFF"/>
-                          </a:solidFill>
-                          <a:latin typeface="Adobe Clean"/>
-                          <a:cs typeface="Adobe Clean"/>
-                        </a:rPr>
-                        <a:t>Support</a:t>
+                        <a:t>高级支持</a:t>
                       </a:r>
                       <a:endParaRPr sz="900" spc="0" dirty="0">
                         <a:latin typeface="Adobe Clean"/>
@@ -7879,14 +7708,14 @@
                         </a:spcBef>
                       </a:pPr>
                       <a:r>
-                        <a:rPr sz="900" b="1" spc="0" dirty="0">
+                        <a:rPr lang="ja-jp" sz="900" b="1" spc="0" dirty="0">
                           <a:solidFill>
                             <a:srgbClr val="020302"/>
                           </a:solidFill>
                           <a:latin typeface="Adobe Clean"/>
                           <a:cs typeface="Adobe Clean"/>
                         </a:rPr>
-                        <a:t>PRIORITY 1</a:t>
+                        <a:t>优先级 1</a:t>
                       </a:r>
                       <a:endParaRPr sz="900" spc="0" dirty="0">
                         <a:latin typeface="Adobe Clean"/>
@@ -7903,14 +7732,54 @@
                         </a:spcBef>
                       </a:pPr>
                       <a:r>
-                        <a:rPr lang="en-US" sz="900" b="0" i="0" spc="0" dirty="0">
+                        <a:rPr lang="ja-jp" sz="900" b="0" i="0" spc="0" dirty="0">
                           <a:solidFill>
                             <a:srgbClr val="000000"/>
                           </a:solidFill>
                           <a:effectLst/>
                           <a:latin typeface="Adobe Clean Light" panose="020B0303020404020204" pitchFamily="34" charset="0"/>
                         </a:rPr>
-                        <a:t>Customer's production business functions are down or have significant data loss or service degradation and immediate attention is required to restore functionality and usability. </a:t>
+                        <a:t>客户的生产业务功能中断或发生重大数据丢失或服务</a:t>
+                      </a:r>
+                      <a:r>
+                        <a:rPr lang="ja-jp" sz="900" b="0" i="0" spc="0">
+                          <a:solidFill>
+                            <a:srgbClr val="000000"/>
+                          </a:solidFill>
+                          <a:effectLst/>
+                          <a:latin typeface="Adobe Clean Light" panose="020B0303020404020204" pitchFamily="34" charset="0"/>
+                        </a:rPr>
+                        <a:t>降级</a:t>
+                      </a:r>
+                      <a:r>
+                        <a:rPr lang="ja-JP" altLang="en-US" sz="900" b="0" i="0" spc="0">
+                          <a:solidFill>
+                            <a:srgbClr val="000000"/>
+                          </a:solidFill>
+                          <a:effectLst/>
+                          <a:latin typeface="Adobe Clean Light" panose="020B0303020404020204" pitchFamily="34" charset="0"/>
+                        </a:rPr>
+                        <a:t>、</a:t>
+                      </a:r>
+                      <a:r>
+                        <a:rPr lang="ja-jp" sz="900" b="0" i="0" spc="0">
+                          <a:solidFill>
+                            <a:srgbClr val="000000"/>
+                          </a:solidFill>
+                          <a:effectLst/>
+                          <a:latin typeface="Adobe Clean Light" panose="020B0303020404020204" pitchFamily="34" charset="0"/>
+                        </a:rPr>
+                        <a:t>需</a:t>
+                      </a:r>
+                      <a:r>
+                        <a:rPr lang="ja-jp" sz="900" b="0" i="0" spc="0" dirty="0">
+                          <a:solidFill>
+                            <a:srgbClr val="000000"/>
+                          </a:solidFill>
+                          <a:effectLst/>
+                          <a:latin typeface="Adobe Clean Light" panose="020B0303020404020204" pitchFamily="34" charset="0"/>
+                        </a:rPr>
+                        <a:t>要立即关注以恢复功能和可用性。</a:t>
                       </a:r>
                       <a:endParaRPr sz="900" spc="0" dirty="0">
                         <a:latin typeface="AdobeClean-Light"/>
@@ -7962,14 +7831,14 @@
                         </a:spcBef>
                       </a:pPr>
                       <a:r>
-                        <a:rPr lang="en-US" sz="900" spc="0" dirty="0">
+                        <a:rPr lang="ja-jp" sz="900" spc="0" dirty="0">
                           <a:solidFill>
                             <a:srgbClr val="020302"/>
                           </a:solidFill>
                           <a:latin typeface="AdobeClean-Light"/>
                           <a:cs typeface="AdobeClean-Light"/>
                         </a:rPr>
-                        <a:t>24x7 /</a:t>
+                        <a:t>全天候 /</a:t>
                       </a:r>
                     </a:p>
                     <a:p>
@@ -7982,14 +7851,14 @@
                         </a:spcBef>
                       </a:pPr>
                       <a:r>
-                        <a:rPr lang="en-US" sz="900" spc="0" dirty="0">
+                        <a:rPr lang="ja-jp" sz="900" spc="0" dirty="0">
                           <a:solidFill>
                             <a:srgbClr val="020302"/>
                           </a:solidFill>
                           <a:latin typeface="AdobeClean-Light"/>
                           <a:cs typeface="AdobeClean-Light"/>
                         </a:rPr>
-                        <a:t> 30 minutes</a:t>
+                        <a:t>30 分钟</a:t>
                       </a:r>
                       <a:endParaRPr lang="en-US" sz="900" spc="0" dirty="0">
                         <a:latin typeface="AdobeClean-Light"/>
@@ -8039,10 +7908,63 @@
                         <a:tabLst/>
                       </a:pPr>
                       <a:r>
-                        <a:rPr lang="en-US" sz="900" i="0" spc="0" dirty="0">
+                        <a:rPr lang="ja-jp" sz="900" i="0" spc="0" dirty="0">
                           <a:latin typeface="AdobeClean-Light"/>
                         </a:rPr>
-                        <a:t>Customers who purchase a Support Plan for applicable Adobe Products and Services receive priority case routing that fast-tracks cases to Adobe’s Support Engineers. </a:t>
+                        <a:t>为适用的 Adobe 产品和服务购买支持计划的客户将获得优先级案例</a:t>
+                      </a:r>
+                      <a:r>
+                        <a:rPr lang="ja-jp" sz="900" i="0" spc="0">
+                          <a:latin typeface="AdobeClean-Light"/>
+                        </a:rPr>
+                        <a:t>路由</a:t>
+                      </a:r>
+                      <a:r>
+                        <a:rPr lang="ja-JP" altLang="en-US" sz="900" i="0" spc="0">
+                          <a:latin typeface="AdobeClean-Light"/>
+                        </a:rPr>
+                        <a:t>、</a:t>
+                      </a:r>
+                      <a:r>
+                        <a:rPr lang="ja-jp" sz="900" i="0" spc="0">
+                          <a:latin typeface="AdobeClean-Light"/>
+                        </a:rPr>
+                        <a:t>可</a:t>
+                      </a:r>
+                      <a:r>
+                        <a:rPr lang="ja-jp" sz="900" i="0" spc="0" dirty="0">
+                          <a:latin typeface="AdobeClean-Light"/>
+                        </a:rPr>
+                        <a:t>快速跟踪</a:t>
+                      </a:r>
+                      <a:r>
+                        <a:rPr lang="ja-jp" sz="900" i="0" spc="0">
+                          <a:latin typeface="AdobeClean-Light"/>
+                        </a:rPr>
+                        <a:t>案例</a:t>
+                      </a:r>
+                      <a:r>
+                        <a:rPr lang="ja-JP" altLang="en-US" sz="900" i="0" spc="0">
+                          <a:latin typeface="AdobeClean-Light"/>
+                        </a:rPr>
+                        <a:t>、</a:t>
+                      </a:r>
+                      <a:br>
+                        <a:rPr lang="en-US" altLang="ja-JP" sz="900" i="0" spc="0" dirty="0">
+                          <a:latin typeface="AdobeClean-Light"/>
+                        </a:rPr>
+                      </a:br>
+                      <a:r>
+                        <a:rPr lang="ja-jp" sz="900" i="0" spc="0">
+                          <a:latin typeface="AdobeClean-Light"/>
+                        </a:rPr>
+                        <a:t>并</a:t>
+                      </a:r>
+                      <a:r>
+                        <a:rPr lang="ja-jp" sz="900" i="0" spc="0" dirty="0">
+                          <a:latin typeface="AdobeClean-Light"/>
+                        </a:rPr>
+                        <a:t>将其发送给 Adobe 的支持工程师。</a:t>
                       </a:r>
                     </a:p>
                   </a:txBody>
@@ -8090,7 +8012,7 @@
                         </a:spcBef>
                       </a:pPr>
                       <a:r>
-                        <a:rPr sz="900" spc="0">
+                        <a:rPr lang="ja-jp" sz="900" spc="0">
                           <a:solidFill>
                             <a:srgbClr val="020302"/>
                           </a:solidFill>
@@ -8100,10 +8022,59 @@
                           <a:latin typeface="AdobeClean-Light"/>
                           <a:cs typeface="AdobeClean-Light"/>
                         </a:rPr>
-                        <a:t>24x7 /  </a:t>
+                        <a:t>全天候/30 分钟</a:t>
                       </a:r>
+                      <a:endParaRPr sz="900" spc="0">
+                        <a:highlight>
+                          <a:srgbClr val="FFFF00"/>
+                        </a:highlight>
+                        <a:latin typeface="AdobeClean-Light"/>
+                        <a:cs typeface="AdobeClean-Light"/>
+                      </a:endParaRPr>
+                    </a:p>
+                  </a:txBody>
+                  <a:tcPr marL="0" marR="0" marT="0" marB="0" anchor="ctr">
+                    <a:lnL w="3175">
+                      <a:solidFill>
+                        <a:srgbClr val="B7B8B8"/>
+                      </a:solidFill>
+                      <a:prstDash val="solid"/>
+                    </a:lnL>
+                    <a:lnR w="3175">
+                      <a:solidFill>
+                        <a:srgbClr val="B7B8B8"/>
+                      </a:solidFill>
+                      <a:prstDash val="solid"/>
+                    </a:lnR>
+                    <a:lnT w="76200">
+                      <a:solidFill>
+                        <a:srgbClr val="2E8FFF"/>
+                      </a:solidFill>
+                      <a:prstDash val="solid"/>
+                    </a:lnT>
+                    <a:lnB w="3175">
+                      <a:solidFill>
+                        <a:srgbClr val="B7B8B8"/>
+                      </a:solidFill>
+                      <a:prstDash val="solid"/>
+                    </a:lnB>
+                  </a:tcPr>
+                </a:tc>
+                <a:tc rowSpan="4" hMerge="1">
+                  <a:txBody>
+                    <a:bodyPr/>
+                    <a:lstStyle/>
+                    <a:p>
+                      <a:pPr marL="0" marR="271780" indent="103505" algn="ctr">
+                        <a:lnSpc>
+                          <a:spcPct val="100000"/>
+                        </a:lnSpc>
+                        <a:spcBef>
+                          <a:spcPts val="670"/>
+                        </a:spcBef>
+                      </a:pPr>
                       <a:r>
-                        <a:rPr lang="en-US" sz="900" spc="0">
+                        <a:rPr lang="ja-jp" sz="900" spc="0">
                           <a:solidFill>
                             <a:srgbClr val="020302"/>
                           </a:solidFill>
@@ -8113,160 +8084,7 @@
                           <a:latin typeface="AdobeClean-Light"/>
                           <a:cs typeface="AdobeClean-Light"/>
                         </a:rPr>
-                        <a:t>         </a:t>
-                      </a:r>
-                      <a:r>
-                        <a:rPr sz="900" spc="0">
-                          <a:solidFill>
-                            <a:srgbClr val="020302"/>
-                          </a:solidFill>
-                          <a:highlight>
-                            <a:srgbClr val="FFFF00"/>
-                          </a:highlight>
-                          <a:latin typeface="AdobeClean-Light"/>
-                          <a:cs typeface="AdobeClean-Light"/>
-                        </a:rPr>
-                        <a:t>30</a:t>
-                      </a:r>
-                      <a:r>
-                        <a:rPr lang="en-US" sz="900" spc="0">
-                          <a:solidFill>
-                            <a:srgbClr val="020302"/>
-                          </a:solidFill>
-                          <a:highlight>
-                            <a:srgbClr val="FFFF00"/>
-                          </a:highlight>
-                          <a:latin typeface="AdobeClean-Light"/>
-                          <a:cs typeface="AdobeClean-Light"/>
-                        </a:rPr>
-                        <a:t> </a:t>
-                      </a:r>
-                      <a:r>
-                        <a:rPr sz="900" spc="0">
-                          <a:solidFill>
-                            <a:srgbClr val="020302"/>
-                          </a:solidFill>
-                          <a:highlight>
-                            <a:srgbClr val="FFFF00"/>
-                          </a:highlight>
-                          <a:latin typeface="AdobeClean-Light"/>
-                          <a:cs typeface="AdobeClean-Light"/>
-                        </a:rPr>
-                        <a:t>minutes</a:t>
-                      </a:r>
-                      <a:endParaRPr sz="900" spc="0">
-                        <a:highlight>
-                          <a:srgbClr val="FFFF00"/>
-                        </a:highlight>
-                        <a:latin typeface="AdobeClean-Light"/>
-                        <a:cs typeface="AdobeClean-Light"/>
-                      </a:endParaRPr>
-                    </a:p>
-                  </a:txBody>
-                  <a:tcPr marL="0" marR="0" marT="0" marB="0" anchor="ctr">
-                    <a:lnL w="3175">
-                      <a:solidFill>
-                        <a:srgbClr val="B7B8B8"/>
-                      </a:solidFill>
-                      <a:prstDash val="solid"/>
-                    </a:lnL>
-                    <a:lnR w="3175">
-                      <a:solidFill>
-                        <a:srgbClr val="B7B8B8"/>
-                      </a:solidFill>
-                      <a:prstDash val="solid"/>
-                    </a:lnR>
-                    <a:lnT w="76200">
-                      <a:solidFill>
-                        <a:srgbClr val="2E8FFF"/>
-                      </a:solidFill>
-                      <a:prstDash val="solid"/>
-                    </a:lnT>
-                    <a:lnB w="3175">
-                      <a:solidFill>
-                        <a:srgbClr val="B7B8B8"/>
-                      </a:solidFill>
-                      <a:prstDash val="solid"/>
-                    </a:lnB>
-                  </a:tcPr>
-                </a:tc>
-                <a:tc rowSpan="4" hMerge="1">
-                  <a:txBody>
-                    <a:bodyPr/>
-                    <a:lstStyle/>
-                    <a:p>
-                      <a:pPr marL="0" marR="271780" indent="103505" algn="ctr">
-                        <a:lnSpc>
-                          <a:spcPct val="100000"/>
-                        </a:lnSpc>
-                        <a:spcBef>
-                          <a:spcPts val="670"/>
-                        </a:spcBef>
-                      </a:pPr>
-                      <a:r>
-                        <a:rPr sz="900" spc="0">
-                          <a:solidFill>
-                            <a:srgbClr val="020302"/>
-                          </a:solidFill>
-                          <a:highlight>
-                            <a:srgbClr val="FFFF00"/>
-                          </a:highlight>
-                          <a:latin typeface="AdobeClean-Light"/>
-                          <a:cs typeface="AdobeClean-Light"/>
-                        </a:rPr>
-                        <a:t>24x7 / </a:t>
-                      </a:r>
-                      <a:r>
-                        <a:rPr lang="en-US" sz="900" spc="0">
-                          <a:solidFill>
-                            <a:srgbClr val="020302"/>
-                          </a:solidFill>
-                          <a:highlight>
-                            <a:srgbClr val="FFFF00"/>
-                          </a:highlight>
-                          <a:latin typeface="AdobeClean-Light"/>
-                          <a:cs typeface="AdobeClean-Light"/>
-                        </a:rPr>
-                        <a:t>       </a:t>
-                      </a:r>
-                      <a:r>
-                        <a:rPr sz="900" spc="0">
-                          <a:solidFill>
-                            <a:srgbClr val="020302"/>
-                          </a:solidFill>
-                          <a:highlight>
-                            <a:srgbClr val="FFFF00"/>
-                          </a:highlight>
-                          <a:latin typeface="AdobeClean-Light"/>
-                          <a:cs typeface="AdobeClean-Light"/>
-                        </a:rPr>
-                        <a:t> 15</a:t>
-                      </a:r>
-                      <a:r>
-                        <a:rPr lang="en-US" sz="900" spc="0">
-                          <a:solidFill>
-                            <a:srgbClr val="020302"/>
-                          </a:solidFill>
-                          <a:highlight>
-                            <a:srgbClr val="FFFF00"/>
-                          </a:highlight>
-                          <a:latin typeface="AdobeClean-Light"/>
-                          <a:cs typeface="AdobeClean-Light"/>
-                        </a:rPr>
-                        <a:t> </a:t>
-                      </a:r>
-                      <a:r>
-                        <a:rPr sz="900" spc="0">
-                          <a:solidFill>
-                            <a:srgbClr val="020302"/>
-                          </a:solidFill>
-                          <a:highlight>
-                            <a:srgbClr val="FFFF00"/>
-                          </a:highlight>
-                          <a:latin typeface="AdobeClean-Light"/>
-                          <a:cs typeface="AdobeClean-Light"/>
-                        </a:rPr>
-                        <a:t>minutes</a:t>
+                        <a:t>全天候/15 分钟</a:t>
                       </a:r>
                       <a:endParaRPr sz="900" spc="0">
                         <a:highlight>
@@ -8325,14 +8143,14 @@
                         </a:spcBef>
                       </a:pPr>
                       <a:r>
-                        <a:rPr sz="900" b="1" spc="0" dirty="0">
+                        <a:rPr lang="ja-jp" sz="900" b="1" spc="0" dirty="0">
                           <a:solidFill>
                             <a:srgbClr val="020302"/>
                           </a:solidFill>
                           <a:latin typeface="Adobe Clean"/>
                           <a:cs typeface="Adobe Clean"/>
                         </a:rPr>
-                        <a:t>PRIORITY 2</a:t>
+                        <a:t>优先级 2</a:t>
                       </a:r>
                       <a:endParaRPr sz="900" spc="0" dirty="0">
                         <a:latin typeface="Adobe Clean"/>
@@ -8358,14 +8176,93 @@
                         <a:defRPr/>
                       </a:pPr>
                       <a:r>
-                        <a:rPr lang="en-US" sz="900" b="0" i="0" spc="0" dirty="0">
+                        <a:rPr lang="ja-jp" sz="900" b="0" i="0" spc="0" dirty="0">
                           <a:solidFill>
                             <a:srgbClr val="000000"/>
                           </a:solidFill>
                           <a:effectLst/>
                           <a:latin typeface="Adobe Clean Light" panose="020B0303020404020204" pitchFamily="34" charset="0"/>
                         </a:rPr>
-                        <a:t>Customer's business functions have major service degradation or potential data loss, or a major feature is impacted.  </a:t>
+                        <a:t>客户的企业功能发生重大服务降级或潜在数据</a:t>
+                      </a:r>
+                      <a:r>
+                        <a:rPr lang="ja-jp" sz="900" b="0" i="0" spc="0">
+                          <a:solidFill>
+                            <a:srgbClr val="000000"/>
+                          </a:solidFill>
+                          <a:effectLst/>
+                          <a:latin typeface="Adobe Clean Light" panose="020B0303020404020204" pitchFamily="34" charset="0"/>
+                        </a:rPr>
+                        <a:t>丢失</a:t>
+                      </a:r>
+                      <a:r>
+                        <a:rPr lang="ja-JP" altLang="en-US" sz="900" b="0" i="0" spc="0">
+                          <a:solidFill>
+                            <a:srgbClr val="000000"/>
+                          </a:solidFill>
+                          <a:effectLst/>
+                          <a:latin typeface="Adobe Clean Light" panose="020B0303020404020204" pitchFamily="34" charset="0"/>
+                        </a:rPr>
+                        <a:t>、</a:t>
+                      </a:r>
+                      <a:r>
+                        <a:rPr lang="ja-jp" sz="900" b="0" i="0" spc="0">
+                          <a:solidFill>
+                            <a:srgbClr val="000000"/>
+                          </a:solidFill>
+                          <a:effectLst/>
+                          <a:latin typeface="Adobe Clean Light" panose="020B0303020404020204" pitchFamily="34" charset="0"/>
+                        </a:rPr>
+                        <a:t>或</a:t>
+                      </a:r>
+                      <a:r>
+                        <a:rPr lang="ja-jp" sz="900" b="0" i="0" spc="0" dirty="0">
+                          <a:solidFill>
+                            <a:srgbClr val="000000"/>
+                          </a:solidFill>
+                          <a:effectLst/>
+                          <a:latin typeface="Adobe Clean Light" panose="020B0303020404020204" pitchFamily="34" charset="0"/>
+                        </a:rPr>
+                        <a:t>主要功能</a:t>
+                      </a:r>
+                      <a:r>
+                        <a:rPr lang="ja-jp" sz="900" b="0" i="0" spc="0">
+                          <a:solidFill>
+                            <a:srgbClr val="000000"/>
+                          </a:solidFill>
+                          <a:effectLst/>
+                          <a:latin typeface="Adobe Clean Light" panose="020B0303020404020204" pitchFamily="34" charset="0"/>
+                        </a:rPr>
+                        <a:t>受到</a:t>
+                      </a:r>
+                      <a:br>
+                        <a:rPr lang="en-US" altLang="ja-JP" sz="900" b="0" i="0" spc="0" dirty="0">
+                          <a:solidFill>
+                            <a:srgbClr val="000000"/>
+                          </a:solidFill>
+                          <a:effectLst/>
+                          <a:latin typeface="Adobe Clean Light" panose="020B0303020404020204" pitchFamily="34" charset="0"/>
+                        </a:rPr>
+                      </a:br>
+                      <a:r>
+                        <a:rPr lang="ja-jp" sz="900" b="0" i="0" spc="0">
+                          <a:solidFill>
+                            <a:srgbClr val="000000"/>
+                          </a:solidFill>
+                          <a:effectLst/>
+                          <a:latin typeface="Adobe Clean Light" panose="020B0303020404020204" pitchFamily="34" charset="0"/>
+                        </a:rPr>
+                        <a:t>影</a:t>
+                      </a:r>
+                      <a:r>
+                        <a:rPr lang="ja-jp" sz="900" b="0" i="0" spc="0" dirty="0">
+                          <a:solidFill>
+                            <a:srgbClr val="000000"/>
+                          </a:solidFill>
+                          <a:effectLst/>
+                          <a:latin typeface="Adobe Clean Light" panose="020B0303020404020204" pitchFamily="34" charset="0"/>
+                        </a:rPr>
+                        <a:t>响。</a:t>
                       </a:r>
                       <a:endParaRPr sz="900" b="0" i="0" spc="0" dirty="0">
                         <a:latin typeface="Adobe Clean Light" panose="020B0303020404020204" pitchFamily="34" charset="0"/>
@@ -8417,14 +8314,14 @@
                         </a:spcBef>
                       </a:pPr>
                       <a:r>
-                        <a:rPr lang="en-US" sz="900" spc="0" dirty="0">
+                        <a:rPr lang="ja-jp" sz="900" spc="0" dirty="0">
                           <a:solidFill>
                             <a:srgbClr val="020302"/>
                           </a:solidFill>
                           <a:latin typeface="AdobeClean-Light"/>
                           <a:cs typeface="AdobeClean-Light"/>
                         </a:rPr>
-                        <a:t>      24x7 /</a:t>
+                        <a:t>      全天候/</a:t>
                       </a:r>
                     </a:p>
                     <a:p>
@@ -8437,14 +8334,14 @@
                         </a:spcBef>
                       </a:pPr>
                       <a:r>
-                        <a:rPr lang="en-US" sz="900" spc="0" dirty="0">
+                        <a:rPr lang="ja-jp" sz="900" spc="0" dirty="0">
                           <a:solidFill>
                             <a:srgbClr val="020302"/>
                           </a:solidFill>
                           <a:latin typeface="AdobeClean-Light"/>
                           <a:cs typeface="AdobeClean-Light"/>
                         </a:rPr>
-                        <a:t>     1 hour</a:t>
+                        <a:t>     1 小时</a:t>
                       </a:r>
                       <a:endParaRPr lang="en-US" sz="900" spc="0" dirty="0">
                         <a:latin typeface="AdobeClean-Light"/>
@@ -8650,24 +8547,14 @@
                         </a:spcBef>
                       </a:pPr>
                       <a:r>
-                        <a:rPr sz="900" b="1" spc="0" dirty="0">
+                        <a:rPr lang="ja-jp" sz="900" b="1" spc="0" dirty="0">
                           <a:solidFill>
                             <a:srgbClr val="020302"/>
                           </a:solidFill>
                           <a:latin typeface="Adobe Clean"/>
                           <a:cs typeface="Adobe Clean"/>
                         </a:rPr>
-                        <a:t>PRIORITY</a:t>
-                      </a:r>
-                      <a:r>
-                        <a:rPr lang="en-US" sz="900" b="1" spc="0" dirty="0">
-                          <a:solidFill>
-                            <a:srgbClr val="020302"/>
-                          </a:solidFill>
-                          <a:latin typeface="Adobe Clean"/>
-                          <a:cs typeface="Adobe Clean"/>
-                        </a:rPr>
-                        <a:t> 3</a:t>
+                        <a:t>优先级 3</a:t>
                       </a:r>
                       <a:endParaRPr lang="en-US" sz="900" spc="0" dirty="0">
                         <a:latin typeface="Adobe Clean"/>
@@ -8693,7 +8580,7 @@
                         <a:defRPr/>
                       </a:pPr>
                       <a:r>
-                        <a:rPr kumimoji="0" lang="en-US" sz="900" b="0" i="0" u="none" strike="noStrike" kern="1200" cap="none" spc="0" normalizeH="0" baseline="0" noProof="0" dirty="0">
+                        <a:rPr kumimoji="0" lang="ja-jp" sz="900" b="0" i="0" u="none" strike="noStrike" kern="1200" cap="none" spc="0" normalizeH="0" baseline="0" noProof="0" dirty="0">
                           <a:ln>
                             <a:noFill/>
                           </a:ln>
@@ -8707,7 +8594,75 @@
                           <a:ea typeface="+mn-ea"/>
                           <a:cs typeface="+mn-cs"/>
                         </a:rPr>
-                        <a:t>Customer's business functions have minor service degradation but there exists a solution/workaround allowing business functions to continue normally. </a:t>
+                        <a:t>客户的企业功能发生轻微的服务</a:t>
+                      </a:r>
+                      <a:r>
+                        <a:rPr kumimoji="0" lang="ja-jp" sz="900" b="0" i="0" u="none" strike="noStrike" kern="1200" cap="none" spc="0" normalizeH="0" baseline="0" noProof="0">
+                          <a:ln>
+                            <a:noFill/>
+                          </a:ln>
+                          <a:solidFill>
+                            <a:srgbClr val="000000"/>
+                          </a:solidFill>
+                          <a:effectLst/>
+                          <a:uLnTx/>
+                          <a:uFillTx/>
+                          <a:latin typeface="Adobe Clean Light" panose="020B0303020404020204" pitchFamily="34" charset="0"/>
+                          <a:ea typeface="+mn-ea"/>
+                          <a:cs typeface="+mn-cs"/>
+                        </a:rPr>
+                        <a:t>降级</a:t>
+                      </a:r>
+                      <a:r>
+                        <a:rPr kumimoji="0" lang="ja-JP" altLang="en-US" sz="900" b="0" i="0" u="none" strike="noStrike" kern="1200" cap="none" spc="0" normalizeH="0" baseline="0" noProof="0">
+                          <a:ln>
+                            <a:noFill/>
+                          </a:ln>
+                          <a:solidFill>
+                            <a:srgbClr val="000000"/>
+                          </a:solidFill>
+                          <a:effectLst/>
+                          <a:uLnTx/>
+                          <a:uFillTx/>
+                          <a:latin typeface="Adobe Clean Light" panose="020B0303020404020204" pitchFamily="34" charset="0"/>
+                          <a:ea typeface="+mn-ea"/>
+                          <a:cs typeface="+mn-cs"/>
+                        </a:rPr>
+                        <a:t>、</a:t>
+                      </a:r>
+                      <a:r>
+                        <a:rPr kumimoji="0" lang="ja-jp" sz="900" b="0" i="0" u="none" strike="noStrike" kern="1200" cap="none" spc="0" normalizeH="0" baseline="0" noProof="0">
+                          <a:ln>
+                            <a:noFill/>
+                          </a:ln>
+                          <a:solidFill>
+                            <a:srgbClr val="000000"/>
+                          </a:solidFill>
+                          <a:effectLst/>
+                          <a:uLnTx/>
+                          <a:uFillTx/>
+                          <a:latin typeface="Adobe Clean Light" panose="020B0303020404020204" pitchFamily="34" charset="0"/>
+                          <a:ea typeface="+mn-ea"/>
+                          <a:cs typeface="+mn-cs"/>
+                        </a:rPr>
+                        <a:t>但</a:t>
+                      </a:r>
+                      <a:r>
+                        <a:rPr kumimoji="0" lang="ja-jp" sz="900" b="0" i="0" u="none" strike="noStrike" kern="1200" cap="none" spc="0" normalizeH="0" baseline="0" noProof="0" dirty="0">
+                          <a:ln>
+                            <a:noFill/>
+                          </a:ln>
+                          <a:solidFill>
+                            <a:srgbClr val="000000"/>
+                          </a:solidFill>
+                          <a:effectLst/>
+                          <a:uLnTx/>
+                          <a:uFillTx/>
+                          <a:latin typeface="Adobe Clean Light" panose="020B0303020404020204" pitchFamily="34" charset="0"/>
+                          <a:ea typeface="+mn-ea"/>
+                          <a:cs typeface="+mn-cs"/>
+                        </a:rPr>
+                        <a:t>拥有可让企业功能继续有效的解决方案/解决方法。</a:t>
                       </a:r>
                       <a:endParaRPr lang="en-US" sz="900" b="0" i="0" spc="0" dirty="0">
                         <a:latin typeface="Adobe Clean Light" panose="020B0303020404020204" pitchFamily="34" charset="0"/>
@@ -8762,14 +8717,14 @@
                         </a:tabLst>
                       </a:pPr>
                       <a:r>
-                        <a:rPr lang="en-US" sz="900" spc="0" dirty="0">
+                        <a:rPr lang="ja-jp" sz="900" spc="0" dirty="0">
                           <a:solidFill>
                             <a:srgbClr val="020302"/>
                           </a:solidFill>
                           <a:latin typeface="AdobeClean-Light"/>
                           <a:cs typeface="AdobeClean-Light"/>
                         </a:rPr>
-                        <a:t>   Business day /   </a:t>
+                        <a:t>   工作日/   </a:t>
                       </a:r>
                     </a:p>
                     <a:p>
@@ -8782,14 +8737,14 @@
                         </a:spcBef>
                       </a:pPr>
                       <a:r>
-                        <a:rPr lang="en-US" sz="900" spc="0" dirty="0">
+                        <a:rPr lang="ja-jp" sz="900" spc="0" dirty="0">
                           <a:solidFill>
                             <a:srgbClr val="020302"/>
                           </a:solidFill>
                           <a:latin typeface="AdobeClean-Light"/>
                           <a:cs typeface="AdobeClean-Light"/>
                         </a:rPr>
-                        <a:t>4 hours</a:t>
+                        <a:t>4 小时</a:t>
                       </a:r>
                       <a:endParaRPr lang="en-US" sz="900" spc="0" dirty="0">
                         <a:latin typeface="AdobeClean-Light"/>
@@ -8995,14 +8950,14 @@
                         </a:spcBef>
                       </a:pPr>
                       <a:r>
-                        <a:rPr sz="900" b="1" spc="0" dirty="0">
+                        <a:rPr lang="ja-jp" sz="900" b="1" spc="0" dirty="0">
                           <a:solidFill>
                             <a:srgbClr val="020302"/>
                           </a:solidFill>
                           <a:latin typeface="Adobe Clean"/>
                           <a:cs typeface="Adobe Clean"/>
                         </a:rPr>
-                        <a:t>PRIORITY 4</a:t>
+                        <a:t>优先级 4</a:t>
                       </a:r>
                       <a:endParaRPr sz="900" spc="0" dirty="0">
                         <a:latin typeface="Adobe Clean"/>
@@ -9028,14 +8983,14 @@
                         <a:defRPr/>
                       </a:pPr>
                       <a:r>
-                        <a:rPr lang="en-US" sz="900" b="0" i="0" spc="0" dirty="0">
+                        <a:rPr lang="ja-jp" sz="900" b="0" i="0" spc="0" dirty="0">
                           <a:solidFill>
                             <a:srgbClr val="000000"/>
                           </a:solidFill>
                           <a:effectLst/>
                           <a:latin typeface="Adobe Clean Light" panose="020B0303020404020204" pitchFamily="34" charset="0"/>
                         </a:rPr>
-                        <a:t>General question regarding current product functionality or an enhancement request. </a:t>
+                        <a:t>有关当前产品功能或增强请求的常见问题。</a:t>
                       </a:r>
                       <a:endParaRPr sz="900" b="0" i="0" spc="0" dirty="0">
                         <a:latin typeface="Adobe Clean Light" panose="020B0303020404020204" pitchFamily="34" charset="0"/>
@@ -9090,14 +9045,14 @@
                         </a:tabLst>
                       </a:pPr>
                       <a:r>
-                        <a:rPr lang="en-US" sz="900" spc="0" dirty="0">
+                        <a:rPr lang="ja-jp" sz="900" spc="0" dirty="0">
                           <a:solidFill>
                             <a:srgbClr val="020302"/>
                           </a:solidFill>
                           <a:latin typeface="AdobeClean-Light"/>
                           <a:cs typeface="AdobeClean-Light"/>
                         </a:rPr>
-                        <a:t>  Business day /   </a:t>
+                        <a:t>  工作日/   </a:t>
                       </a:r>
                     </a:p>
                     <a:p>
@@ -9110,14 +9065,14 @@
                         </a:spcBef>
                       </a:pPr>
                       <a:r>
-                        <a:rPr lang="en-US" sz="900" spc="0" dirty="0">
+                        <a:rPr lang="ja-jp" sz="900" spc="0" dirty="0">
                           <a:solidFill>
                             <a:srgbClr val="020302"/>
                           </a:solidFill>
                           <a:latin typeface="AdobeClean-Light"/>
                           <a:cs typeface="AdobeClean-Light"/>
                         </a:rPr>
-                        <a:t>1 day </a:t>
+                        <a:t>1 天</a:t>
                       </a:r>
                       <a:endParaRPr lang="en-US" sz="900" spc="0" dirty="0">
                         <a:latin typeface="AdobeClean-Light"/>
@@ -9352,16 +9307,10 @@
               </a:spcBef>
             </a:pPr>
             <a:r>
-              <a:rPr sz="2300" dirty="0">
+              <a:rPr lang="ja-jp" sz="2300" dirty="0">
                 <a:latin typeface="Adobe Clean" panose="020B0503020404020204" pitchFamily="34" charset="0"/>
               </a:rPr>
-              <a:t>ADOBE </a:t>
-            </a:r>
-            <a:r>
-              <a:rPr lang="en-US" sz="2300" dirty="0">
-                <a:latin typeface="Adobe Clean" panose="020B0503020404020204" pitchFamily="34" charset="0"/>
-              </a:rPr>
-              <a:t>SUPPORT PLANS</a:t>
+              <a:t>Adobe 支持计划</a:t>
             </a:r>
             <a:endParaRPr sz="2300" dirty="0">
               <a:latin typeface="Adobe Clean" panose="020B0503020404020204" pitchFamily="34" charset="0"/>
@@ -9398,13 +9347,13 @@
           <a:lstStyle/>
           <a:p>
             <a:r>
-              <a:rPr lang="en-US" sz="700" i="1" dirty="0">
+              <a:rPr lang="ja-jp" sz="700" i="1" dirty="0">
                 <a:solidFill>
                   <a:schemeClr val="bg1"/>
                 </a:solidFill>
                 <a:latin typeface="Adobe Clean" panose="020B0503020404020204" pitchFamily="34" charset="0"/>
               </a:rPr>
-              <a:t>Adobe Creative Cloud / Adobe Document Cloud (including Adobe Sign)</a:t>
+              <a:t>Adobe Creative Cloud / Adobe Document Cloud（包括 Adobe Sign）</a:t>
             </a:r>
           </a:p>
           <a:p>
@@ -9535,7 +9484,7 @@
         <p:spPr>
           <a:xfrm>
             <a:off x="288978" y="1484661"/>
-            <a:ext cx="7070597" cy="379463"/>
+            <a:ext cx="7070597" cy="384592"/>
           </a:xfrm>
           <a:prstGeom prst="rect">
             <a:avLst/>
@@ -9556,381 +9505,214 @@
               </a:spcBef>
             </a:pPr>
             <a:r>
-              <a:rPr lang="en-US" sz="1100" spc="-20" dirty="0">
+              <a:rPr lang="ja-jp" sz="1100" spc="-20" dirty="0">
                 <a:solidFill>
                   <a:srgbClr val="020302"/>
                 </a:solidFill>
                 <a:latin typeface="AdobeClean-Light"/>
                 <a:cs typeface="AdobeClean-Light"/>
               </a:rPr>
-              <a:t>Adobe Customer Support offers a</a:t>
-            </a:r>
-            <a:r>
-              <a:rPr sz="1100" spc="-20" dirty="0">
+              <a:t>Adobe 客户支持提供资源访问权限</a:t>
+            </a:r>
+            <a:r>
+              <a:rPr lang="ja-jp" sz="1100" spc="-120" dirty="0">
                 <a:solidFill>
                   <a:srgbClr val="020302"/>
                 </a:solidFill>
                 <a:latin typeface="AdobeClean-Light"/>
                 <a:cs typeface="AdobeClean-Light"/>
               </a:rPr>
-              <a:t>ccess</a:t>
-            </a:r>
-            <a:r>
-              <a:rPr sz="1100" spc="-90" dirty="0">
+              <a:t> </a:t>
+            </a:r>
+            <a:r>
+              <a:rPr lang="ja-jp" sz="1100" spc="-15" dirty="0">
                 <a:solidFill>
                   <a:srgbClr val="020302"/>
                 </a:solidFill>
                 <a:latin typeface="AdobeClean-Light"/>
                 <a:cs typeface="AdobeClean-Light"/>
               </a:rPr>
-              <a:t> </a:t>
-            </a:r>
-            <a:r>
-              <a:rPr sz="1100" spc="-10" dirty="0">
+              <a:t>以获取</a:t>
+            </a:r>
+            <a:r>
+              <a:rPr lang="ja-jp" sz="1100" spc="-15">
                 <a:solidFill>
                   <a:srgbClr val="020302"/>
                 </a:solidFill>
                 <a:latin typeface="AdobeClean-Light"/>
                 <a:cs typeface="AdobeClean-Light"/>
               </a:rPr>
-              <a:t>to</a:t>
-            </a:r>
-            <a:r>
-              <a:rPr sz="1100" spc="10" dirty="0">
+              <a:t>文档</a:t>
+            </a:r>
+            <a:r>
+              <a:rPr lang="ja-JP" altLang="en-US" sz="1100" spc="-15">
                 <a:solidFill>
                   <a:srgbClr val="020302"/>
                 </a:solidFill>
                 <a:latin typeface="AdobeClean-Light"/>
                 <a:cs typeface="AdobeClean-Light"/>
               </a:rPr>
-              <a:t> </a:t>
-            </a:r>
-            <a:r>
-              <a:rPr sz="1100" spc="-20" dirty="0">
+              <a:t>、</a:t>
+            </a:r>
+            <a:r>
+              <a:rPr lang="ja-jp" sz="1100" spc="-15">
                 <a:solidFill>
                   <a:srgbClr val="020302"/>
                 </a:solidFill>
                 <a:latin typeface="AdobeClean-Light"/>
                 <a:cs typeface="AdobeClean-Light"/>
               </a:rPr>
-              <a:t>resources</a:t>
-            </a:r>
-            <a:r>
-              <a:rPr sz="1100" spc="-120" dirty="0">
+              <a:t>并</a:t>
+            </a:r>
+            <a:r>
+              <a:rPr lang="ja-jp" sz="1100" spc="-15" dirty="0">
                 <a:solidFill>
                   <a:srgbClr val="020302"/>
                 </a:solidFill>
                 <a:latin typeface="AdobeClean-Light"/>
                 <a:cs typeface="AdobeClean-Light"/>
               </a:rPr>
-              <a:t> </a:t>
-            </a:r>
-            <a:r>
-              <a:rPr sz="1100" spc="-15" dirty="0">
+              <a:t>与</a:t>
+            </a:r>
+            <a:r>
+              <a:rPr lang="ja-jp" sz="1100" spc="-20" dirty="0">
                 <a:solidFill>
                   <a:srgbClr val="020302"/>
                 </a:solidFill>
                 <a:latin typeface="AdobeClean-Light"/>
                 <a:cs typeface="AdobeClean-Light"/>
               </a:rPr>
-              <a:t>for</a:t>
-            </a:r>
-            <a:r>
-              <a:rPr sz="1100" spc="-30" dirty="0">
+              <a:t>其他专家</a:t>
+            </a:r>
+            <a:r>
+              <a:rPr lang="ja-jp" sz="1100" spc="-15" dirty="0">
                 <a:solidFill>
                   <a:srgbClr val="020302"/>
                 </a:solidFill>
                 <a:latin typeface="AdobeClean-Light"/>
                 <a:cs typeface="AdobeClean-Light"/>
               </a:rPr>
-              <a:t> </a:t>
-            </a:r>
-            <a:r>
-              <a:rPr sz="1100" spc="-15" dirty="0">
+              <a:t>和</a:t>
+            </a:r>
+            <a:r>
+              <a:rPr lang="ja-jp" sz="1100" spc="-20" dirty="0">
                 <a:solidFill>
                   <a:srgbClr val="020302"/>
                 </a:solidFill>
                 <a:latin typeface="AdobeClean-Light"/>
                 <a:cs typeface="AdobeClean-Light"/>
               </a:rPr>
-              <a:t>documentation</a:t>
-            </a:r>
-            <a:r>
-              <a:rPr lang="en-US" sz="1100" spc="-15" dirty="0">
+              <a:t>客户互动以</a:t>
+            </a:r>
+            <a:r>
+              <a:rPr lang="ja-jp" sz="1100" spc="-15" dirty="0">
                 <a:solidFill>
                   <a:srgbClr val="020302"/>
                 </a:solidFill>
                 <a:latin typeface="AdobeClean-Light"/>
                 <a:cs typeface="AdobeClean-Light"/>
               </a:rPr>
-              <a:t> and </a:t>
-            </a:r>
-            <a:r>
-              <a:rPr sz="1100" spc="-15" dirty="0">
+              <a:t>获得最佳</a:t>
+            </a:r>
+            <a:r>
+              <a:rPr lang="ja-jp" sz="1100" spc="-20" dirty="0">
                 <a:solidFill>
                   <a:srgbClr val="020302"/>
                 </a:solidFill>
                 <a:latin typeface="AdobeClean-Light"/>
                 <a:cs typeface="AdobeClean-Light"/>
               </a:rPr>
-              <a:t>engagement</a:t>
-            </a:r>
-            <a:r>
-              <a:rPr lang="en-US" sz="1100" spc="-15" dirty="0">
+              <a:t>实践。</a:t>
+            </a:r>
+            <a:r>
+              <a:rPr lang="ja-jp" sz="1100" spc="-20">
                 <a:solidFill>
                   <a:srgbClr val="020302"/>
                 </a:solidFill>
                 <a:latin typeface="AdobeClean-Light"/>
                 <a:cs typeface="AdobeClean-Light"/>
               </a:rPr>
-              <a:t> </a:t>
-            </a:r>
-            <a:r>
-              <a:rPr sz="1100" spc="-15" dirty="0">
+              <a:t>此外</a:t>
+            </a:r>
+            <a:r>
+              <a:rPr lang="ja-JP" altLang="en-US" sz="1100" spc="-20">
                 <a:solidFill>
                   <a:srgbClr val="020302"/>
                 </a:solidFill>
                 <a:latin typeface="AdobeClean-Light"/>
                 <a:cs typeface="AdobeClean-Light"/>
               </a:rPr>
-              <a:t>with</a:t>
-            </a:r>
-            <a:r>
-              <a:rPr sz="1100" spc="-35" dirty="0">
+              <a:t>、</a:t>
+            </a:r>
+            <a:r>
+              <a:rPr lang="ja-jp" sz="1100" spc="-20">
                 <a:solidFill>
                   <a:srgbClr val="020302"/>
                 </a:solidFill>
                 <a:latin typeface="AdobeClean-Light"/>
                 <a:cs typeface="AdobeClean-Light"/>
               </a:rPr>
-              <a:t> </a:t>
-            </a:r>
-            <a:r>
-              <a:rPr sz="1100" spc="-20" dirty="0">
+              <a:t>还</a:t>
+            </a:r>
+            <a:r>
+              <a:rPr lang="ja-jp" sz="1100" spc="-20" dirty="0">
                 <a:solidFill>
                   <a:srgbClr val="020302"/>
                 </a:solidFill>
                 <a:latin typeface="AdobeClean-Light"/>
                 <a:cs typeface="AdobeClean-Light"/>
               </a:rPr>
-              <a:t>other experts </a:t>
-            </a:r>
-            <a:r>
-              <a:rPr sz="1100" spc="-15" dirty="0">
+              <a:t>可通过</a:t>
+            </a:r>
+            <a:r>
+              <a:rPr lang="ja-jp" sz="1100" spc="-25" dirty="0">
                 <a:solidFill>
                   <a:srgbClr val="020302"/>
                 </a:solidFill>
                 <a:latin typeface="AdobeClean-Light"/>
                 <a:cs typeface="AdobeClean-Light"/>
               </a:rPr>
-              <a:t>and </a:t>
-            </a:r>
-            <a:r>
-              <a:rPr sz="1100" spc="-20" dirty="0">
+              <a:t>几个</a:t>
+            </a:r>
+            <a:r>
+              <a:rPr lang="ja-jp" sz="1100" spc="-15" dirty="0">
                 <a:solidFill>
                   <a:srgbClr val="020302"/>
                 </a:solidFill>
                 <a:latin typeface="AdobeClean-Light"/>
                 <a:cs typeface="AdobeClean-Light"/>
               </a:rPr>
-              <a:t>customers </a:t>
-            </a:r>
-            <a:r>
-              <a:rPr sz="1100" spc="-15" dirty="0">
+              <a:t>渠道来</a:t>
+            </a:r>
+            <a:r>
+              <a:rPr lang="ja-jp" sz="1100" spc="-20" dirty="0">
                 <a:solidFill>
                   <a:srgbClr val="020302"/>
                 </a:solidFill>
                 <a:latin typeface="AdobeClean-Light"/>
                 <a:cs typeface="AdobeClean-Light"/>
               </a:rPr>
-              <a:t>for best </a:t>
-            </a:r>
-            <a:r>
-              <a:rPr sz="1100" spc="-20" dirty="0">
+              <a:t>提交问题</a:t>
+            </a:r>
+            <a:r>
+              <a:rPr lang="ja-jp" sz="1100" spc="-15" dirty="0">
                 <a:solidFill>
                   <a:srgbClr val="020302"/>
                 </a:solidFill>
                 <a:latin typeface="AdobeClean-Light"/>
                 <a:cs typeface="AdobeClean-Light"/>
               </a:rPr>
-              <a:t>practices</a:t>
-            </a:r>
-            <a:r>
-              <a:rPr lang="en-US" sz="1100" spc="-20" dirty="0">
+              <a:t>和</a:t>
+            </a:r>
+            <a:r>
+              <a:rPr lang="ja-jp" sz="1100" spc="-20" dirty="0">
                 <a:solidFill>
                   <a:srgbClr val="020302"/>
                 </a:solidFill>
                 <a:latin typeface="AdobeClean-Light"/>
                 <a:cs typeface="AdobeClean-Light"/>
               </a:rPr>
-              <a:t>. </a:t>
-            </a:r>
-            <a:r>
-              <a:rPr sz="1100" spc="-20" dirty="0">
-                <a:solidFill>
-                  <a:srgbClr val="020302"/>
-                </a:solidFill>
-                <a:latin typeface="AdobeClean-Light"/>
-                <a:cs typeface="AdobeClean-Light"/>
-              </a:rPr>
-              <a:t>Several channels </a:t>
-            </a:r>
-            <a:r>
-              <a:rPr sz="1100" spc="-15" dirty="0">
-                <a:solidFill>
-                  <a:srgbClr val="020302"/>
-                </a:solidFill>
-                <a:latin typeface="AdobeClean-Light"/>
-                <a:cs typeface="AdobeClean-Light"/>
-              </a:rPr>
-              <a:t>are</a:t>
-            </a:r>
-            <a:r>
-              <a:rPr sz="1100" spc="-140" dirty="0">
-                <a:solidFill>
-                  <a:srgbClr val="020302"/>
-                </a:solidFill>
-                <a:latin typeface="AdobeClean-Light"/>
-                <a:cs typeface="AdobeClean-Light"/>
-              </a:rPr>
-              <a:t> </a:t>
-            </a:r>
-            <a:r>
-              <a:rPr sz="1100" spc="-20" dirty="0">
-                <a:solidFill>
-                  <a:srgbClr val="020302"/>
-                </a:solidFill>
-                <a:latin typeface="AdobeClean-Light"/>
-                <a:cs typeface="AdobeClean-Light"/>
-              </a:rPr>
-              <a:t>also</a:t>
-            </a:r>
-            <a:r>
-              <a:rPr lang="en-US" sz="1100" dirty="0">
-                <a:latin typeface="AdobeClean-Light"/>
-                <a:cs typeface="AdobeClean-Light"/>
-              </a:rPr>
-              <a:t> </a:t>
-            </a:r>
-            <a:r>
-              <a:rPr sz="1100" spc="-25" dirty="0">
-                <a:solidFill>
-                  <a:srgbClr val="020302"/>
-                </a:solidFill>
-                <a:latin typeface="AdobeClean-Light"/>
-                <a:cs typeface="AdobeClean-Light"/>
-              </a:rPr>
-              <a:t>available</a:t>
-            </a:r>
-            <a:r>
-              <a:rPr sz="1100" spc="-65" dirty="0">
-                <a:solidFill>
-                  <a:srgbClr val="020302"/>
-                </a:solidFill>
-                <a:latin typeface="AdobeClean-Light"/>
-                <a:cs typeface="AdobeClean-Light"/>
-              </a:rPr>
-              <a:t> </a:t>
-            </a:r>
-            <a:r>
-              <a:rPr sz="1100" spc="-15" dirty="0">
-                <a:solidFill>
-                  <a:srgbClr val="020302"/>
-                </a:solidFill>
-                <a:latin typeface="AdobeClean-Light"/>
-                <a:cs typeface="AdobeClean-Light"/>
-              </a:rPr>
-              <a:t>for</a:t>
-            </a:r>
-            <a:r>
-              <a:rPr sz="1100" spc="-25" dirty="0">
-                <a:solidFill>
-                  <a:srgbClr val="020302"/>
-                </a:solidFill>
-                <a:latin typeface="AdobeClean-Light"/>
-                <a:cs typeface="AdobeClean-Light"/>
-              </a:rPr>
-              <a:t> </a:t>
-            </a:r>
-            <a:r>
-              <a:rPr sz="1100" spc="-20" dirty="0">
-                <a:solidFill>
-                  <a:srgbClr val="020302"/>
-                </a:solidFill>
-                <a:latin typeface="AdobeClean-Light"/>
-                <a:cs typeface="AdobeClean-Light"/>
-              </a:rPr>
-              <a:t>questions</a:t>
-            </a:r>
-            <a:r>
-              <a:rPr sz="1100" spc="-114" dirty="0">
-                <a:solidFill>
-                  <a:srgbClr val="020302"/>
-                </a:solidFill>
-                <a:latin typeface="AdobeClean-Light"/>
-                <a:cs typeface="AdobeClean-Light"/>
-              </a:rPr>
-              <a:t> </a:t>
-            </a:r>
-            <a:r>
-              <a:rPr sz="1100" spc="-15" dirty="0">
-                <a:solidFill>
-                  <a:srgbClr val="020302"/>
-                </a:solidFill>
-                <a:latin typeface="AdobeClean-Light"/>
-                <a:cs typeface="AdobeClean-Light"/>
-              </a:rPr>
-              <a:t>and</a:t>
-            </a:r>
-            <a:r>
-              <a:rPr sz="1100" spc="-45" dirty="0">
-                <a:solidFill>
-                  <a:srgbClr val="020302"/>
-                </a:solidFill>
-                <a:latin typeface="AdobeClean-Light"/>
-                <a:cs typeface="AdobeClean-Light"/>
-              </a:rPr>
-              <a:t> </a:t>
-            </a:r>
-            <a:r>
-              <a:rPr sz="1100" spc="-20" dirty="0">
-                <a:solidFill>
-                  <a:srgbClr val="020302"/>
-                </a:solidFill>
-                <a:latin typeface="AdobeClean-Light"/>
-                <a:cs typeface="AdobeClean-Light"/>
-              </a:rPr>
-              <a:t>case</a:t>
-            </a:r>
-            <a:r>
-              <a:rPr sz="1100" spc="-35" dirty="0">
-                <a:solidFill>
-                  <a:srgbClr val="020302"/>
-                </a:solidFill>
-                <a:latin typeface="AdobeClean-Light"/>
-                <a:cs typeface="AdobeClean-Light"/>
-              </a:rPr>
-              <a:t> </a:t>
-            </a:r>
-            <a:r>
-              <a:rPr sz="1100" spc="-20" dirty="0">
-                <a:solidFill>
-                  <a:srgbClr val="020302"/>
-                </a:solidFill>
-                <a:latin typeface="AdobeClean-Light"/>
-                <a:cs typeface="AdobeClean-Light"/>
-              </a:rPr>
-              <a:t>submissions</a:t>
-            </a:r>
-            <a:r>
-              <a:rPr lang="en-US" sz="1100" spc="-20" dirty="0">
-                <a:solidFill>
-                  <a:srgbClr val="020302"/>
-                </a:solidFill>
-                <a:latin typeface="AdobeClean-Light"/>
-                <a:cs typeface="AdobeClean-Light"/>
-              </a:rPr>
-              <a:t>.</a:t>
+              <a:t>案例。</a:t>
             </a:r>
             <a:endParaRPr sz="1100" dirty="0">
               <a:latin typeface="AdobeClean-Light"/>
@@ -9972,114 +9754,84 @@
               </a:tabLst>
             </a:pPr>
             <a:r>
-              <a:rPr lang="en-US" sz="1100" spc="-20" dirty="0">
+              <a:rPr lang="ja-jp" sz="1100" spc="-20" dirty="0">
                 <a:solidFill>
                   <a:srgbClr val="020302"/>
                 </a:solidFill>
                 <a:latin typeface="AdobeClean-Light"/>
                 <a:cs typeface="AdobeClean-Light"/>
               </a:rPr>
-              <a:t>Authorized Users (Admins) can start a chat session with Adobe Support </a:t>
-            </a:r>
-            <a:r>
-              <a:rPr sz="1100" spc="-5" dirty="0">
+              <a:t>授权用户（管理员）可以通过 Adobe 支持启动聊天会话</a:t>
+            </a:r>
+            <a:r>
+              <a:rPr lang="ja-jp" sz="1100" spc="-5" dirty="0">
                 <a:solidFill>
                   <a:srgbClr val="020302"/>
                 </a:solidFill>
                 <a:latin typeface="AdobeClean-Light"/>
                 <a:cs typeface="AdobeClean-Light"/>
               </a:rPr>
-              <a:t>to </a:t>
-            </a:r>
-            <a:r>
-              <a:rPr sz="1100" spc="-10" dirty="0">
+              <a:t>以</a:t>
+            </a:r>
+            <a:r>
+              <a:rPr lang="ja-jp" sz="1100" spc="-10" dirty="0">
                 <a:solidFill>
                   <a:srgbClr val="020302"/>
                 </a:solidFill>
                 <a:latin typeface="AdobeClean-Light"/>
                 <a:cs typeface="AdobeClean-Light"/>
               </a:rPr>
-              <a:t>get </a:t>
-            </a:r>
-            <a:r>
-              <a:rPr sz="1100" spc="-20" dirty="0">
+              <a:t>获取</a:t>
+            </a:r>
+            <a:r>
+              <a:rPr lang="ja-jp" sz="1100" spc="-20" dirty="0">
                 <a:solidFill>
                   <a:srgbClr val="020302"/>
                 </a:solidFill>
                 <a:latin typeface="AdobeClean-Light"/>
                 <a:cs typeface="AdobeClean-Light"/>
               </a:rPr>
-              <a:t>answers</a:t>
-            </a:r>
-            <a:r>
-              <a:rPr lang="en-US" sz="1100" spc="-45" dirty="0">
+              <a:t>答案</a:t>
+            </a:r>
+            <a:r>
+              <a:rPr lang="ja-jp" sz="1100" spc="-45" dirty="0">
                 <a:solidFill>
                   <a:srgbClr val="020302"/>
                 </a:solidFill>
                 <a:latin typeface="AdobeClean-Light"/>
                 <a:cs typeface="AdobeClean-Light"/>
               </a:rPr>
-              <a:t> and </a:t>
-            </a:r>
-            <a:r>
-              <a:rPr sz="1100" spc="-15" dirty="0">
+              <a:t>并</a:t>
+            </a:r>
+            <a:r>
+              <a:rPr lang="ja-jp" sz="1100" spc="-15" dirty="0">
                 <a:solidFill>
                   <a:srgbClr val="020302"/>
                 </a:solidFill>
                 <a:latin typeface="AdobeClean-Light"/>
                 <a:cs typeface="AdobeClean-Light"/>
               </a:rPr>
-              <a:t>help </a:t>
-            </a:r>
-            <a:r>
-              <a:rPr sz="1100" spc="-10" dirty="0">
+              <a:t>帮助</a:t>
+            </a:r>
+            <a:r>
+              <a:rPr lang="ja-jp" sz="1100" spc="-10" dirty="0">
                 <a:solidFill>
                   <a:srgbClr val="020302"/>
                 </a:solidFill>
                 <a:latin typeface="AdobeClean-Light"/>
                 <a:cs typeface="AdobeClean-Light"/>
               </a:rPr>
-              <a:t>with</a:t>
-            </a:r>
-            <a:r>
-              <a:rPr sz="1100" spc="85" dirty="0">
+              <a:t>提交案例</a:t>
+            </a:r>
+            <a:r>
+              <a:rPr lang="ja-jp" sz="1100" spc="-20" dirty="0">
                 <a:solidFill>
                   <a:srgbClr val="020302"/>
                 </a:solidFill>
                 <a:latin typeface="AdobeClean-Light"/>
                 <a:cs typeface="AdobeClean-Light"/>
               </a:rPr>
-              <a:t> </a:t>
-            </a:r>
-            <a:r>
-              <a:rPr sz="1100" spc="-10" dirty="0">
-                <a:solidFill>
-                  <a:srgbClr val="020302"/>
-                </a:solidFill>
-                <a:latin typeface="AdobeClean-Light"/>
-                <a:cs typeface="AdobeClean-Light"/>
-              </a:rPr>
-              <a:t>case </a:t>
-            </a:r>
-            <a:r>
-              <a:rPr sz="1100" spc="-20" dirty="0">
-                <a:solidFill>
-                  <a:srgbClr val="020302"/>
-                </a:solidFill>
-                <a:latin typeface="AdobeClean-Light"/>
-                <a:cs typeface="AdobeClean-Light"/>
-              </a:rPr>
-              <a:t>submission</a:t>
-            </a:r>
-            <a:r>
-              <a:rPr lang="en-US" sz="1100" spc="-20" dirty="0">
-                <a:solidFill>
-                  <a:srgbClr val="020302"/>
-                </a:solidFill>
-                <a:latin typeface="AdobeClean-Light"/>
-                <a:cs typeface="AdobeClean-Light"/>
-              </a:rPr>
-              <a:t>.</a:t>
+              <a:t>。</a:t>
             </a:r>
           </a:p>
           <a:p>
@@ -10095,14 +9847,14 @@
               </a:tabLst>
             </a:pPr>
             <a:r>
-              <a:rPr lang="en-US" sz="1100" i="1" spc="-10" dirty="0">
+              <a:rPr lang="ja-jp" sz="1100" i="1" spc="-10" dirty="0">
                 <a:solidFill>
                   <a:srgbClr val="7A7A7A"/>
                 </a:solidFill>
                 <a:latin typeface="AdobeClean-LightIt"/>
                 <a:cs typeface="AdobeClean-LightIt"/>
               </a:rPr>
-              <a:t>Subject to local hours</a:t>
+              <a:t>以当地时间为准</a:t>
             </a:r>
             <a:endParaRPr sz="1100" i="1" dirty="0">
               <a:latin typeface="AdobeClean-Light"/>
@@ -10176,14 +9928,14 @@
               </a:spcBef>
             </a:pPr>
             <a:r>
-              <a:rPr lang="en-US" sz="1400" b="1" spc="-10" dirty="0">
+              <a:rPr lang="ja-jp" sz="1400" b="1" spc="-10" dirty="0">
                 <a:solidFill>
                   <a:srgbClr val="020302"/>
                 </a:solidFill>
                 <a:latin typeface="Adobe Clean"/>
                 <a:cs typeface="Adobe Clean"/>
               </a:rPr>
-              <a:t>Standard Support</a:t>
+              <a:t>标准支持</a:t>
             </a:r>
             <a:endParaRPr lang="en-US" sz="1400" dirty="0">
               <a:latin typeface="Adobe Clean"/>
@@ -10230,20 +9982,20 @@
               </a:spcAft>
             </a:pPr>
             <a:r>
-              <a:rPr lang="en-US" sz="1400" b="1" dirty="0">
+              <a:rPr lang="ja-jp" sz="1400" b="1" dirty="0">
                 <a:latin typeface="+mj-lt"/>
                 <a:ea typeface="Open Sans" pitchFamily="34" charset="0"/>
                 <a:cs typeface="Open Sans" pitchFamily="34" charset="0"/>
               </a:rPr>
-              <a:t>Community </a:t>
-            </a:r>
-            <a:r>
-              <a:rPr lang="en-US" sz="1400" b="1" dirty="0">
+              <a:t>社区</a:t>
+            </a:r>
+            <a:r>
+              <a:rPr lang="ja-jp" sz="1400" b="1" dirty="0">
                 <a:latin typeface="Adobe Clean" panose="020B0503020404020204" pitchFamily="34" charset="0"/>
                 <a:ea typeface="Open Sans" pitchFamily="34" charset="0"/>
                 <a:cs typeface="Open Sans" pitchFamily="34" charset="0"/>
               </a:rPr>
-              <a:t>Forums</a:t>
+              <a:t>论坛</a:t>
             </a:r>
           </a:p>
         </p:txBody>
@@ -10263,7 +10015,7 @@
         <p:spPr>
           <a:xfrm>
             <a:off x="317647" y="3349382"/>
-            <a:ext cx="3148178" cy="713016"/>
+            <a:ext cx="3148178" cy="543739"/>
           </a:xfrm>
           <a:prstGeom prst="rect">
             <a:avLst/>
@@ -10276,13 +10028,49 @@
           <a:lstStyle/>
           <a:p>
             <a:r>
-              <a:rPr lang="en-US" sz="1100" dirty="0">
+              <a:rPr lang="ja-jp" sz="1100" dirty="0">
                 <a:solidFill>
                   <a:srgbClr val="000000"/>
                 </a:solidFill>
                 <a:latin typeface="Adobe Clean Light" panose="020B0303020404020204" pitchFamily="34" charset="0"/>
               </a:rPr>
-              <a:t>Continuous online access to a growing database of technical solutions, product documentation, FAQs and more. Connect with other customers on Adobe Community to share best practices and lessons learned..</a:t>
+              <a:t>持续在线访问包括技术解决方案、产品文档、常见问题解答等的不断增长的数据库。在 Adobe 社区与其他客户</a:t>
+            </a:r>
+            <a:r>
+              <a:rPr lang="ja-jp" sz="1100">
+                <a:solidFill>
+                  <a:srgbClr val="000000"/>
+                </a:solidFill>
+                <a:latin typeface="Adobe Clean Light" panose="020B0303020404020204" pitchFamily="34" charset="0"/>
+              </a:rPr>
+              <a:t>联系</a:t>
+            </a:r>
+            <a:r>
+              <a:rPr lang="ja-JP" altLang="en-US" sz="1100">
+                <a:solidFill>
+                  <a:srgbClr val="000000"/>
+                </a:solidFill>
+                <a:latin typeface="Adobe Clean Light" panose="020B0303020404020204" pitchFamily="34" charset="0"/>
+              </a:rPr>
+              <a:t>、</a:t>
+            </a:r>
+            <a:r>
+              <a:rPr lang="ja-jp" sz="1100">
+                <a:solidFill>
+                  <a:srgbClr val="000000"/>
+                </a:solidFill>
+                <a:latin typeface="Adobe Clean Light" panose="020B0303020404020204" pitchFamily="34" charset="0"/>
+              </a:rPr>
+              <a:t>共</a:t>
+            </a:r>
+            <a:r>
+              <a:rPr lang="ja-jp" sz="1100" dirty="0">
+                <a:solidFill>
+                  <a:srgbClr val="000000"/>
+                </a:solidFill>
+                <a:latin typeface="Adobe Clean Light" panose="020B0303020404020204" pitchFamily="34" charset="0"/>
+              </a:rPr>
+              <a:t>享最佳实践和经验教训...</a:t>
             </a:r>
           </a:p>
         </p:txBody>
@@ -10325,12 +10113,12 @@
               </a:spcAft>
             </a:pPr>
             <a:r>
-              <a:rPr lang="en-US" sz="1400" b="1" dirty="0">
+              <a:rPr lang="ja-jp" sz="1400" b="1" dirty="0">
                 <a:latin typeface="Adobe Clean" panose="020B0503020404020204" pitchFamily="34" charset="0"/>
                 <a:ea typeface="Open Sans" pitchFamily="34" charset="0"/>
                 <a:cs typeface="Open Sans" pitchFamily="34" charset="0"/>
               </a:rPr>
-              <a:t>Self-Help Portal</a:t>
+              <a:t>自助门户</a:t>
             </a:r>
           </a:p>
         </p:txBody>
@@ -10350,7 +10138,7 @@
         <p:spPr>
           <a:xfrm>
             <a:off x="3883640" y="3327259"/>
-            <a:ext cx="3403500" cy="543739"/>
+            <a:ext cx="3403500" cy="374461"/>
           </a:xfrm>
           <a:prstGeom prst="rect">
             <a:avLst/>
@@ -10363,13 +10151,85 @@
           <a:lstStyle/>
           <a:p>
             <a:r>
-              <a:rPr lang="en-US" sz="1100" dirty="0">
+              <a:rPr lang="ja-jp" sz="1100" dirty="0">
                 <a:solidFill>
                   <a:srgbClr val="000000"/>
                 </a:solidFill>
                 <a:latin typeface="Adobe Clean Light" panose="020B0303020404020204" pitchFamily="34" charset="0"/>
               </a:rPr>
-              <a:t>On-demand access to the online self-help support portal to review case status and browse other resources like our knowledge base, news and alerts, featured tips, and more.</a:t>
+              <a:t>按需访问在线自助支持</a:t>
+            </a:r>
+            <a:r>
+              <a:rPr lang="ja-jp" sz="1100">
+                <a:solidFill>
+                  <a:srgbClr val="000000"/>
+                </a:solidFill>
+                <a:latin typeface="Adobe Clean Light" panose="020B0303020404020204" pitchFamily="34" charset="0"/>
+              </a:rPr>
+              <a:t>门户</a:t>
+            </a:r>
+            <a:r>
+              <a:rPr lang="ja-JP" altLang="en-US" sz="1100">
+                <a:solidFill>
+                  <a:srgbClr val="000000"/>
+                </a:solidFill>
+                <a:latin typeface="Adobe Clean Light" panose="020B0303020404020204" pitchFamily="34" charset="0"/>
+              </a:rPr>
+              <a:t>、</a:t>
+            </a:r>
+            <a:r>
+              <a:rPr lang="ja-jp" sz="1100">
+                <a:solidFill>
+                  <a:srgbClr val="000000"/>
+                </a:solidFill>
+                <a:latin typeface="Adobe Clean Light" panose="020B0303020404020204" pitchFamily="34" charset="0"/>
+              </a:rPr>
+              <a:t>查</a:t>
+            </a:r>
+            <a:r>
+              <a:rPr lang="ja-jp" sz="1100" dirty="0">
+                <a:solidFill>
+                  <a:srgbClr val="000000"/>
+                </a:solidFill>
+                <a:latin typeface="Adobe Clean Light" panose="020B0303020404020204" pitchFamily="34" charset="0"/>
+              </a:rPr>
+              <a:t>看案例状态并浏览其他</a:t>
+            </a:r>
+            <a:r>
+              <a:rPr lang="ja-jp" sz="1100">
+                <a:solidFill>
+                  <a:srgbClr val="000000"/>
+                </a:solidFill>
+                <a:latin typeface="Adobe Clean Light" panose="020B0303020404020204" pitchFamily="34" charset="0"/>
+              </a:rPr>
+              <a:t>资源</a:t>
+            </a:r>
+            <a:r>
+              <a:rPr lang="ja-JP" altLang="en-US" sz="1100">
+                <a:solidFill>
+                  <a:srgbClr val="000000"/>
+                </a:solidFill>
+                <a:latin typeface="Adobe Clean Light" panose="020B0303020404020204" pitchFamily="34" charset="0"/>
+              </a:rPr>
+              <a:t>、</a:t>
+            </a:r>
+            <a:r>
+              <a:rPr lang="ja-jp" sz="1100">
+                <a:solidFill>
+                  <a:srgbClr val="000000"/>
+                </a:solidFill>
+                <a:latin typeface="Adobe Clean Light" panose="020B0303020404020204" pitchFamily="34" charset="0"/>
+              </a:rPr>
+              <a:t>例</a:t>
+            </a:r>
+            <a:r>
+              <a:rPr lang="ja-jp" sz="1100" dirty="0">
+                <a:solidFill>
+                  <a:srgbClr val="000000"/>
+                </a:solidFill>
+                <a:latin typeface="Adobe Clean Light" panose="020B0303020404020204" pitchFamily="34" charset="0"/>
+              </a:rPr>
+              <a:t>如我们的知识库、新闻和通知、特定提示等。</a:t>
             </a:r>
           </a:p>
         </p:txBody>
@@ -10412,12 +10272,12 @@
               </a:spcAft>
             </a:pPr>
             <a:r>
-              <a:rPr lang="en-US" sz="1400" b="1" dirty="0">
+              <a:rPr lang="ja-jp" sz="1400" b="1" dirty="0">
                 <a:latin typeface="Adobe Clean" panose="020B0503020404020204" pitchFamily="34" charset="0"/>
                 <a:ea typeface="Open Sans" pitchFamily="34" charset="0"/>
                 <a:cs typeface="Open Sans" pitchFamily="34" charset="0"/>
               </a:rPr>
-              <a:t>Chat Support</a:t>
+              <a:t>聊天支持</a:t>
             </a:r>
           </a:p>
         </p:txBody>
@@ -10460,12 +10320,12 @@
               </a:spcAft>
             </a:pPr>
             <a:r>
-              <a:rPr lang="en-US" sz="1400" b="1" dirty="0">
+              <a:rPr lang="ja-jp" sz="1400" b="1" dirty="0">
                 <a:latin typeface="Adobe Clean" panose="020B0503020404020204" pitchFamily="34" charset="0"/>
                 <a:ea typeface="Open Sans" pitchFamily="34" charset="0"/>
                 <a:cs typeface="Open Sans" pitchFamily="34" charset="0"/>
               </a:rPr>
-              <a:t>Phone Support</a:t>
+              <a:t>电话支持</a:t>
             </a:r>
           </a:p>
         </p:txBody>
@@ -10498,111 +10358,91 @@
           <a:lstStyle/>
           <a:p>
             <a:r>
-              <a:rPr lang="en-US" sz="1100" dirty="0">
+              <a:rPr lang="ja-jp" sz="1100" dirty="0">
                 <a:solidFill>
                   <a:srgbClr val="020302"/>
                 </a:solidFill>
                 <a:latin typeface="AdobeClean-Light"/>
               </a:rPr>
-              <a:t>Authorized Users (Admins) </a:t>
-            </a:r>
-            <a:r>
-              <a:rPr lang="en-US" sz="1100" dirty="0">
+              <a:t>授权用户（管理员）</a:t>
+            </a:r>
+            <a:r>
+              <a:rPr lang="ja-jp" sz="1100" dirty="0">
                 <a:latin typeface="Adobe Clean Light"/>
               </a:rPr>
-              <a:t>can call Adobe Support via phone </a:t>
-            </a:r>
-            <a:r>
-              <a:rPr lang="en-US" sz="1100" spc="-5" dirty="0">
+              <a:t>可以通过电话调用 Adobe 支持</a:t>
+            </a:r>
+            <a:r>
+              <a:rPr lang="ja-jp" sz="1100" spc="-5" dirty="0">
                 <a:solidFill>
                   <a:srgbClr val="020302"/>
                 </a:solidFill>
                 <a:latin typeface="AdobeClean-Light"/>
                 <a:cs typeface="AdobeClean-Light"/>
               </a:rPr>
-              <a:t>to </a:t>
-            </a:r>
-            <a:r>
-              <a:rPr lang="en-US" sz="1100" spc="-10" dirty="0">
+              <a:t>以</a:t>
+            </a:r>
+            <a:r>
+              <a:rPr lang="ja-jp" sz="1100" spc="-10" dirty="0">
                 <a:solidFill>
                   <a:srgbClr val="020302"/>
                 </a:solidFill>
                 <a:latin typeface="AdobeClean-Light"/>
                 <a:cs typeface="AdobeClean-Light"/>
               </a:rPr>
-              <a:t>get </a:t>
-            </a:r>
-            <a:r>
-              <a:rPr lang="en-US" sz="1100" spc="-20" dirty="0">
+              <a:t>获取</a:t>
+            </a:r>
+            <a:r>
+              <a:rPr lang="ja-jp" sz="1100" spc="-20" dirty="0">
                 <a:solidFill>
                   <a:srgbClr val="020302"/>
                 </a:solidFill>
                 <a:latin typeface="AdobeClean-Light"/>
                 <a:cs typeface="AdobeClean-Light"/>
               </a:rPr>
-              <a:t>answers</a:t>
-            </a:r>
-            <a:r>
-              <a:rPr lang="en-US" sz="1100" spc="-45" dirty="0">
+              <a:t>答案</a:t>
+            </a:r>
+            <a:r>
+              <a:rPr lang="ja-jp" sz="1100" spc="-45" dirty="0">
                 <a:solidFill>
                   <a:srgbClr val="020302"/>
                 </a:solidFill>
                 <a:latin typeface="AdobeClean-Light"/>
                 <a:cs typeface="AdobeClean-Light"/>
               </a:rPr>
-              <a:t> and</a:t>
-            </a:r>
-            <a:r>
-              <a:rPr lang="en-US" sz="1100" dirty="0">
+              <a:t>并</a:t>
+            </a:r>
+            <a:r>
+              <a:rPr lang="ja-jp" sz="1100" spc="-15" dirty="0">
                 <a:solidFill>
                   <a:srgbClr val="020302"/>
                 </a:solidFill>
                 <a:latin typeface="AdobeClean-Light"/>
                 <a:cs typeface="AdobeClean-Light"/>
               </a:rPr>
-              <a:t> </a:t>
-            </a:r>
-            <a:r>
-              <a:rPr lang="en-US" sz="1100" spc="-15" dirty="0">
+              <a:t>帮助</a:t>
+            </a:r>
+            <a:r>
+              <a:rPr lang="ja-jp" sz="1100" spc="-20" dirty="0">
                 <a:solidFill>
                   <a:srgbClr val="020302"/>
                 </a:solidFill>
                 <a:latin typeface="AdobeClean-Light"/>
                 <a:cs typeface="AdobeClean-Light"/>
               </a:rPr>
-              <a:t>help </a:t>
-            </a:r>
-            <a:r>
-              <a:rPr lang="en-US" sz="1100" spc="-10" dirty="0">
-                <a:solidFill>
-                  <a:srgbClr val="020302"/>
-                </a:solidFill>
-                <a:latin typeface="AdobeClean-Light"/>
-                <a:cs typeface="AdobeClean-Light"/>
-              </a:rPr>
-              <a:t>with case </a:t>
-            </a:r>
-            <a:r>
-              <a:rPr lang="en-US" sz="1100" spc="-20" dirty="0">
-                <a:solidFill>
-                  <a:srgbClr val="020302"/>
-                </a:solidFill>
-                <a:latin typeface="AdobeClean-Light"/>
-                <a:cs typeface="AdobeClean-Light"/>
-              </a:rPr>
-              <a:t>submission.</a:t>
+              <a:t>提交案例。</a:t>
             </a:r>
           </a:p>
           <a:p>
             <a:r>
-              <a:rPr lang="en-US" sz="1100" i="1" spc="-10" dirty="0">
+              <a:rPr lang="ja-jp" sz="1100" i="1" spc="-10" dirty="0">
                 <a:solidFill>
                   <a:srgbClr val="7A7A7A"/>
                 </a:solidFill>
                 <a:latin typeface="Adobe Clean Light" panose="020B0303020404020204" pitchFamily="34" charset="0"/>
                 <a:cs typeface="AdobeClean-LightIt"/>
               </a:rPr>
-              <a:t>Subject to local hours</a:t>
+              <a:t>以当地时间为准</a:t>
             </a:r>
             <a:endParaRPr lang="en-US" sz="1100" i="1" dirty="0">
               <a:latin typeface="Adobe Clean Light" panose="020B0303020404020204" pitchFamily="34" charset="0"/>
@@ -10649,12 +10489,12 @@
               </a:spcAft>
             </a:pPr>
             <a:r>
-              <a:rPr lang="en-US" sz="1400" b="1" dirty="0">
+              <a:rPr lang="ja-jp" sz="1400" b="1" dirty="0">
                 <a:latin typeface="Adobe Clean" panose="020B0503020404020204" pitchFamily="34" charset="0"/>
                 <a:ea typeface="Open Sans" pitchFamily="34" charset="0"/>
                 <a:cs typeface="Open Sans" pitchFamily="34" charset="0"/>
               </a:rPr>
-              <a:t>Web Case Submission</a:t>
+              <a:t>网络案例提交</a:t>
             </a:r>
           </a:p>
         </p:txBody>
@@ -10674,7 +10514,7 @@
         <p:spPr>
           <a:xfrm>
             <a:off x="228600" y="7098563"/>
-            <a:ext cx="3237228" cy="600164"/>
+            <a:ext cx="3237228" cy="430887"/>
           </a:xfrm>
           <a:prstGeom prst="rect">
             <a:avLst/>
@@ -10687,19 +10527,43 @@
           <a:lstStyle/>
           <a:p>
             <a:r>
-              <a:rPr lang="en-US" sz="1100" dirty="0">
+              <a:rPr lang="ja-jp" sz="1100" dirty="0">
                 <a:solidFill>
                   <a:srgbClr val="020302"/>
                 </a:solidFill>
                 <a:latin typeface="AdobeClean-Light"/>
               </a:rPr>
-              <a:t>Authorized Users (Admins) </a:t>
-            </a:r>
-            <a:r>
-              <a:rPr lang="en-US" sz="1100" dirty="0">
+              <a:t>授权用户（管理员）</a:t>
+            </a:r>
+            <a:r>
+              <a:rPr lang="ja-jp" sz="1100" dirty="0">
                 <a:latin typeface="Adobe Clean Light"/>
               </a:rPr>
-              <a:t>can submit unlimited web cases at any time for support issues for review by our technical support team.</a:t>
+              <a:t>可以随时提交不限数量的网络</a:t>
+            </a:r>
+            <a:r>
+              <a:rPr lang="ja-jp" sz="1100">
+                <a:latin typeface="Adobe Clean Light"/>
+              </a:rPr>
+              <a:t>案例</a:t>
+            </a:r>
+            <a:r>
+              <a:rPr lang="ja-JP" altLang="en-US" sz="1100">
+                <a:latin typeface="Adobe Clean Light"/>
+              </a:rPr>
+              <a:t>、</a:t>
+            </a:r>
+            <a:r>
+              <a:rPr lang="ja-jp" sz="1100">
+                <a:latin typeface="Adobe Clean Light"/>
+              </a:rPr>
+              <a:t>供</a:t>
+            </a:r>
+            <a:r>
+              <a:rPr lang="ja-jp" sz="1100" dirty="0">
+                <a:latin typeface="Adobe Clean Light"/>
+              </a:rPr>
+              <a:t>技术支持团队审查支持问题。</a:t>
             </a:r>
             <a:endParaRPr lang="en-US" sz="1100" dirty="0">
               <a:solidFill>
@@ -10945,23 +10809,15 @@
               </a:spcBef>
             </a:pPr>
             <a:r>
-              <a:rPr spc="-5" dirty="0"/>
-              <a:t>©202</a:t>
-            </a:r>
-            <a:r>
-              <a:rPr lang="en-US" spc="-5" dirty="0"/>
-              <a:t>2</a:t>
-            </a:r>
-            <a:r>
-              <a:rPr spc="-5" dirty="0"/>
-              <a:t> Adobe. All Rights Reserved. Adobe</a:t>
-            </a:r>
-            <a:r>
-              <a:rPr spc="60" dirty="0"/>
+              <a:rPr lang="ja-jp" spc="-5" dirty="0"/>
+              <a:t>©2022 Adobe.All Rights Reserved.Adobe</a:t>
+            </a:r>
+            <a:r>
+              <a:rPr lang="ja-jp" spc="60" dirty="0"/>
               <a:t> </a:t>
             </a:r>
             <a:r>
-              <a:rPr spc="-5" dirty="0"/>
+              <a:rPr lang="ja-jp" spc="-5" dirty="0"/>
               <a:t>Confidential.</a:t>
             </a:r>
           </a:p>
@@ -11019,17 +10875,17 @@
               </a:lnSpc>
             </a:pPr>
             <a:r>
-              <a:rPr sz="500" spc="-5" dirty="0">
+              <a:rPr lang="ja-jp" sz="500" spc="-5" dirty="0">
                 <a:solidFill>
                   <a:srgbClr val="6C6C6C"/>
                 </a:solidFill>
                 <a:latin typeface="Adobe Clean"/>
                 <a:cs typeface="Adobe Clean"/>
               </a:rPr>
-              <a:t>©2020 Adobe. All Rights Reserved. </a:t>
-            </a:r>
-            <a:r>
-              <a:rPr sz="500" dirty="0">
+              <a:t>© 2020 Adobe. All Rights Reserved.</a:t>
+            </a:r>
+            <a:r>
+              <a:rPr lang="ja-jp" sz="500" dirty="0">
                 <a:solidFill>
                   <a:srgbClr val="6C6C6C"/>
                 </a:solidFill>
@@ -11039,7 +10895,7 @@
               <a:t>Adobe</a:t>
             </a:r>
             <a:r>
-              <a:rPr sz="500" spc="5" dirty="0">
+              <a:rPr lang="ja-jp" sz="500" spc="5" dirty="0">
                 <a:solidFill>
                   <a:srgbClr val="6C6C6C"/>
                 </a:solidFill>
@@ -11049,7 +10905,7 @@
               <a:t> </a:t>
             </a:r>
             <a:r>
-              <a:rPr sz="500" spc="-5" dirty="0">
+              <a:rPr lang="ja-jp" sz="500" spc="-5" dirty="0">
                 <a:solidFill>
                   <a:srgbClr val="6C6C6C"/>
                 </a:solidFill>
@@ -11087,17 +10943,17 @@
               </a:spcBef>
             </a:pPr>
             <a:r>
-              <a:rPr sz="800" spc="-5" dirty="0">
+              <a:rPr lang="ja-jp" sz="800" spc="-5" dirty="0">
                 <a:solidFill>
                   <a:srgbClr val="6D6D6D"/>
                 </a:solidFill>
                 <a:latin typeface="Adobe Clean"/>
                 <a:cs typeface="Adobe Clean"/>
               </a:rPr>
-              <a:t>©2020 Adobe. All Rights Reserved. Adobe</a:t>
-            </a:r>
-            <a:r>
-              <a:rPr sz="800" spc="75" dirty="0">
+              <a:t>© 2020 Adobe. All Rights Reserved.Adobe</a:t>
+            </a:r>
+            <a:r>
+              <a:rPr lang="ja-jp" sz="800" spc="75" dirty="0">
                 <a:solidFill>
                   <a:srgbClr val="6D6D6D"/>
                 </a:solidFill>
@@ -11107,7 +10963,7 @@
               <a:t> </a:t>
             </a:r>
             <a:r>
-              <a:rPr sz="800" spc="-5" dirty="0">
+              <a:rPr lang="ja-jp" sz="800" spc="-5" dirty="0">
                 <a:solidFill>
                   <a:srgbClr val="6D6D6D"/>
                 </a:solidFill>
@@ -11203,14 +11059,14 @@
               </a:spcBef>
             </a:pPr>
             <a:r>
-              <a:rPr lang="en-US" sz="1400" b="1" spc="-15" dirty="0">
+              <a:rPr lang="ja-jp" sz="1400" b="1" spc="-15" dirty="0">
                 <a:solidFill>
                   <a:srgbClr val="020302"/>
                 </a:solidFill>
                 <a:latin typeface="Adobe Clean"/>
                 <a:cs typeface="Adobe Clean"/>
               </a:rPr>
-              <a:t>Resources</a:t>
+              <a:t>资源</a:t>
             </a:r>
             <a:endParaRPr sz="1400" dirty="0">
               <a:latin typeface="Adobe Clean"/>
@@ -11228,7 +11084,7 @@
         <p:spPr>
           <a:xfrm>
             <a:off x="6754821" y="9283729"/>
-            <a:ext cx="930275" cy="662305"/>
+            <a:ext cx="930275" cy="758541"/>
           </a:xfrm>
           <a:prstGeom prst="rect">
             <a:avLst/>
@@ -11249,7 +11105,7 @@
               </a:spcBef>
             </a:pPr>
             <a:r>
-              <a:rPr sz="800" spc="-15" dirty="0">
+              <a:rPr lang="ja-jp" sz="800" spc="-15" dirty="0">
                 <a:solidFill>
                   <a:srgbClr val="777879"/>
                 </a:solidFill>
@@ -11270,7 +11126,7 @@
               </a:lnSpc>
             </a:pPr>
             <a:r>
-              <a:rPr sz="800" spc="-15" dirty="0">
+              <a:rPr lang="ja-jp" sz="800" spc="-15" dirty="0">
                 <a:solidFill>
                   <a:srgbClr val="777879"/>
                 </a:solidFill>
@@ -11280,7 +11136,7 @@
               <a:t>345 Park</a:t>
             </a:r>
             <a:r>
-              <a:rPr sz="800" spc="-100" dirty="0">
+              <a:rPr lang="ja-jp" sz="800" spc="-100" dirty="0">
                 <a:solidFill>
                   <a:srgbClr val="777879"/>
                 </a:solidFill>
@@ -11290,7 +11146,7 @@
               <a:t> </a:t>
             </a:r>
             <a:r>
-              <a:rPr sz="800" spc="-15" dirty="0">
+              <a:rPr lang="ja-jp" sz="800" spc="-15" dirty="0">
                 <a:solidFill>
                   <a:srgbClr val="777879"/>
                 </a:solidFill>
@@ -11311,7 +11167,7 @@
               </a:lnSpc>
             </a:pPr>
             <a:r>
-              <a:rPr sz="800" spc="-10" dirty="0">
+              <a:rPr lang="ja-jp" sz="800" spc="-10" dirty="0">
                 <a:solidFill>
                   <a:srgbClr val="777879"/>
                 </a:solidFill>
@@ -11321,27 +11177,47 @@
               <a:t>San </a:t>
             </a:r>
             <a:r>
-              <a:rPr sz="800" spc="-15" dirty="0">
+              <a:rPr lang="ja-jp" sz="800" spc="-15" dirty="0">
                 <a:solidFill>
                   <a:srgbClr val="777879"/>
                 </a:solidFill>
                 <a:latin typeface="Adobe Clean"/>
                 <a:cs typeface="Adobe Clean"/>
               </a:rPr>
-              <a:t>Jose,</a:t>
-            </a:r>
-            <a:r>
-              <a:rPr sz="800" spc="-140" dirty="0">
+              <a:t>Jo</a:t>
+            </a:r>
+            <a:r>
+              <a:rPr lang="ja-jp" sz="800" spc="-15">
                 <a:solidFill>
                   <a:srgbClr val="777879"/>
                 </a:solidFill>
                 <a:latin typeface="Adobe Clean"/>
                 <a:cs typeface="Adobe Clean"/>
               </a:rPr>
+              <a:t>se</a:t>
+            </a:r>
+            <a:r>
+              <a:rPr lang="ja-JP" altLang="en-US" sz="800" spc="-15">
+                <a:solidFill>
+                  <a:srgbClr val="777879"/>
+                </a:solidFill>
+                <a:latin typeface="Adobe Clean"/>
+                <a:cs typeface="Adobe Clean"/>
+              </a:rPr>
+              <a:t>、</a:t>
+            </a:r>
+            <a:r>
+              <a:rPr lang="ja-jp" sz="800" spc="-140">
+                <a:solidFill>
+                  <a:srgbClr val="777879"/>
+                </a:solidFill>
+                <a:latin typeface="Adobe Clean"/>
+                <a:cs typeface="Adobe Clean"/>
+              </a:rPr>
               <a:t> </a:t>
             </a:r>
             <a:r>
-              <a:rPr sz="800" spc="-20" dirty="0">
+              <a:rPr lang="ja-jp" sz="800" spc="-20" dirty="0">
                 <a:solidFill>
                   <a:srgbClr val="777879"/>
                 </a:solidFill>
@@ -11365,7 +11241,7 @@
               </a:spcBef>
             </a:pPr>
             <a:r>
-              <a:rPr sz="800" spc="-10" dirty="0">
+              <a:rPr lang="ja-jp" sz="800" spc="-10" dirty="0">
                 <a:solidFill>
                   <a:srgbClr val="777879"/>
                 </a:solidFill>
@@ -11389,7 +11265,7 @@
               </a:spcBef>
             </a:pPr>
             <a:r>
-              <a:rPr sz="800" u="sng" spc="-25" dirty="0">
+              <a:rPr lang="ja-jp" sz="800" u="sng" spc="-25" dirty="0">
                 <a:solidFill>
                   <a:srgbClr val="5F5F5F"/>
                 </a:solidFill>
@@ -11402,9 +11278,9 @@
                 <a:cs typeface="Adobe Clean"/>
                 <a:hlinkClick r:id="rId3"/>
               </a:rPr>
-              <a:t>www.adobe.com</a:t>
-            </a:r>
-            <a:endParaRPr sz="800">
+              <a:t>www.adobe.com/cn/</a:t>
+            </a:r>
+            <a:endParaRPr sz="800" dirty="0">
               <a:latin typeface="Adobe Clean"/>
               <a:cs typeface="Adobe Clean"/>
             </a:endParaRPr>
@@ -11582,37 +11458,37 @@
               </a:spcBef>
             </a:pPr>
             <a:r>
-              <a:rPr sz="1100" i="1" spc="-10" dirty="0">
+              <a:rPr lang="ja-jp" sz="1100" i="1" spc="-10" dirty="0">
                 <a:solidFill>
                   <a:srgbClr val="777879"/>
                 </a:solidFill>
                 <a:latin typeface="AdobeClean-LightIt"/>
                 <a:cs typeface="AdobeClean-LightIt"/>
               </a:rPr>
-              <a:t>To</a:t>
-            </a:r>
-            <a:r>
-              <a:rPr sz="1100" i="1" spc="-50" dirty="0">
+              <a:t>要</a:t>
+            </a:r>
+            <a:r>
+              <a:rPr lang="ja-jp" sz="1100" i="1" spc="-15" dirty="0">
                 <a:solidFill>
                   <a:srgbClr val="777879"/>
                 </a:solidFill>
                 <a:latin typeface="AdobeClean-LightIt"/>
                 <a:cs typeface="AdobeClean-LightIt"/>
               </a:rPr>
-              <a:t> </a:t>
-            </a:r>
-            <a:r>
-              <a:rPr sz="1100" i="1" spc="-15" dirty="0">
+              <a:t>详细</a:t>
+            </a:r>
+            <a:r>
+              <a:rPr lang="ja-jp" sz="1100" i="1" spc="-40" dirty="0">
                 <a:solidFill>
                   <a:srgbClr val="777879"/>
                 </a:solidFill>
                 <a:latin typeface="AdobeClean-LightIt"/>
                 <a:cs typeface="AdobeClean-LightIt"/>
               </a:rPr>
-              <a:t>learn</a:t>
-            </a:r>
-            <a:r>
-              <a:rPr sz="1100" i="1" spc="-40" dirty="0">
+              <a:t> </a:t>
+            </a:r>
+            <a:r>
+              <a:rPr lang="ja-jp" sz="1100" i="1" spc="-45" dirty="0">
                 <a:solidFill>
                   <a:srgbClr val="777879"/>
                 </a:solidFill>
@@ -11622,17 +11498,17 @@
               <a:t> </a:t>
             </a:r>
             <a:r>
-              <a:rPr sz="1100" i="1" spc="-15" dirty="0">
+              <a:rPr lang="ja-jp" sz="1100" i="1" spc="-15" dirty="0">
                 <a:solidFill>
                   <a:srgbClr val="777879"/>
                 </a:solidFill>
                 <a:latin typeface="AdobeClean-LightIt"/>
                 <a:cs typeface="AdobeClean-LightIt"/>
               </a:rPr>
-              <a:t>more</a:t>
-            </a:r>
-            <a:r>
-              <a:rPr sz="1100" i="1" spc="-45" dirty="0">
+              <a:t>了解 </a:t>
+            </a:r>
+            <a:r>
+              <a:rPr lang="ja-jp" sz="1100" i="1" spc="-45" dirty="0">
                 <a:solidFill>
                   <a:srgbClr val="777879"/>
                 </a:solidFill>
@@ -11642,17 +11518,17 @@
               <a:t> </a:t>
             </a:r>
             <a:r>
-              <a:rPr sz="1100" i="1" spc="-15" dirty="0">
+              <a:rPr lang="ja-jp" sz="1100" i="1" spc="-15" dirty="0">
                 <a:solidFill>
                   <a:srgbClr val="777879"/>
                 </a:solidFill>
                 <a:latin typeface="AdobeClean-LightIt"/>
                 <a:cs typeface="AdobeClean-LightIt"/>
               </a:rPr>
-              <a:t>about</a:t>
-            </a:r>
-            <a:r>
-              <a:rPr sz="1100" i="1" spc="-45" dirty="0">
+              <a:t>Adobe</a:t>
+            </a:r>
+            <a:r>
+              <a:rPr lang="ja-jp" sz="1100" i="1" spc="-60" dirty="0">
                 <a:solidFill>
                   <a:srgbClr val="777879"/>
                 </a:solidFill>
@@ -11662,17 +11538,17 @@
               <a:t> </a:t>
             </a:r>
             <a:r>
-              <a:rPr sz="1100" i="1" spc="-15" dirty="0">
+              <a:rPr lang="ja-jp" sz="1100" i="1" spc="-15" dirty="0">
                 <a:solidFill>
                   <a:srgbClr val="777879"/>
                 </a:solidFill>
                 <a:latin typeface="AdobeClean-LightIt"/>
                 <a:cs typeface="AdobeClean-LightIt"/>
               </a:rPr>
-              <a:t>Adobe</a:t>
-            </a:r>
-            <a:r>
-              <a:rPr sz="1100" i="1" spc="-60" dirty="0">
+              <a:t> 支持产品/服务</a:t>
+            </a:r>
+            <a:r>
+              <a:rPr lang="ja-jp" sz="1100" i="1" spc="-75" dirty="0">
                 <a:solidFill>
                   <a:srgbClr val="777879"/>
                 </a:solidFill>
@@ -11682,107 +11558,107 @@
               <a:t> </a:t>
             </a:r>
             <a:r>
-              <a:rPr sz="1100" i="1" spc="-15" dirty="0">
+              <a:rPr lang="ja-jp" sz="1100" i="1" spc="-15" dirty="0">
                 <a:solidFill>
                   <a:srgbClr val="777879"/>
                 </a:solidFill>
                 <a:latin typeface="AdobeClean-LightIt"/>
                 <a:cs typeface="AdobeClean-LightIt"/>
               </a:rPr>
-              <a:t>Support</a:t>
-            </a:r>
-            <a:r>
-              <a:rPr lang="en-US" sz="1100" i="1" spc="-15" dirty="0">
+              <a:t>和</a:t>
+            </a:r>
+            <a:r>
+              <a:rPr lang="ja-jp" sz="1100" i="1" spc="-50" dirty="0">
                 <a:solidFill>
                   <a:srgbClr val="777879"/>
                 </a:solidFill>
                 <a:latin typeface="AdobeClean-LightIt"/>
                 <a:cs typeface="AdobeClean-LightIt"/>
               </a:rPr>
-              <a:t> Offerings</a:t>
-            </a:r>
-            <a:r>
-              <a:rPr sz="1100" i="1" spc="-75" dirty="0">
+              <a:t> </a:t>
+            </a:r>
+            <a:r>
+              <a:rPr lang="ja-jp" sz="1100" i="1" spc="-15" dirty="0">
                 <a:solidFill>
                   <a:srgbClr val="777879"/>
                 </a:solidFill>
                 <a:latin typeface="AdobeClean-LightIt"/>
                 <a:cs typeface="AdobeClean-LightIt"/>
               </a:rPr>
-              <a:t> </a:t>
-            </a:r>
-            <a:r>
-              <a:rPr sz="1100" i="1" spc="-15" dirty="0">
+              <a:t>您</a:t>
+            </a:r>
+            <a:r>
+              <a:rPr lang="ja-jp" sz="1100" i="1" spc="-55" dirty="0">
                 <a:solidFill>
                   <a:srgbClr val="777879"/>
                 </a:solidFill>
                 <a:latin typeface="AdobeClean-LightIt"/>
                 <a:cs typeface="AdobeClean-LightIt"/>
               </a:rPr>
-              <a:t>and</a:t>
-            </a:r>
-            <a:r>
-              <a:rPr sz="1100" i="1" spc="-50" dirty="0">
+              <a:t> </a:t>
+            </a:r>
+            <a:r>
+              <a:rPr lang="ja-jp" sz="1100" i="1" spc="-15" dirty="0">
                 <a:solidFill>
                   <a:srgbClr val="777879"/>
                 </a:solidFill>
                 <a:latin typeface="AdobeClean-LightIt"/>
                 <a:cs typeface="AdobeClean-LightIt"/>
               </a:rPr>
-              <a:t> </a:t>
-            </a:r>
-            <a:r>
-              <a:rPr sz="1100" i="1" spc="-15" dirty="0">
+              <a:t>的</a:t>
+            </a:r>
+            <a:r>
+              <a:rPr lang="ja-jp" sz="1100" i="1" spc="-95" dirty="0">
                 <a:solidFill>
                   <a:srgbClr val="777879"/>
                 </a:solidFill>
                 <a:latin typeface="AdobeClean-LightIt"/>
                 <a:cs typeface="AdobeClean-LightIt"/>
               </a:rPr>
-              <a:t>the</a:t>
-            </a:r>
-            <a:r>
-              <a:rPr sz="1100" i="1" spc="-55" dirty="0">
+              <a:t> </a:t>
+            </a:r>
+            <a:r>
+              <a:rPr lang="ja-jp" sz="1100" i="1" spc="-15" dirty="0">
                 <a:solidFill>
                   <a:srgbClr val="777879"/>
                 </a:solidFill>
                 <a:latin typeface="AdobeClean-LightIt"/>
                 <a:cs typeface="AdobeClean-LightIt"/>
               </a:rPr>
-              <a:t> </a:t>
-            </a:r>
-            <a:r>
-              <a:rPr sz="1100" i="1" spc="-15" dirty="0">
+              <a:t>适当</a:t>
+            </a:r>
+            <a:r>
+              <a:rPr lang="ja-jp" sz="1100" i="1" spc="-55" dirty="0">
                 <a:solidFill>
                   <a:srgbClr val="777879"/>
                 </a:solidFill>
                 <a:latin typeface="AdobeClean-LightIt"/>
                 <a:cs typeface="AdobeClean-LightIt"/>
               </a:rPr>
-              <a:t>right</a:t>
-            </a:r>
-            <a:r>
-              <a:rPr sz="1100" i="1" spc="-95" dirty="0">
+              <a:t> </a:t>
+            </a:r>
+            <a:r>
+              <a:rPr lang="ja-jp" sz="1100" i="1" spc="-15" dirty="0">
                 <a:solidFill>
                   <a:srgbClr val="777879"/>
                 </a:solidFill>
                 <a:latin typeface="AdobeClean-LightIt"/>
                 <a:cs typeface="AdobeClean-LightIt"/>
               </a:rPr>
-              <a:t> </a:t>
-            </a:r>
-            <a:r>
-              <a:rPr sz="1100" i="1" spc="-15" dirty="0">
+              <a:t>级</a:t>
+            </a:r>
+            <a:r>
+              <a:rPr lang="ja-jp" sz="1100" i="1" spc="-15">
                 <a:solidFill>
                   <a:srgbClr val="777879"/>
                 </a:solidFill>
                 <a:latin typeface="AdobeClean-LightIt"/>
                 <a:cs typeface="AdobeClean-LightIt"/>
               </a:rPr>
-              <a:t>level</a:t>
-            </a:r>
-            <a:r>
-              <a:rPr sz="1100" i="1" spc="-55" dirty="0">
+              <a:t>别</a:t>
+            </a:r>
+            <a:r>
+              <a:rPr lang="ja-jp" sz="1100" i="1" spc="-85">
                 <a:solidFill>
                   <a:srgbClr val="777879"/>
                 </a:solidFill>
@@ -11792,17 +11668,17 @@
               <a:t> </a:t>
             </a:r>
             <a:r>
-              <a:rPr sz="1100" i="1" spc="-15" dirty="0">
+              <a:rPr lang="ja-JP" altLang="en-US" sz="1100" i="1" spc="-15">
                 <a:solidFill>
                   <a:srgbClr val="777879"/>
                 </a:solidFill>
                 <a:latin typeface="AdobeClean-LightIt"/>
                 <a:cs typeface="AdobeClean-LightIt"/>
               </a:rPr>
-              <a:t>for</a:t>
-            </a:r>
-            <a:r>
-              <a:rPr sz="1100" i="1" spc="-85" dirty="0">
+              <a:t>、</a:t>
+            </a:r>
+            <a:r>
+              <a:rPr lang="ja-jp" sz="1100" i="1" spc="-65">
                 <a:solidFill>
                   <a:srgbClr val="777879"/>
                 </a:solidFill>
@@ -11812,17 +11688,17 @@
               <a:t> </a:t>
             </a:r>
             <a:r>
-              <a:rPr sz="1100" i="1" spc="-15" dirty="0">
+              <a:rPr lang="ja-jp" sz="1100" i="1" spc="-15" dirty="0">
                 <a:solidFill>
                   <a:srgbClr val="777879"/>
                 </a:solidFill>
                 <a:latin typeface="AdobeClean-LightIt"/>
                 <a:cs typeface="AdobeClean-LightIt"/>
               </a:rPr>
-              <a:t>you,</a:t>
-            </a:r>
-            <a:r>
-              <a:rPr sz="1100" i="1" spc="-65" dirty="0">
+              <a:t>请联系</a:t>
+            </a:r>
+            <a:r>
+              <a:rPr lang="ja-jp" sz="1100" i="1" spc="-85" dirty="0">
                 <a:solidFill>
                   <a:srgbClr val="777879"/>
                 </a:solidFill>
@@ -11832,184 +11708,124 @@
               <a:t> </a:t>
             </a:r>
             <a:r>
-              <a:rPr sz="1100" i="1" spc="-15" dirty="0">
+              <a:rPr lang="ja-jp" sz="1100" i="1" spc="-70" dirty="0">
                 <a:solidFill>
                   <a:srgbClr val="777879"/>
                 </a:solidFill>
                 <a:latin typeface="AdobeClean-LightIt"/>
                 <a:cs typeface="AdobeClean-LightIt"/>
               </a:rPr>
-              <a:t>contact</a:t>
-            </a:r>
-            <a:r>
-              <a:rPr sz="1100" i="1" spc="-85" dirty="0">
+              <a:t> </a:t>
+            </a:r>
+            <a:r>
+              <a:rPr lang="ja-jp" sz="1100" i="1" spc="-15" dirty="0">
                 <a:solidFill>
                   <a:srgbClr val="777879"/>
                 </a:solidFill>
                 <a:latin typeface="AdobeClean-LightIt"/>
                 <a:cs typeface="AdobeClean-LightIt"/>
               </a:rPr>
-              <a:t> </a:t>
-            </a:r>
-            <a:r>
-              <a:rPr sz="1100" i="1" spc="-15" dirty="0">
+              <a:t>指定</a:t>
+            </a:r>
+            <a:r>
+              <a:rPr lang="ja-jp" sz="1100" i="1" spc="-55" dirty="0">
                 <a:solidFill>
                   <a:srgbClr val="777879"/>
                 </a:solidFill>
                 <a:latin typeface="AdobeClean-LightIt"/>
                 <a:cs typeface="AdobeClean-LightIt"/>
               </a:rPr>
-              <a:t>your</a:t>
-            </a:r>
-            <a:r>
-              <a:rPr sz="1100" i="1" spc="-70" dirty="0">
+              <a:t> </a:t>
+            </a:r>
+            <a:r>
+              <a:rPr lang="ja-jp" sz="1100" i="1" spc="-25" dirty="0">
                 <a:solidFill>
                   <a:srgbClr val="777879"/>
                 </a:solidFill>
                 <a:latin typeface="AdobeClean-LightIt"/>
                 <a:cs typeface="AdobeClean-LightIt"/>
               </a:rPr>
-              <a:t> </a:t>
-            </a:r>
-            <a:r>
-              <a:rPr sz="1100" i="1" spc="-15" dirty="0">
+              <a:t>客户</a:t>
+            </a:r>
+            <a:r>
+              <a:rPr lang="ja-jp" sz="1100" i="1" spc="-120" dirty="0">
                 <a:solidFill>
                   <a:srgbClr val="777879"/>
                 </a:solidFill>
                 <a:latin typeface="AdobeClean-LightIt"/>
                 <a:cs typeface="AdobeClean-LightIt"/>
               </a:rPr>
-              <a:t>Named</a:t>
-            </a:r>
-            <a:r>
-              <a:rPr sz="1100" i="1" spc="-55" dirty="0">
+              <a:t> </a:t>
+            </a:r>
+            <a:r>
+              <a:rPr lang="ja-jp" sz="1100" i="1" spc="-20" dirty="0">
                 <a:solidFill>
                   <a:srgbClr val="777879"/>
                 </a:solidFill>
                 <a:latin typeface="AdobeClean-LightIt"/>
                 <a:cs typeface="AdobeClean-LightIt"/>
               </a:rPr>
-              <a:t> </a:t>
-            </a:r>
-            <a:r>
-              <a:rPr sz="1100" i="1" spc="-25" dirty="0">
+              <a:t>经理 </a:t>
+            </a:r>
+            <a:r>
+              <a:rPr lang="ja-jp" sz="1100" i="1" spc="-15" dirty="0">
                 <a:solidFill>
                   <a:srgbClr val="777879"/>
                 </a:solidFill>
                 <a:latin typeface="AdobeClean-LightIt"/>
                 <a:cs typeface="AdobeClean-LightIt"/>
               </a:rPr>
-              <a:t>Account</a:t>
-            </a:r>
-            <a:r>
-              <a:rPr sz="1100" i="1" spc="-120" dirty="0">
+              <a:t>(NAM) </a:t>
+            </a:r>
+            <a:r>
+              <a:rPr lang="ja-jp" sz="1100" i="1" spc="-10" dirty="0">
                 <a:solidFill>
                   <a:srgbClr val="777879"/>
                 </a:solidFill>
                 <a:latin typeface="AdobeClean-LightIt"/>
                 <a:cs typeface="AdobeClean-LightIt"/>
               </a:rPr>
-              <a:t> </a:t>
-            </a:r>
-            <a:r>
-              <a:rPr sz="1100" i="1" spc="-20" dirty="0">
+              <a:t>或</a:t>
+            </a:r>
+            <a:r>
+              <a:rPr lang="ja-jp" sz="1100" i="1" spc="-15" dirty="0">
                 <a:solidFill>
                   <a:srgbClr val="777879"/>
                 </a:solidFill>
                 <a:latin typeface="AdobeClean-LightIt"/>
                 <a:cs typeface="AdobeClean-LightIt"/>
               </a:rPr>
-              <a:t>Manager </a:t>
-            </a:r>
-            <a:r>
-              <a:rPr sz="1100" i="1" spc="-15" dirty="0">
+              <a:t>客户</a:t>
+            </a:r>
+            <a:r>
+              <a:rPr lang="ja-jp" sz="1100" i="1" spc="-20" dirty="0">
                 <a:solidFill>
                   <a:srgbClr val="777879"/>
                 </a:solidFill>
                 <a:latin typeface="AdobeClean-LightIt"/>
                 <a:cs typeface="AdobeClean-LightIt"/>
               </a:rPr>
-              <a:t>(NAM) </a:t>
-            </a:r>
-            <a:r>
-              <a:rPr sz="1100" i="1" spc="-10" dirty="0">
+              <a:t>成功</a:t>
+            </a:r>
+            <a:r>
+              <a:rPr lang="ja-jp" sz="1100" i="1" spc="-180" dirty="0">
                 <a:solidFill>
                   <a:srgbClr val="777879"/>
                 </a:solidFill>
                 <a:latin typeface="AdobeClean-LightIt"/>
                 <a:cs typeface="AdobeClean-LightIt"/>
               </a:rPr>
-              <a:t>or </a:t>
-            </a:r>
-            <a:r>
-              <a:rPr sz="1100" i="1" spc="-15" dirty="0">
+              <a:t> </a:t>
+            </a:r>
+            <a:r>
+              <a:rPr lang="ja-jp" sz="1100" i="1" spc="-15" dirty="0">
                 <a:solidFill>
                   <a:srgbClr val="777879"/>
                 </a:solidFill>
                 <a:latin typeface="AdobeClean-LightIt"/>
                 <a:cs typeface="AdobeClean-LightIt"/>
               </a:rPr>
-              <a:t>Customer </a:t>
-            </a:r>
-            <a:r>
-              <a:rPr sz="1100" i="1" spc="-20" dirty="0">
-                <a:solidFill>
-                  <a:srgbClr val="777879"/>
-                </a:solidFill>
-                <a:latin typeface="AdobeClean-LightIt"/>
-                <a:cs typeface="AdobeClean-LightIt"/>
-              </a:rPr>
-              <a:t>Success</a:t>
-            </a:r>
-            <a:r>
-              <a:rPr sz="1100" i="1" spc="-180" dirty="0">
-                <a:solidFill>
-                  <a:srgbClr val="777879"/>
-                </a:solidFill>
-                <a:latin typeface="AdobeClean-LightIt"/>
-                <a:cs typeface="AdobeClean-LightIt"/>
-              </a:rPr>
-              <a:t> </a:t>
-            </a:r>
-            <a:r>
-              <a:rPr sz="1100" i="1" spc="-15" dirty="0">
-                <a:solidFill>
-                  <a:srgbClr val="777879"/>
-                </a:solidFill>
-                <a:latin typeface="AdobeClean-LightIt"/>
-                <a:cs typeface="AdobeClean-LightIt"/>
-              </a:rPr>
-              <a:t>Manager</a:t>
-            </a:r>
-            <a:r>
-              <a:rPr lang="en-US" sz="1100" i="1" spc="-15" dirty="0">
-                <a:solidFill>
-                  <a:srgbClr val="777879"/>
-                </a:solidFill>
-                <a:latin typeface="AdobeClean-LightIt"/>
-                <a:cs typeface="AdobeClean-LightIt"/>
-              </a:rPr>
-              <a:t> </a:t>
-            </a:r>
-            <a:r>
-              <a:rPr sz="1100" i="1" spc="-15" dirty="0">
-                <a:solidFill>
-                  <a:srgbClr val="777879"/>
-                </a:solidFill>
-                <a:latin typeface="AdobeClean-LightIt"/>
-                <a:cs typeface="AdobeClean-LightIt"/>
-              </a:rPr>
-              <a:t>(CSM)</a:t>
-            </a:r>
-            <a:r>
-              <a:rPr lang="en-US" sz="1100" i="1" spc="-15" dirty="0">
-                <a:solidFill>
-                  <a:srgbClr val="777879"/>
-                </a:solidFill>
-                <a:latin typeface="AdobeClean-LightIt"/>
-                <a:cs typeface="AdobeClean-LightIt"/>
-              </a:rPr>
-              <a:t>.</a:t>
+              <a:t>经理  (CSM)。</a:t>
             </a:r>
             <a:endParaRPr sz="1100" dirty="0">
               <a:latin typeface="AdobeClean-LightIt"/>
@@ -12026,47 +11842,27 @@
               </a:spcBef>
             </a:pPr>
             <a:r>
-              <a:rPr sz="800" spc="-5" dirty="0">
+              <a:rPr lang="ja-jp" sz="800" spc="-5" dirty="0">
                 <a:solidFill>
                   <a:srgbClr val="6D6D6D"/>
                 </a:solidFill>
                 <a:latin typeface="Adobe Clean"/>
                 <a:cs typeface="Adobe Clean"/>
               </a:rPr>
-              <a:t>©202</a:t>
-            </a:r>
-            <a:r>
-              <a:rPr lang="en-US" sz="800" spc="-5" dirty="0">
+              <a:t>©2022 Adobe.All Rights Reserved.Adobe</a:t>
+            </a:r>
+            <a:r>
+              <a:rPr lang="ja-jp" sz="800" spc="75" dirty="0">
                 <a:solidFill>
                   <a:srgbClr val="6D6D6D"/>
                 </a:solidFill>
                 <a:latin typeface="Adobe Clean"/>
                 <a:cs typeface="Adobe Clean"/>
               </a:rPr>
-              <a:t>2 </a:t>
-            </a:r>
-            <a:r>
-              <a:rPr sz="800" spc="-5" dirty="0">
-                <a:solidFill>
-                  <a:srgbClr val="6D6D6D"/>
-                </a:solidFill>
-                <a:latin typeface="Adobe Clean"/>
-                <a:cs typeface="Adobe Clean"/>
-              </a:rPr>
-              <a:t>Adobe. All Rights Reserved. Adobe</a:t>
-            </a:r>
-            <a:r>
-              <a:rPr sz="800" spc="75" dirty="0">
-                <a:solidFill>
-                  <a:srgbClr val="6D6D6D"/>
-                </a:solidFill>
-                <a:latin typeface="Adobe Clean"/>
-                <a:cs typeface="Adobe Clean"/>
-              </a:rPr>
               <a:t> </a:t>
             </a:r>
             <a:r>
-              <a:rPr sz="800" spc="-5" dirty="0">
+              <a:rPr lang="ja-jp" sz="800" spc="-5" dirty="0">
                 <a:solidFill>
                   <a:srgbClr val="6D6D6D"/>
                 </a:solidFill>
@@ -12115,14 +11911,14 @@
               </a:spcBef>
             </a:pPr>
             <a:r>
-              <a:rPr lang="en-US" sz="1400" b="1" spc="-15" dirty="0">
+              <a:rPr lang="ja-jp" sz="1400" b="1" spc="-15" dirty="0">
                 <a:solidFill>
                   <a:srgbClr val="020302"/>
                 </a:solidFill>
                 <a:latin typeface="Adobe Clean"/>
                 <a:cs typeface="Adobe Clean"/>
               </a:rPr>
-              <a:t>Core Regional Hours Of Operation And Language Support</a:t>
+              <a:t>核心地区营业时间和语言支持</a:t>
             </a:r>
           </a:p>
           <a:p>
@@ -12132,13 +11928,13 @@
               </a:spcBef>
             </a:pPr>
             <a:r>
-              <a:rPr lang="en-US" sz="1000" spc="-15" dirty="0">
+              <a:rPr lang="ja-jp" sz="1000" spc="-15" dirty="0">
                 <a:solidFill>
                   <a:srgbClr val="1F1F1F"/>
                 </a:solidFill>
                 <a:latin typeface="AdobeClean-Light"/>
               </a:rPr>
-              <a:t>Adobe’s local business hours align to the customer’s billing region.</a:t>
+              <a:t>Adobe 的本地营业时间与客户的计费区域一致。</a:t>
             </a:r>
           </a:p>
         </p:txBody>
@@ -12165,7 +11961,7 @@
         </p:nvGraphicFramePr>
         <p:xfrm>
           <a:off x="171128" y="5586349"/>
-          <a:ext cx="7391400" cy="1280160"/>
+          <a:ext cx="7391400" cy="1112520"/>
         </p:xfrm>
         <a:graphic>
           <a:graphicData uri="http://schemas.openxmlformats.org/drawingml/2006/table">
@@ -12211,16 +12007,16 @@
                     <a:p>
                       <a:pPr algn="ctr"/>
                       <a:r>
-                        <a:rPr lang="en-US" sz="1100" dirty="0">
+                        <a:rPr lang="ja-jp" sz="1100" dirty="0">
                           <a:solidFill>
                             <a:schemeClr val="tx1"/>
                           </a:solidFill>
                           <a:latin typeface="Adobe Clean" panose="020B0503020404020204" pitchFamily="34" charset="0"/>
                         </a:rPr>
-                        <a:t>Americas </a:t>
+                        <a:t>美洲</a:t>
                       </a:r>
                       <a:r>
-                        <a:rPr lang="en-US" sz="1100" baseline="30000" dirty="0">
+                        <a:rPr lang="ja-jp" sz="1100" baseline="30000" dirty="0">
                           <a:solidFill>
                             <a:schemeClr val="tx1"/>
                           </a:solidFill>
@@ -12285,13 +12081,13 @@
                     <a:p>
                       <a:pPr algn="ctr"/>
                       <a:r>
-                        <a:rPr lang="en-US" sz="1100" dirty="0">
+                        <a:rPr lang="ja-jp" sz="1100" dirty="0">
                           <a:solidFill>
                             <a:schemeClr val="tx1"/>
                           </a:solidFill>
                           <a:latin typeface="Adobe Clean" panose="020B0503020404020204" pitchFamily="34" charset="0"/>
                         </a:rPr>
-                        <a:t>Europe, Middle East &amp; Africa</a:t>
+                        <a:t>欧洲、中东和非洲</a:t>
                       </a:r>
                     </a:p>
                   </a:txBody>
@@ -12350,13 +12146,13 @@
                     <a:p>
                       <a:pPr algn="ctr"/>
                       <a:r>
-                        <a:rPr lang="en-US" sz="1100" dirty="0">
+                        <a:rPr lang="ja-jp" sz="1100" dirty="0">
                           <a:solidFill>
                             <a:schemeClr val="tx1"/>
                           </a:solidFill>
                           <a:latin typeface="Adobe Clean" panose="020B0503020404020204" pitchFamily="34" charset="0"/>
                         </a:rPr>
-                        <a:t>Asia Pacific</a:t>
+                        <a:t>亚太地区</a:t>
                       </a:r>
                     </a:p>
                   </a:txBody>
@@ -12415,13 +12211,13 @@
                     <a:p>
                       <a:pPr algn="ctr"/>
                       <a:r>
-                        <a:rPr lang="en-US" sz="1100" dirty="0">
+                        <a:rPr lang="ja-jp" sz="1100" dirty="0">
                           <a:solidFill>
                             <a:schemeClr val="tx1"/>
                           </a:solidFill>
                           <a:latin typeface="Adobe Clean" panose="020B0503020404020204" pitchFamily="34" charset="0"/>
                         </a:rPr>
-                        <a:t>Japan </a:t>
+                        <a:t>日本</a:t>
                       </a:r>
                     </a:p>
                   </a:txBody>
@@ -12487,13 +12283,13 @@
                     <a:p>
                       <a:pPr algn="ctr"/>
                       <a:r>
-                        <a:rPr lang="en-US" sz="1100" dirty="0">
+                        <a:rPr lang="ja-jp" sz="1100" dirty="0">
                           <a:solidFill>
                             <a:schemeClr val="tx1"/>
                           </a:solidFill>
                           <a:latin typeface="Adobe Clean" panose="020B0503020404020204" pitchFamily="34" charset="0"/>
                         </a:rPr>
-                        <a:t>24x7</a:t>
+                        <a:t>全天候</a:t>
                       </a:r>
                     </a:p>
                   </a:txBody>
@@ -12552,13 +12348,13 @@
                     <a:p>
                       <a:pPr algn="ctr"/>
                       <a:r>
-                        <a:rPr lang="en-US" sz="1100" dirty="0">
+                        <a:rPr lang="ja-jp" sz="1100" dirty="0">
                           <a:solidFill>
                             <a:schemeClr val="tx1"/>
                           </a:solidFill>
                           <a:latin typeface="Adobe Clean" panose="020B0503020404020204" pitchFamily="34" charset="0"/>
                         </a:rPr>
-                        <a:t>9 am – 5 pm</a:t>
+                        <a:t>上午 9:00 – 下午 5:00</a:t>
                       </a:r>
                     </a:p>
                   </a:txBody>
@@ -12617,13 +12413,13 @@
                     <a:p>
                       <a:pPr algn="ctr"/>
                       <a:r>
-                        <a:rPr lang="en-US" sz="1100" dirty="0">
+                        <a:rPr lang="ja-jp" sz="1100" dirty="0">
                           <a:solidFill>
                             <a:schemeClr val="tx1"/>
                           </a:solidFill>
                           <a:latin typeface="Adobe Clean" panose="020B0503020404020204" pitchFamily="34" charset="0"/>
                         </a:rPr>
-                        <a:t>9 am – 5 pm</a:t>
+                        <a:t>上午 9:00 – 下午 5:00</a:t>
                       </a:r>
                     </a:p>
                   </a:txBody>
@@ -12682,13 +12478,13 @@
                     <a:p>
                       <a:pPr algn="ctr"/>
                       <a:r>
-                        <a:rPr lang="en-US" sz="1100" dirty="0">
+                        <a:rPr lang="ja-jp" sz="1100" dirty="0">
                           <a:solidFill>
                             <a:schemeClr val="tx1"/>
                           </a:solidFill>
                           <a:latin typeface="Adobe Clean" panose="020B0503020404020204" pitchFamily="34" charset="0"/>
                         </a:rPr>
-                        <a:t>9 am – 5:30 pm</a:t>
+                        <a:t>上午 9:00 – 下午 5:30</a:t>
                       </a:r>
                     </a:p>
                   </a:txBody>
@@ -12795,7 +12591,7 @@
                         <a:defRPr/>
                       </a:pPr>
                       <a:r>
-                        <a:rPr lang="en-US" sz="1100" baseline="30000" dirty="0">
+                        <a:rPr lang="ja-jp" sz="1100" baseline="30000" dirty="0">
                           <a:solidFill>
                             <a:schemeClr val="tx1"/>
                           </a:solidFill>
@@ -12804,13 +12600,13 @@
                         <a:t>1</a:t>
                       </a:r>
                       <a:r>
-                        <a:rPr lang="en-US" sz="1100" dirty="0">
+                        <a:rPr lang="ja-jp" sz="1100" dirty="0">
                           <a:solidFill>
                             <a:schemeClr val="tx1"/>
                           </a:solidFill>
                           <a:latin typeface="Adobe Clean" panose="020B0503020404020204" pitchFamily="34" charset="0"/>
                         </a:rPr>
-                        <a:t>Americas Language support available in English only.</a:t>
+                        <a:t>美洲语言支持仅提供英文版本。</a:t>
                       </a:r>
                       <a:endParaRPr kumimoji="0" lang="en-US" sz="1100" b="1" i="0" u="none" strike="noStrike" kern="0" cap="none" spc="0" normalizeH="0" baseline="30000" noProof="0" dirty="0">
                         <a:ln>
@@ -13189,7 +12985,7 @@
           </a:bodyPr>
           <a:lstStyle/>
           <a:p>
-            <a:pPr marL="139065" marR="5080" indent="-139065">
+            <a:pPr marL="6350" marR="5080" indent="-6350" algn="ctr">
               <a:lnSpc>
                 <a:spcPts val="1390"/>
               </a:lnSpc>
@@ -13198,124 +12994,54 @@
               </a:spcBef>
             </a:pPr>
             <a:r>
-              <a:rPr sz="1200" b="1" spc="-15" dirty="0">
+              <a:rPr lang="ja-jp" sz="1200" b="1" spc="-15" dirty="0">
                 <a:solidFill>
                   <a:srgbClr val="FFFFFF"/>
                 </a:solidFill>
                 <a:latin typeface="Adobe Clean"/>
                 <a:cs typeface="Adobe Clean"/>
               </a:rPr>
-              <a:t>U</a:t>
-            </a:r>
-            <a:r>
-              <a:rPr sz="1200" b="1" spc="-20" dirty="0">
+              <a:t>无</a:t>
+            </a:r>
+            <a:r>
+              <a:rPr lang="ja-jp" sz="1200" b="1" spc="-20" dirty="0">
                 <a:solidFill>
                   <a:srgbClr val="FFFFFF"/>
                 </a:solidFill>
                 <a:latin typeface="Adobe Clean"/>
                 <a:cs typeface="Adobe Clean"/>
               </a:rPr>
-              <a:t>n</a:t>
-            </a:r>
-            <a:r>
-              <a:rPr sz="1200" b="1" spc="-25" dirty="0">
+              <a:t>与</a:t>
+            </a:r>
+            <a:r>
+              <a:rPr lang="ja-jp" sz="1200" b="1" spc="-25" dirty="0">
                 <a:solidFill>
                   <a:srgbClr val="FFFFFF"/>
                 </a:solidFill>
                 <a:latin typeface="Adobe Clean"/>
                 <a:cs typeface="Adobe Clean"/>
               </a:rPr>
-              <a:t>p</a:t>
-            </a:r>
-            <a:r>
-              <a:rPr sz="1200" b="1" spc="-15" dirty="0">
+              <a:t>伦</a:t>
+            </a:r>
+            <a:r>
+              <a:rPr lang="ja-jp" sz="1200" b="1" spc="-15" dirty="0">
                 <a:solidFill>
                   <a:srgbClr val="FFFFFF"/>
                 </a:solidFill>
                 <a:latin typeface="Adobe Clean"/>
                 <a:cs typeface="Adobe Clean"/>
               </a:rPr>
-              <a:t>a</a:t>
-            </a:r>
-            <a:r>
-              <a:rPr sz="1200" b="1" spc="-25" dirty="0">
+              <a:t>比</a:t>
+            </a:r>
+            <a:r>
+              <a:rPr lang="ja-jp" sz="1200" b="1" spc="-25" dirty="0">
                 <a:solidFill>
                   <a:srgbClr val="FFFFFF"/>
                 </a:solidFill>
                 <a:latin typeface="Adobe Clean"/>
                 <a:cs typeface="Adobe Clean"/>
               </a:rPr>
-              <a:t>r</a:t>
-            </a:r>
-            <a:r>
-              <a:rPr sz="1200" b="1" spc="-15" dirty="0">
-                <a:solidFill>
-                  <a:srgbClr val="FFFFFF"/>
-                </a:solidFill>
-                <a:latin typeface="Adobe Clean"/>
-                <a:cs typeface="Adobe Clean"/>
-              </a:rPr>
-              <a:t>a</a:t>
-            </a:r>
-            <a:r>
-              <a:rPr sz="1200" b="1" spc="-30" dirty="0">
-                <a:solidFill>
-                  <a:srgbClr val="FFFFFF"/>
-                </a:solidFill>
-                <a:latin typeface="Adobe Clean"/>
-                <a:cs typeface="Adobe Clean"/>
-              </a:rPr>
-              <a:t>ll</a:t>
-            </a:r>
-            <a:r>
-              <a:rPr sz="1200" b="1" spc="-25" dirty="0">
-                <a:solidFill>
-                  <a:srgbClr val="FFFFFF"/>
-                </a:solidFill>
-                <a:latin typeface="Adobe Clean"/>
-                <a:cs typeface="Adobe Clean"/>
-              </a:rPr>
-              <a:t>e</a:t>
-            </a:r>
-            <a:r>
-              <a:rPr sz="1200" b="1" spc="-30" dirty="0">
-                <a:solidFill>
-                  <a:srgbClr val="FFFFFF"/>
-                </a:solidFill>
-                <a:latin typeface="Adobe Clean"/>
-                <a:cs typeface="Adobe Clean"/>
-              </a:rPr>
-              <a:t>l</a:t>
-            </a:r>
-            <a:r>
-              <a:rPr sz="1200" b="1" spc="-25" dirty="0">
-                <a:solidFill>
-                  <a:srgbClr val="FFFFFF"/>
-                </a:solidFill>
-                <a:latin typeface="Adobe Clean"/>
-                <a:cs typeface="Adobe Clean"/>
-              </a:rPr>
-              <a:t>e</a:t>
-            </a:r>
-            <a:r>
-              <a:rPr sz="1200" b="1" dirty="0">
-                <a:solidFill>
-                  <a:srgbClr val="FFFFFF"/>
-                </a:solidFill>
-                <a:latin typeface="Adobe Clean"/>
-                <a:cs typeface="Adobe Clean"/>
-              </a:rPr>
-              <a:t>d  </a:t>
-            </a:r>
-            <a:r>
-              <a:rPr sz="1200" b="1" spc="-25" dirty="0">
-                <a:solidFill>
-                  <a:srgbClr val="FFFFFF"/>
-                </a:solidFill>
-                <a:latin typeface="Adobe Clean"/>
-                <a:cs typeface="Adobe Clean"/>
-              </a:rPr>
-              <a:t>Expertise</a:t>
+              <a:t>的专业知识</a:t>
             </a:r>
             <a:endParaRPr sz="1200" dirty="0">
               <a:latin typeface="Adobe Clean"/>
@@ -13339,7 +13065,7 @@
         <p:spPr>
           <a:xfrm>
             <a:off x="4732495" y="8541244"/>
-            <a:ext cx="810895" cy="382797"/>
+            <a:ext cx="810895" cy="203261"/>
           </a:xfrm>
           <a:prstGeom prst="rect">
             <a:avLst/>
@@ -13351,7 +13077,7 @@
           </a:bodyPr>
           <a:lstStyle/>
           <a:p>
-            <a:pPr marL="139065" marR="5080" indent="-139065">
+            <a:pPr marL="6350" marR="5080" indent="-6350" algn="ctr">
               <a:lnSpc>
                 <a:spcPts val="1390"/>
               </a:lnSpc>
@@ -13360,14 +13086,14 @@
               </a:spcBef>
             </a:pPr>
             <a:r>
-              <a:rPr lang="en-US" sz="1200" b="1" spc="-15" dirty="0">
+              <a:rPr lang="ja-jp" sz="1200" b="1" spc="-15" dirty="0">
                 <a:solidFill>
                   <a:srgbClr val="FFFFFF"/>
                 </a:solidFill>
                 <a:latin typeface="Adobe Clean"/>
                 <a:cs typeface="Adobe Clean"/>
               </a:rPr>
-              <a:t>Accelerated Support</a:t>
+              <a:t>加速支持</a:t>
             </a:r>
             <a:endParaRPr sz="1200" dirty="0">
               <a:latin typeface="Adobe Clean"/>
@@ -13403,7 +13129,7 @@
           </a:bodyPr>
           <a:lstStyle/>
           <a:p>
-            <a:pPr marL="50800" marR="5080" indent="-51435">
+            <a:pPr marL="6350" marR="5080" indent="-6350" algn="ctr">
               <a:lnSpc>
                 <a:spcPts val="1390"/>
               </a:lnSpc>
@@ -13412,104 +13138,44 @@
               </a:spcBef>
             </a:pPr>
             <a:r>
-              <a:rPr sz="1200" b="1" spc="-50" dirty="0">
+              <a:rPr lang="ja-jp" sz="1200" b="1" spc="-50" dirty="0">
                 <a:solidFill>
                   <a:srgbClr val="FFFFFF"/>
                 </a:solidFill>
                 <a:latin typeface="Adobe Clean"/>
                 <a:cs typeface="Adobe Clean"/>
               </a:rPr>
-              <a:t>S</a:t>
-            </a:r>
-            <a:r>
-              <a:rPr sz="1200" b="1" spc="-20" dirty="0">
+              <a:t>战</a:t>
+            </a:r>
+            <a:r>
+              <a:rPr lang="ja-jp" sz="1200" b="1" spc="-20" dirty="0">
                 <a:solidFill>
                   <a:srgbClr val="FFFFFF"/>
                 </a:solidFill>
                 <a:latin typeface="Adobe Clean"/>
                 <a:cs typeface="Adobe Clean"/>
               </a:rPr>
-              <a:t>t</a:t>
-            </a:r>
-            <a:r>
-              <a:rPr sz="1200" b="1" spc="-75" dirty="0">
+              <a:t>略</a:t>
+            </a:r>
+            <a:r>
+              <a:rPr lang="ja-jp" sz="1200" b="1" spc="-75" dirty="0">
                 <a:solidFill>
                   <a:srgbClr val="FFFFFF"/>
                 </a:solidFill>
                 <a:latin typeface="Adobe Clean"/>
                 <a:cs typeface="Adobe Clean"/>
               </a:rPr>
-              <a:t>r</a:t>
-            </a:r>
-            <a:r>
-              <a:rPr sz="1200" b="1" spc="-90" dirty="0">
+              <a:t>性</a:t>
+            </a:r>
+            <a:r>
+              <a:rPr lang="ja-jp" sz="1200" b="1" spc="-45" dirty="0">
                 <a:solidFill>
                   <a:srgbClr val="FFFFFF"/>
                 </a:solidFill>
                 <a:latin typeface="Adobe Clean"/>
                 <a:cs typeface="Adobe Clean"/>
               </a:rPr>
-              <a:t>a</a:t>
-            </a:r>
-            <a:r>
-              <a:rPr sz="1200" b="1" spc="-55" dirty="0">
-                <a:solidFill>
-                  <a:srgbClr val="FFFFFF"/>
-                </a:solidFill>
-                <a:latin typeface="Adobe Clean"/>
-                <a:cs typeface="Adobe Clean"/>
-              </a:rPr>
-              <a:t>t</a:t>
-            </a:r>
-            <a:r>
-              <a:rPr sz="1200" b="1" spc="-100" dirty="0">
-                <a:solidFill>
-                  <a:srgbClr val="FFFFFF"/>
-                </a:solidFill>
-                <a:latin typeface="Adobe Clean"/>
-                <a:cs typeface="Adobe Clean"/>
-              </a:rPr>
-              <a:t>e</a:t>
-            </a:r>
-            <a:r>
-              <a:rPr sz="1200" b="1" spc="-80" dirty="0">
-                <a:solidFill>
-                  <a:srgbClr val="FFFFFF"/>
-                </a:solidFill>
-                <a:latin typeface="Adobe Clean"/>
-                <a:cs typeface="Adobe Clean"/>
-              </a:rPr>
-              <a:t>g</a:t>
-            </a:r>
-            <a:r>
-              <a:rPr sz="1200" b="1" spc="-35" dirty="0">
-                <a:solidFill>
-                  <a:srgbClr val="FFFFFF"/>
-                </a:solidFill>
-                <a:latin typeface="Adobe Clean"/>
-                <a:cs typeface="Adobe Clean"/>
-              </a:rPr>
-              <a:t>i</a:t>
-            </a:r>
-            <a:r>
-              <a:rPr sz="1200" b="1" dirty="0">
-                <a:solidFill>
-                  <a:srgbClr val="FFFFFF"/>
-                </a:solidFill>
-                <a:latin typeface="Adobe Clean"/>
-                <a:cs typeface="Adobe Clean"/>
-              </a:rPr>
-              <a:t>c  </a:t>
-            </a:r>
-            <a:r>
-              <a:rPr sz="1200" b="1" spc="-45" dirty="0">
-                <a:solidFill>
-                  <a:srgbClr val="FFFFFF"/>
-                </a:solidFill>
-                <a:latin typeface="Adobe Clean"/>
-                <a:cs typeface="Adobe Clean"/>
-              </a:rPr>
-              <a:t>Advice</a:t>
+              <a:t>建议</a:t>
             </a:r>
             <a:endParaRPr sz="1200" dirty="0">
               <a:latin typeface="Adobe Clean"/>
@@ -13520,7 +13186,7 @@
       </p:sp>
       <p:pic>
         <p:nvPicPr>
-          <p:cNvPr id="8" name="Graphic 7" descr="Target outline">
+          <p:cNvPr id="8" name="Graphic 7" descr="目标轮廓图">
             <a:extLst>
               <a:ext uri="{FF2B5EF4-FFF2-40B4-BE49-F238E27FC236}">
                 <a16:creationId xmlns:a16="http://schemas.microsoft.com/office/drawing/2014/main" id="{1EAA263E-04A7-0D46-952E-EA3033B45116}"/>
@@ -13559,7 +13225,7 @@
       </p:pic>
       <p:pic>
         <p:nvPicPr>
-          <p:cNvPr id="10" name="Graphic 9" descr="Rocket outline">
+          <p:cNvPr id="10" name="Graphic 9" descr="火箭轮廓图">
             <a:extLst>
               <a:ext uri="{FF2B5EF4-FFF2-40B4-BE49-F238E27FC236}">
                 <a16:creationId xmlns:a16="http://schemas.microsoft.com/office/drawing/2014/main" id="{A068EBC3-B418-4E4A-A520-101CA4B39F23}"/>
@@ -13598,7 +13264,7 @@
       </p:pic>
       <p:pic>
         <p:nvPicPr>
-          <p:cNvPr id="12" name="Graphic 11" descr="Medal outline">
+          <p:cNvPr id="12" name="Graphic 11" descr="勋章轮廓图">
             <a:extLst>
               <a:ext uri="{FF2B5EF4-FFF2-40B4-BE49-F238E27FC236}">
                 <a16:creationId xmlns:a16="http://schemas.microsoft.com/office/drawing/2014/main" id="{C7BEFC2D-0CA6-0448-B9FA-6E1581CA6D36}"/>
@@ -13650,14 +13316,14 @@
           <p:nvPr>
             <p:extLst>
               <p:ext uri="{D42A27DB-BD31-4B8C-83A1-F6EECF244321}">
-                <p14:modId xmlns:p14="http://schemas.microsoft.com/office/powerpoint/2010/main" val="2132680960"/>
+                <p14:modId xmlns:p14="http://schemas.microsoft.com/office/powerpoint/2010/main" val="3176815546"/>
               </p:ext>
             </p:extLst>
           </p:nvPr>
         </p:nvGraphicFramePr>
         <p:xfrm>
           <a:off x="202054" y="1222225"/>
-          <a:ext cx="7368291" cy="2473960"/>
+          <a:ext cx="7368291" cy="2016760"/>
         </p:xfrm>
         <a:graphic>
           <a:graphicData uri="http://schemas.openxmlformats.org/drawingml/2006/table">
@@ -13691,7 +13357,7 @@
                         <a:tabLst/>
                       </a:pPr>
                       <a:r>
-                        <a:rPr lang="en-US" sz="1200" b="0" strike="noStrike" dirty="0">
+                        <a:rPr lang="ja-jp" sz="1200" b="0" strike="noStrike" dirty="0">
                           <a:solidFill>
                             <a:srgbClr val="5F5F5F"/>
                           </a:solidFill>
@@ -13789,7 +13455,7 @@
                         <a:defRPr/>
                       </a:pPr>
                       <a:r>
-                        <a:rPr lang="en-US" sz="1000" b="0" strike="noStrike" kern="1200" dirty="0">
+                        <a:rPr lang="ja-jp" sz="1000" b="0" strike="noStrike" kern="1200" dirty="0">
                           <a:solidFill>
                             <a:schemeClr val="tx1"/>
                           </a:solidFill>
@@ -13797,7 +13463,7 @@
                           <a:ea typeface="+mn-ea"/>
                           <a:cs typeface="+mn-cs"/>
                         </a:rPr>
-                        <a:t>Experience League is a place where Adobe customers can find self-help tutorials, product documentation, instructor-led training, community and support for select Adobe Creative Cloud and Document products.</a:t>
+                        <a:t>Experience League 为 Adobe 客户提供针对精选 Adobe Creative Cloud 和文档产品的自助教程、产品文档、讲师指导的培训、社区和技术支持。</a:t>
                       </a:r>
                     </a:p>
                   </a:txBody>
@@ -13879,7 +13545,7 @@
                         <a:defRPr/>
                       </a:pPr>
                       <a:r>
-                        <a:rPr lang="en-US" sz="1200" strike="noStrike" dirty="0">
+                        <a:rPr lang="ja-jp" sz="1200" strike="noStrike" dirty="0">
                           <a:solidFill>
                             <a:srgbClr val="5F5F5F"/>
                           </a:solidFill>
@@ -13895,7 +13561,7 @@
                             </a:extLst>
                           </a:hlinkClick>
                         </a:rPr>
-                        <a:t>Adobe Support Community </a:t>
+                        <a:t>Adobe 支持社区</a:t>
                       </a:r>
                       <a:endParaRPr lang="en-US" sz="1200" strike="noStrike" dirty="0">
                         <a:solidFill>
@@ -13979,7 +13645,7 @@
                         <a:defRPr/>
                       </a:pPr>
                       <a:r>
-                        <a:rPr lang="en-US" sz="1000" strike="noStrike" kern="1200" dirty="0">
+                        <a:rPr lang="ja-jp" sz="1000" strike="noStrike" kern="1200" dirty="0">
                           <a:solidFill>
                             <a:schemeClr val="tx1"/>
                           </a:solidFill>
@@ -13987,7 +13653,7 @@
                           <a:ea typeface="+mn-ea"/>
                           <a:cs typeface="+mn-cs"/>
                         </a:rPr>
-                        <a:t>The Adobe Support Community is the place to ask questions, find answers, learn from experts and share your knowledge.</a:t>
+                        <a:t>Adobe 支持社区是提出问题、找到答案、向专家学习和分享知识的场所。</a:t>
                       </a:r>
                       <a:endParaRPr lang="en-US" sz="1000" strike="noStrike" kern="1200" dirty="0">
                         <a:solidFill>
@@ -14080,7 +13746,7 @@
                         <a:defRPr/>
                       </a:pPr>
                       <a:r>
-                        <a:rPr lang="en-US" sz="1200" dirty="0">
+                        <a:rPr lang="ja-jp" sz="1200" dirty="0">
                           <a:solidFill>
                             <a:srgbClr val="5F5F5F"/>
                           </a:solidFill>
@@ -14096,7 +13762,7 @@
                             </a:extLst>
                           </a:hlinkClick>
                         </a:rPr>
-                        <a:t>Production Issues &amp; System Outages</a:t>
+                        <a:t>生产问题和系统中断</a:t>
                       </a:r>
                       <a:endParaRPr lang="en-US" sz="1200" dirty="0">
                         <a:solidFill>
@@ -14180,7 +13846,7 @@
                         <a:defRPr/>
                       </a:pPr>
                       <a:r>
-                        <a:rPr lang="en-US" sz="1000" kern="1200" dirty="0">
+                        <a:rPr lang="ja-jp" sz="1000" kern="1200" dirty="0">
                           <a:solidFill>
                             <a:schemeClr val="tx1"/>
                           </a:solidFill>
@@ -14188,7 +13854,61 @@
                           <a:ea typeface="+mn-ea"/>
                           <a:cs typeface="+mn-cs"/>
                         </a:rPr>
-                        <a:t>Status.adobe.com conveys the health information of all Adobe products and services that are deployed in multi-tenant environments. Customers can choose their subscription preferences to get email notifications whenever Adobe creates, updates or resolves a product event. This can include scheduled maintenance or service issues of varying levels of severity. </a:t>
+                        <a:t>Status.adobe.com 传达在多租户环境中部署的所有 Adobe 产品和服务的运行状况信息。客户可以选择他们的订阅偏好</a:t>
+                      </a:r>
+                      <a:r>
+                        <a:rPr lang="ja-jp" sz="1000" kern="1200">
+                          <a:solidFill>
+                            <a:schemeClr val="tx1"/>
+                          </a:solidFill>
+                          <a:latin typeface="Adobe Clean Light" panose="020B0303020404020204" pitchFamily="34" charset="0"/>
+                          <a:ea typeface="+mn-ea"/>
+                          <a:cs typeface="+mn-cs"/>
+                        </a:rPr>
+                        <a:t>设置</a:t>
+                      </a:r>
+                      <a:r>
+                        <a:rPr lang="ja-JP" altLang="en-US" sz="1000" kern="1200">
+                          <a:solidFill>
+                            <a:schemeClr val="tx1"/>
+                          </a:solidFill>
+                          <a:latin typeface="Adobe Clean Light" panose="020B0303020404020204" pitchFamily="34" charset="0"/>
+                          <a:ea typeface="+mn-ea"/>
+                          <a:cs typeface="+mn-cs"/>
+                        </a:rPr>
+                        <a:t>、</a:t>
+                      </a:r>
+                      <a:br>
+                        <a:rPr lang="en-US" altLang="ja-JP" sz="1000" kern="1200" dirty="0">
+                          <a:solidFill>
+                            <a:schemeClr val="tx1"/>
+                          </a:solidFill>
+                          <a:latin typeface="Adobe Clean Light" panose="020B0303020404020204" pitchFamily="34" charset="0"/>
+                          <a:ea typeface="+mn-ea"/>
+                          <a:cs typeface="+mn-cs"/>
+                        </a:rPr>
+                      </a:br>
+                      <a:r>
+                        <a:rPr lang="ja-jp" sz="1000" kern="1200">
+                          <a:solidFill>
+                            <a:schemeClr val="tx1"/>
+                          </a:solidFill>
+                          <a:latin typeface="Adobe Clean Light" panose="020B0303020404020204" pitchFamily="34" charset="0"/>
+                          <a:ea typeface="+mn-ea"/>
+                          <a:cs typeface="+mn-cs"/>
+                        </a:rPr>
+                        <a:t>以</a:t>
+                      </a:r>
+                      <a:r>
+                        <a:rPr lang="ja-jp" sz="1000" kern="1200" dirty="0">
+                          <a:solidFill>
+                            <a:schemeClr val="tx1"/>
+                          </a:solidFill>
+                          <a:latin typeface="Adobe Clean Light" panose="020B0303020404020204" pitchFamily="34" charset="0"/>
+                          <a:ea typeface="+mn-ea"/>
+                          <a:cs typeface="+mn-cs"/>
+                        </a:rPr>
+                        <a:t>便在 Adobe 创建、更新或处理产品事件时收到电子邮件通知。这可能包括严重性不同的定期维护或服务问题。</a:t>
                       </a:r>
                     </a:p>
                   </a:txBody>
@@ -14270,7 +13990,7 @@
                         <a:defRPr/>
                       </a:pPr>
                       <a:r>
-                        <a:rPr lang="en-US" sz="1200" dirty="0">
+                        <a:rPr lang="ja-jp" sz="1200" dirty="0">
                           <a:solidFill>
                             <a:srgbClr val="5F5F5F"/>
                           </a:solidFill>
@@ -14286,7 +14006,7 @@
                             </a:extLst>
                           </a:hlinkClick>
                         </a:rPr>
-                        <a:t>Terms and Conditions</a:t>
+                        <a:t>条款和条件</a:t>
                       </a:r>
                       <a:endParaRPr lang="en-US" sz="1200" dirty="0">
                         <a:solidFill>
@@ -14353,7 +14073,7 @@
                     <a:lstStyle/>
                     <a:p>
                       <a:r>
-                        <a:rPr lang="en-US" sz="1000" kern="1200" dirty="0">
+                        <a:rPr lang="ja-jp" sz="1000" kern="1200" dirty="0">
                           <a:solidFill>
                             <a:schemeClr val="tx1"/>
                           </a:solidFill>
@@ -14361,7 +14081,7 @@
                           <a:ea typeface="+mn-ea"/>
                           <a:cs typeface="+mn-cs"/>
                         </a:rPr>
-                        <a:t>Terms and conditions detailing Support Services offerings.</a:t>
+                        <a:t>详细说明支持服务产品的条款和条件。</a:t>
                       </a:r>
                     </a:p>
                   </a:txBody>
